--- a/trunk/src_ebd_tool/docs/Help_djedai.pptx
+++ b/trunk/src_ebd_tool/docs/Help_djedai.pptx
@@ -5,14 +5,15 @@
     <p:sldMasterId id="2147483648" r:id="rId1"/>
   </p:sldMasterIdLst>
   <p:notesMasterIdLst>
-    <p:notesMasterId r:id="rId7"/>
+    <p:notesMasterId r:id="rId8"/>
   </p:notesMasterIdLst>
   <p:sldIdLst>
     <p:sldId id="257" r:id="rId2"/>
-    <p:sldId id="256" r:id="rId3"/>
+    <p:sldId id="259" r:id="rId3"/>
     <p:sldId id="258" r:id="rId4"/>
-    <p:sldId id="259" r:id="rId5"/>
-    <p:sldId id="260" r:id="rId6"/>
+    <p:sldId id="260" r:id="rId5"/>
+    <p:sldId id="261" r:id="rId6"/>
+    <p:sldId id="262" r:id="rId7"/>
   </p:sldIdLst>
   <p:sldSz cx="12192000" cy="6858000"/>
   <p:notesSz cx="6794500" cy="9906000"/>
@@ -201,7 +202,7 @@
           <a:p>
             <a:fld id="{558543F8-9E4C-4984-9E71-BAD3EF871834}" type="datetimeFigureOut">
               <a:rPr lang="en-US" smtClean="0"/>
-              <a:t>12/12/2013</a:t>
+              <a:t>1/27/2014</a:t>
             </a:fld>
             <a:endParaRPr lang="en-US"/>
           </a:p>
@@ -469,90 +470,6 @@
 </p:notesMaster>
 </file>
 
-<file path=ppt/notesSlides/notesSlide1.xml><?xml version="1.0" encoding="utf-8"?>
-<p:notes xmlns:a="http://schemas.openxmlformats.org/drawingml/2006/main" xmlns:r="http://schemas.openxmlformats.org/officeDocument/2006/relationships" xmlns:p="http://schemas.openxmlformats.org/presentationml/2006/main">
-  <p:cSld>
-    <p:spTree>
-      <p:nvGrpSpPr>
-        <p:cNvPr id="1" name=""/>
-        <p:cNvGrpSpPr/>
-        <p:nvPr/>
-      </p:nvGrpSpPr>
-      <p:grpSpPr>
-        <a:xfrm>
-          <a:off x="0" y="0"/>
-          <a:ext cx="0" cy="0"/>
-          <a:chOff x="0" y="0"/>
-          <a:chExt cx="0" cy="0"/>
-        </a:xfrm>
-      </p:grpSpPr>
-      <p:sp>
-        <p:nvSpPr>
-          <p:cNvPr id="2" name="Espace réservé de l'image des diapositives 1"/>
-          <p:cNvSpPr>
-            <a:spLocks noGrp="1" noRot="1" noChangeAspect="1"/>
-          </p:cNvSpPr>
-          <p:nvPr>
-            <p:ph type="sldImg"/>
-          </p:nvPr>
-        </p:nvSpPr>
-        <p:spPr/>
-      </p:sp>
-      <p:sp>
-        <p:nvSpPr>
-          <p:cNvPr id="3" name="Espace réservé des commentaires 2"/>
-          <p:cNvSpPr>
-            <a:spLocks noGrp="1"/>
-          </p:cNvSpPr>
-          <p:nvPr>
-            <p:ph type="body" idx="1"/>
-          </p:nvPr>
-        </p:nvSpPr>
-        <p:spPr/>
-        <p:txBody>
-          <a:bodyPr/>
-          <a:lstStyle/>
-          <a:p>
-            <a:endParaRPr lang="en-US"/>
-          </a:p>
-        </p:txBody>
-      </p:sp>
-      <p:sp>
-        <p:nvSpPr>
-          <p:cNvPr id="4" name="Espace réservé du numéro de diapositive 3"/>
-          <p:cNvSpPr>
-            <a:spLocks noGrp="1"/>
-          </p:cNvSpPr>
-          <p:nvPr>
-            <p:ph type="sldNum" sz="quarter" idx="10"/>
-          </p:nvPr>
-        </p:nvSpPr>
-        <p:spPr/>
-        <p:txBody>
-          <a:bodyPr/>
-          <a:lstStyle/>
-          <a:p>
-            <a:fld id="{62EFEE93-2586-4DEA-ADBF-F415AD2E475B}" type="slidenum">
-              <a:rPr lang="en-US" smtClean="0"/>
-              <a:t>2</a:t>
-            </a:fld>
-            <a:endParaRPr lang="en-US"/>
-          </a:p>
-        </p:txBody>
-      </p:sp>
-    </p:spTree>
-    <p:extLst>
-      <p:ext uri="{BB962C8B-B14F-4D97-AF65-F5344CB8AC3E}">
-        <p14:creationId xmlns:p14="http://schemas.microsoft.com/office/powerpoint/2010/main" val="146803842"/>
-      </p:ext>
-    </p:extLst>
-  </p:cSld>
-  <p:clrMapOvr>
-    <a:masterClrMapping/>
-  </p:clrMapOvr>
-</p:notes>
-</file>
-
 <file path=ppt/slideLayouts/slideLayout1.xml><?xml version="1.0" encoding="utf-8"?>
 <p:sldLayout xmlns:a="http://schemas.openxmlformats.org/drawingml/2006/main" xmlns:r="http://schemas.openxmlformats.org/officeDocument/2006/relationships" xmlns:p="http://schemas.openxmlformats.org/presentationml/2006/main" type="title" preserve="1">
   <p:cSld name="Diapositive de titre">
@@ -684,7 +601,7 @@
           <a:p>
             <a:fld id="{8F9EC892-F033-426B-93B6-AEBC273303CA}" type="datetimeFigureOut">
               <a:rPr lang="en-US" smtClean="0"/>
-              <a:t>12/12/2013</a:t>
+              <a:t>1/27/2014</a:t>
             </a:fld>
             <a:endParaRPr lang="en-US"/>
           </a:p>
@@ -854,7 +771,7 @@
           <a:p>
             <a:fld id="{8F9EC892-F033-426B-93B6-AEBC273303CA}" type="datetimeFigureOut">
               <a:rPr lang="en-US" smtClean="0"/>
-              <a:t>12/12/2013</a:t>
+              <a:t>1/27/2014</a:t>
             </a:fld>
             <a:endParaRPr lang="en-US"/>
           </a:p>
@@ -1034,7 +951,7 @@
           <a:p>
             <a:fld id="{8F9EC892-F033-426B-93B6-AEBC273303CA}" type="datetimeFigureOut">
               <a:rPr lang="en-US" smtClean="0"/>
-              <a:t>12/12/2013</a:t>
+              <a:t>1/27/2014</a:t>
             </a:fld>
             <a:endParaRPr lang="en-US"/>
           </a:p>
@@ -1204,7 +1121,7 @@
           <a:p>
             <a:fld id="{8F9EC892-F033-426B-93B6-AEBC273303CA}" type="datetimeFigureOut">
               <a:rPr lang="en-US" smtClean="0"/>
-              <a:t>12/12/2013</a:t>
+              <a:t>1/27/2014</a:t>
             </a:fld>
             <a:endParaRPr lang="en-US"/>
           </a:p>
@@ -1450,7 +1367,7 @@
           <a:p>
             <a:fld id="{8F9EC892-F033-426B-93B6-AEBC273303CA}" type="datetimeFigureOut">
               <a:rPr lang="en-US" smtClean="0"/>
-              <a:t>12/12/2013</a:t>
+              <a:t>1/27/2014</a:t>
             </a:fld>
             <a:endParaRPr lang="en-US"/>
           </a:p>
@@ -1682,7 +1599,7 @@
           <a:p>
             <a:fld id="{8F9EC892-F033-426B-93B6-AEBC273303CA}" type="datetimeFigureOut">
               <a:rPr lang="en-US" smtClean="0"/>
-              <a:t>12/12/2013</a:t>
+              <a:t>1/27/2014</a:t>
             </a:fld>
             <a:endParaRPr lang="en-US"/>
           </a:p>
@@ -2049,7 +1966,7 @@
           <a:p>
             <a:fld id="{8F9EC892-F033-426B-93B6-AEBC273303CA}" type="datetimeFigureOut">
               <a:rPr lang="en-US" smtClean="0"/>
-              <a:t>12/12/2013</a:t>
+              <a:t>1/27/2014</a:t>
             </a:fld>
             <a:endParaRPr lang="en-US"/>
           </a:p>
@@ -2167,7 +2084,7 @@
           <a:p>
             <a:fld id="{8F9EC892-F033-426B-93B6-AEBC273303CA}" type="datetimeFigureOut">
               <a:rPr lang="en-US" smtClean="0"/>
-              <a:t>12/12/2013</a:t>
+              <a:t>1/27/2014</a:t>
             </a:fld>
             <a:endParaRPr lang="en-US"/>
           </a:p>
@@ -2262,7 +2179,7 @@
           <a:p>
             <a:fld id="{8F9EC892-F033-426B-93B6-AEBC273303CA}" type="datetimeFigureOut">
               <a:rPr lang="en-US" smtClean="0"/>
-              <a:t>12/12/2013</a:t>
+              <a:t>1/27/2014</a:t>
             </a:fld>
             <a:endParaRPr lang="en-US"/>
           </a:p>
@@ -2539,7 +2456,7 @@
           <a:p>
             <a:fld id="{8F9EC892-F033-426B-93B6-AEBC273303CA}" type="datetimeFigureOut">
               <a:rPr lang="en-US" smtClean="0"/>
-              <a:t>12/12/2013</a:t>
+              <a:t>1/27/2014</a:t>
             </a:fld>
             <a:endParaRPr lang="en-US"/>
           </a:p>
@@ -2792,7 +2709,7 @@
           <a:p>
             <a:fld id="{8F9EC892-F033-426B-93B6-AEBC273303CA}" type="datetimeFigureOut">
               <a:rPr lang="en-US" smtClean="0"/>
-              <a:t>12/12/2013</a:t>
+              <a:t>1/27/2014</a:t>
             </a:fld>
             <a:endParaRPr lang="en-US"/>
           </a:p>
@@ -3005,7 +2922,7 @@
           <a:p>
             <a:fld id="{8F9EC892-F033-426B-93B6-AEBC273303CA}" type="datetimeFigureOut">
               <a:rPr lang="en-US" smtClean="0"/>
-              <a:t>12/12/2013</a:t>
+              <a:t>1/27/2014</a:t>
             </a:fld>
             <a:endParaRPr lang="en-US"/>
           </a:p>
@@ -3420,7 +3337,12 @@
             <p:ph type="title"/>
           </p:nvPr>
         </p:nvSpPr>
-        <p:spPr/>
+        <p:spPr>
+          <a:xfrm>
+            <a:off x="838200" y="365125"/>
+            <a:ext cx="10515600" cy="2253384"/>
+          </a:xfrm>
+        </p:spPr>
         <p:txBody>
           <a:bodyPr>
             <a:normAutofit/>
@@ -3429,10 +3351,29 @@
           <a:p>
             <a:pPr algn="ctr"/>
             <a:r>
-              <a:rPr lang="en-US" sz="5400" dirty="0" err="1" smtClean="0"/>
-              <a:t>GazeEEGLabImporter</a:t>
-            </a:r>
-            <a:endParaRPr lang="en-US" sz="5400" dirty="0"/>
+              <a:rPr lang="en-US" sz="7300" dirty="0" err="1" smtClean="0"/>
+              <a:t>Djedai</a:t>
+            </a:r>
+            <a:r>
+              <a:rPr lang="en-US" sz="5400" dirty="0" smtClean="0"/>
+              <a:t/>
+            </a:r>
+            <a:br>
+              <a:rPr lang="en-US" sz="5400" dirty="0" smtClean="0"/>
+            </a:br>
+            <a:r>
+              <a:rPr lang="en-US" sz="4000" dirty="0" smtClean="0"/>
+              <a:t>Software for management of data files produced by experiments conducted in </a:t>
+            </a:r>
+            <a:r>
+              <a:rPr lang="en-US" sz="4000" dirty="0" err="1" smtClean="0"/>
+              <a:t>Gipsa</a:t>
+            </a:r>
+            <a:r>
+              <a:rPr lang="en-US" sz="4000" dirty="0" smtClean="0"/>
+              <a:t>-lab</a:t>
+            </a:r>
+            <a:endParaRPr lang="en-US" sz="4000" dirty="0"/>
           </a:p>
         </p:txBody>
       </p:sp>
@@ -3446,35 +3387,26 @@
             <p:ph idx="1"/>
           </p:nvPr>
         </p:nvSpPr>
-        <p:spPr/>
+        <p:spPr>
+          <a:xfrm>
+            <a:off x="838200" y="3321916"/>
+            <a:ext cx="10515600" cy="4351338"/>
+          </a:xfrm>
+        </p:spPr>
         <p:txBody>
           <a:bodyPr/>
           <a:lstStyle/>
           <a:p>
             <a:r>
               <a:rPr lang="en-US" dirty="0" smtClean="0"/>
-              <a:t>Date: </a:t>
-            </a:r>
+              <a:t>Date: 12/12/2013</a:t>
+            </a:r>
+          </a:p>
+          <a:p>
             <a:r>
               <a:rPr lang="en-US" dirty="0" smtClean="0"/>
-              <a:t>12/12/2013</a:t>
-            </a:r>
-            <a:endParaRPr lang="en-US" dirty="0" smtClean="0"/>
-          </a:p>
-          <a:p>
-            <a:r>
-              <a:rPr lang="en-US" dirty="0" smtClean="0"/>
-              <a:t>Version</a:t>
-            </a:r>
-            <a:r>
-              <a:rPr lang="en-US" smtClean="0"/>
-              <a:t>: </a:t>
-            </a:r>
-            <a:r>
-              <a:rPr lang="en-US" smtClean="0"/>
-              <a:t>1.0</a:t>
-            </a:r>
-            <a:endParaRPr lang="en-US" dirty="0" smtClean="0"/>
+              <a:t>Version: 1.0</a:t>
+            </a:r>
           </a:p>
           <a:p>
             <a:r>
@@ -3503,6 +3435,36 @@
           </a:p>
         </p:txBody>
       </p:sp>
+      <p:pic>
+        <p:nvPicPr>
+          <p:cNvPr id="4" name="Image 3"/>
+          <p:cNvPicPr>
+            <a:picLocks noChangeAspect="1"/>
+          </p:cNvPicPr>
+          <p:nvPr/>
+        </p:nvPicPr>
+        <p:blipFill>
+          <a:blip r:embed="rId2">
+            <a:extLst>
+              <a:ext uri="{28A0092B-C50C-407E-A947-70E740481C1C}">
+                <a14:useLocalDpi xmlns:a14="http://schemas.microsoft.com/office/drawing/2010/main" val="0"/>
+              </a:ext>
+            </a:extLst>
+          </a:blip>
+          <a:stretch>
+            <a:fillRect/>
+          </a:stretch>
+        </p:blipFill>
+        <p:spPr>
+          <a:xfrm>
+            <a:off x="9411566" y="4706938"/>
+            <a:ext cx="2457450" cy="1857375"/>
+          </a:xfrm>
+          <a:prstGeom prst="rect">
+            <a:avLst/>
+          </a:prstGeom>
+        </p:spPr>
+      </p:pic>
     </p:spTree>
     <p:extLst>
       <p:ext uri="{BB962C8B-B14F-4D97-AF65-F5344CB8AC3E}">
@@ -3535,160 +3497,86 @@
       </p:grpSpPr>
       <p:sp>
         <p:nvSpPr>
-          <p:cNvPr id="4" name="Organigramme : Alternative 3"/>
-          <p:cNvSpPr/>
-          <p:nvPr/>
+          <p:cNvPr id="3" name="Espace réservé du contenu 2"/>
+          <p:cNvSpPr>
+            <a:spLocks noGrp="1"/>
+          </p:cNvSpPr>
+          <p:nvPr>
+            <p:ph idx="1"/>
+          </p:nvPr>
         </p:nvSpPr>
         <p:spPr>
           <a:xfrm>
-            <a:off x="651754" y="1161535"/>
-            <a:ext cx="1511204" cy="1215083"/>
+            <a:off x="962842" y="1033137"/>
+            <a:ext cx="10515600" cy="1967941"/>
           </a:xfrm>
-          <a:prstGeom prst="flowChartAlternateProcess">
-            <a:avLst/>
-          </a:prstGeom>
         </p:spPr>
-        <p:style>
-          <a:lnRef idx="2">
-            <a:schemeClr val="accent1">
-              <a:shade val="50000"/>
-            </a:schemeClr>
-          </a:lnRef>
-          <a:fillRef idx="1">
-            <a:schemeClr val="accent1"/>
-          </a:fillRef>
-          <a:effectRef idx="0">
-            <a:schemeClr val="accent1"/>
-          </a:effectRef>
-          <a:fontRef idx="minor">
-            <a:schemeClr val="lt1"/>
-          </a:fontRef>
-        </p:style>
-        <p:txBody>
-          <a:bodyPr rtlCol="0" anchor="ctr"/>
-          <a:lstStyle/>
-          <a:p>
-            <a:pPr algn="ctr"/>
-            <a:r>
-              <a:rPr lang="en-US" sz="1600" dirty="0" err="1" smtClean="0"/>
-              <a:t>BrainAmp</a:t>
-            </a:r>
-            <a:r>
-              <a:rPr lang="en-US" sz="1600" dirty="0" smtClean="0"/>
-              <a:t> and </a:t>
-            </a:r>
-            <a:r>
-              <a:rPr lang="en-US" sz="1600" dirty="0" err="1" smtClean="0"/>
-              <a:t>Eyetracker</a:t>
-            </a:r>
-            <a:endParaRPr lang="en-US" sz="1600" dirty="0" smtClean="0"/>
-          </a:p>
-          <a:p>
-            <a:pPr algn="ctr"/>
-            <a:r>
-              <a:rPr lang="en-US" sz="1400" dirty="0" smtClean="0"/>
-              <a:t>- .</a:t>
-            </a:r>
-            <a:r>
-              <a:rPr lang="en-US" sz="1400" dirty="0" err="1" smtClean="0"/>
-              <a:t>eeg</a:t>
-            </a:r>
-            <a:r>
-              <a:rPr lang="en-US" sz="1400" dirty="0" smtClean="0"/>
-              <a:t>, .</a:t>
-            </a:r>
-            <a:r>
-              <a:rPr lang="en-US" sz="1400" dirty="0" err="1" smtClean="0"/>
-              <a:t>vhdr</a:t>
-            </a:r>
-            <a:r>
-              <a:rPr lang="en-US" sz="1400" dirty="0" smtClean="0"/>
-              <a:t>, .</a:t>
-            </a:r>
-            <a:r>
-              <a:rPr lang="en-US" sz="1400" dirty="0" err="1" smtClean="0"/>
-              <a:t>vmrk</a:t>
-            </a:r>
-            <a:r>
-              <a:rPr lang="en-US" sz="1400" dirty="0" smtClean="0"/>
-              <a:t>, .</a:t>
-            </a:r>
-            <a:r>
-              <a:rPr lang="en-US" sz="1400" dirty="0" err="1" smtClean="0"/>
-              <a:t>asc</a:t>
-            </a:r>
-            <a:r>
-              <a:rPr lang="en-US" sz="1400" dirty="0" smtClean="0"/>
-              <a:t> </a:t>
-            </a:r>
-          </a:p>
-        </p:txBody>
-      </p:sp>
-      <p:sp>
-        <p:nvSpPr>
-          <p:cNvPr id="5" name="Organigramme : Alternative 4"/>
-          <p:cNvSpPr/>
-          <p:nvPr/>
-        </p:nvSpPr>
-        <p:spPr>
-          <a:xfrm>
-            <a:off x="651754" y="2537252"/>
-            <a:ext cx="1511204" cy="1021494"/>
-          </a:xfrm>
-          <a:prstGeom prst="flowChartAlternateProcess">
-            <a:avLst/>
-          </a:prstGeom>
-        </p:spPr>
-        <p:style>
-          <a:lnRef idx="2">
-            <a:schemeClr val="accent1">
-              <a:shade val="50000"/>
-            </a:schemeClr>
-          </a:lnRef>
-          <a:fillRef idx="1">
-            <a:schemeClr val="accent1"/>
-          </a:fillRef>
-          <a:effectRef idx="0">
-            <a:schemeClr val="accent1"/>
-          </a:effectRef>
-          <a:fontRef idx="minor">
-            <a:schemeClr val="lt1"/>
-          </a:fontRef>
-        </p:style>
-        <p:txBody>
-          <a:bodyPr rtlCol="0" anchor="ctr"/>
-          <a:lstStyle/>
-          <a:p>
-            <a:pPr algn="ctr"/>
-            <a:r>
-              <a:rPr lang="en-US" sz="1600" dirty="0" err="1" smtClean="0"/>
-              <a:t>Gtec</a:t>
-            </a:r>
-            <a:r>
-              <a:rPr lang="en-US" sz="1600" dirty="0" smtClean="0"/>
-              <a:t> and </a:t>
-            </a:r>
-            <a:r>
-              <a:rPr lang="en-US" sz="1600" dirty="0" err="1" smtClean="0"/>
-              <a:t>Eyetracker</a:t>
-            </a:r>
-            <a:endParaRPr lang="en-US" sz="1600" dirty="0" smtClean="0"/>
-          </a:p>
-          <a:p>
-            <a:pPr algn="ctr"/>
-            <a:r>
-              <a:rPr lang="en-US" sz="1400" dirty="0" smtClean="0"/>
-              <a:t>- .hdf5, .</a:t>
-            </a:r>
-            <a:r>
-              <a:rPr lang="en-US" sz="1400" dirty="0" err="1" smtClean="0"/>
-              <a:t>asc</a:t>
-            </a:r>
-            <a:r>
-              <a:rPr lang="en-US" sz="1400" dirty="0" smtClean="0"/>
-              <a:t> </a:t>
-            </a:r>
-            <a:endParaRPr lang="en-US" sz="1400" dirty="0"/>
+        <p:txBody>
+          <a:bodyPr>
+            <a:normAutofit lnSpcReduction="10000"/>
+          </a:bodyPr>
+          <a:lstStyle/>
+          <a:p>
+            <a:r>
+              <a:rPr lang="en-US" sz="2400" dirty="0" err="1" smtClean="0"/>
+              <a:t>Djedai</a:t>
+            </a:r>
+            <a:r>
+              <a:rPr lang="en-US" sz="2400" dirty="0" smtClean="0"/>
+              <a:t> runs currently only on Microsoft Windows</a:t>
+            </a:r>
+          </a:p>
+          <a:p>
+            <a:r>
+              <a:rPr lang="en-US" sz="2400" dirty="0" smtClean="0"/>
+              <a:t>Microsoft .NET 4.0 is required for running </a:t>
+            </a:r>
+            <a:r>
+              <a:rPr lang="en-US" sz="2400" dirty="0" err="1" smtClean="0"/>
+              <a:t>Djedai</a:t>
+            </a:r>
+            <a:endParaRPr lang="en-US" sz="2400" dirty="0"/>
+          </a:p>
+          <a:p>
+            <a:r>
+              <a:rPr lang="en-US" sz="2400" dirty="0" smtClean="0"/>
+              <a:t>Your computer must be part of the </a:t>
+            </a:r>
+            <a:r>
+              <a:rPr lang="en-US" sz="2400" dirty="0" err="1" smtClean="0"/>
+              <a:t>Gipsa</a:t>
+            </a:r>
+            <a:r>
+              <a:rPr lang="en-US" sz="2400" dirty="0" smtClean="0"/>
+              <a:t>-lab domain and you must have access to server</a:t>
+            </a:r>
+            <a:r>
+              <a:rPr lang="en-US" sz="2400" dirty="0"/>
+              <a:t>: </a:t>
+            </a:r>
+            <a:r>
+              <a:rPr lang="en-US" sz="2400" dirty="0" smtClean="0"/>
+              <a:t>147.171.68.6</a:t>
+            </a:r>
+          </a:p>
+          <a:p>
+            <a:r>
+              <a:rPr lang="en-US" sz="2400" dirty="0" smtClean="0"/>
+              <a:t>If asked to authorize network access to </a:t>
+            </a:r>
+            <a:r>
+              <a:rPr lang="en-US" sz="2400" dirty="0" err="1" smtClean="0"/>
+              <a:t>Djedai</a:t>
+            </a:r>
+            <a:r>
+              <a:rPr lang="en-US" sz="2400" dirty="0" smtClean="0"/>
+              <a:t>, respond positively</a:t>
+            </a:r>
+            <a:endParaRPr lang="en-US" sz="2000" dirty="0" smtClean="0"/>
+          </a:p>
+          <a:p>
+            <a:pPr lvl="1"/>
+            <a:endParaRPr lang="en-US" sz="2000" dirty="0"/>
           </a:p>
         </p:txBody>
       </p:sp>
@@ -3700,8 +3588,8 @@
         </p:nvSpPr>
         <p:spPr>
           <a:xfrm>
-            <a:off x="381132" y="659103"/>
-            <a:ext cx="1961001" cy="369332"/>
+            <a:off x="519202" y="342355"/>
+            <a:ext cx="3377293" cy="646331"/>
           </a:xfrm>
           <a:prstGeom prst="rect">
             <a:avLst/>
@@ -3715,157 +3603,23 @@
           <a:lstStyle/>
           <a:p>
             <a:r>
-              <a:rPr lang="en-US" dirty="0" smtClean="0"/>
-              <a:t>1) Data acquisition</a:t>
-            </a:r>
-            <a:endParaRPr lang="en-US" dirty="0"/>
-          </a:p>
-        </p:txBody>
-      </p:sp>
-      <p:sp>
-        <p:nvSpPr>
-          <p:cNvPr id="7" name="Flèche droite 6"/>
-          <p:cNvSpPr/>
+              <a:rPr lang="en-US" sz="3600" dirty="0" smtClean="0"/>
+              <a:t>Installation:</a:t>
+            </a:r>
+            <a:endParaRPr lang="en-US" sz="3600" dirty="0"/>
+          </a:p>
+        </p:txBody>
+      </p:sp>
+      <p:sp>
+        <p:nvSpPr>
+          <p:cNvPr id="7" name="ZoneTexte 6"/>
+          <p:cNvSpPr txBox="1"/>
           <p:nvPr/>
         </p:nvSpPr>
         <p:spPr>
           <a:xfrm>
-            <a:off x="2342133" y="3010928"/>
-            <a:ext cx="848498" cy="74141"/>
-          </a:xfrm>
-          <a:prstGeom prst="rightArrow">
-            <a:avLst/>
-          </a:prstGeom>
-        </p:spPr>
-        <p:style>
-          <a:lnRef idx="2">
-            <a:schemeClr val="accent1">
-              <a:shade val="50000"/>
-            </a:schemeClr>
-          </a:lnRef>
-          <a:fillRef idx="1">
-            <a:schemeClr val="accent1"/>
-          </a:fillRef>
-          <a:effectRef idx="0">
-            <a:schemeClr val="accent1"/>
-          </a:effectRef>
-          <a:fontRef idx="minor">
-            <a:schemeClr val="lt1"/>
-          </a:fontRef>
-        </p:style>
-        <p:txBody>
-          <a:bodyPr rtlCol="0" anchor="ctr"/>
-          <a:lstStyle/>
-          <a:p>
-            <a:pPr algn="ctr"/>
-            <a:endParaRPr lang="en-US"/>
-          </a:p>
-        </p:txBody>
-      </p:sp>
-      <p:sp>
-        <p:nvSpPr>
-          <p:cNvPr id="8" name="Rectangle à coins arrondis 7"/>
-          <p:cNvSpPr/>
-          <p:nvPr/>
-        </p:nvSpPr>
-        <p:spPr>
-          <a:xfrm>
-            <a:off x="3262714" y="2537252"/>
-            <a:ext cx="1029730" cy="1021494"/>
-          </a:xfrm>
-          <a:prstGeom prst="roundRect">
-            <a:avLst/>
-          </a:prstGeom>
-        </p:spPr>
-        <p:style>
-          <a:lnRef idx="2">
-            <a:schemeClr val="accent1">
-              <a:shade val="50000"/>
-            </a:schemeClr>
-          </a:lnRef>
-          <a:fillRef idx="1">
-            <a:schemeClr val="accent1"/>
-          </a:fillRef>
-          <a:effectRef idx="0">
-            <a:schemeClr val="accent1"/>
-          </a:effectRef>
-          <a:fontRef idx="minor">
-            <a:schemeClr val="lt1"/>
-          </a:fontRef>
-        </p:style>
-        <p:txBody>
-          <a:bodyPr rtlCol="0" anchor="ctr"/>
-          <a:lstStyle/>
-          <a:p>
-            <a:pPr algn="ctr"/>
-            <a:r>
-              <a:rPr lang="en-US" sz="1400" dirty="0" smtClean="0"/>
-              <a:t>hdf5 -&gt; .</a:t>
-            </a:r>
-            <a:r>
-              <a:rPr lang="en-US" sz="1400" dirty="0" err="1" smtClean="0"/>
-              <a:t>eeg</a:t>
-            </a:r>
-            <a:r>
-              <a:rPr lang="en-US" sz="1400" dirty="0" smtClean="0"/>
-              <a:t>, .</a:t>
-            </a:r>
-            <a:r>
-              <a:rPr lang="en-US" sz="1400" dirty="0" err="1" smtClean="0"/>
-              <a:t>vhdr</a:t>
-            </a:r>
-            <a:r>
-              <a:rPr lang="en-US" sz="1400" dirty="0" smtClean="0"/>
-              <a:t>, .</a:t>
-            </a:r>
-            <a:r>
-              <a:rPr lang="en-US" sz="1400" dirty="0" err="1" smtClean="0"/>
-              <a:t>vmrk</a:t>
-            </a:r>
-            <a:endParaRPr lang="en-US" sz="1400" dirty="0"/>
-          </a:p>
-        </p:txBody>
-      </p:sp>
-      <p:cxnSp>
-        <p:nvCxnSpPr>
-          <p:cNvPr id="10" name="Connecteur droit 9"/>
-          <p:cNvCxnSpPr/>
-          <p:nvPr/>
-        </p:nvCxnSpPr>
-        <p:spPr>
-          <a:xfrm>
-            <a:off x="2315022" y="728366"/>
-            <a:ext cx="0" cy="3262184"/>
-          </a:xfrm>
-          <a:prstGeom prst="line">
-            <a:avLst/>
-          </a:prstGeom>
-        </p:spPr>
-        <p:style>
-          <a:lnRef idx="1">
-            <a:schemeClr val="accent1"/>
-          </a:lnRef>
-          <a:fillRef idx="0">
-            <a:schemeClr val="accent1"/>
-          </a:fillRef>
-          <a:effectRef idx="0">
-            <a:schemeClr val="accent1"/>
-          </a:effectRef>
-          <a:fontRef idx="minor">
-            <a:schemeClr val="tx1"/>
-          </a:fontRef>
-        </p:style>
-      </p:cxnSp>
-      <p:sp>
-        <p:nvSpPr>
-          <p:cNvPr id="12" name="ZoneTexte 11"/>
-          <p:cNvSpPr txBox="1"/>
-          <p:nvPr/>
-        </p:nvSpPr>
-        <p:spPr>
-          <a:xfrm>
-            <a:off x="3328282" y="648728"/>
-            <a:ext cx="2306596" cy="369332"/>
+            <a:off x="519201" y="3001078"/>
+            <a:ext cx="3377293" cy="646331"/>
           </a:xfrm>
           <a:prstGeom prst="rect">
             <a:avLst/>
@@ -3879,149 +3633,225 @@
           <a:lstStyle/>
           <a:p>
             <a:r>
-              <a:rPr lang="en-US" dirty="0" smtClean="0"/>
-              <a:t>2) Format conversion</a:t>
-            </a:r>
-            <a:endParaRPr lang="en-US" dirty="0"/>
-          </a:p>
-        </p:txBody>
-      </p:sp>
-      <p:sp>
-        <p:nvSpPr>
-          <p:cNvPr id="13" name="Rectangle à coins arrondis 12"/>
-          <p:cNvSpPr/>
+              <a:rPr lang="en-US" sz="3600" dirty="0" smtClean="0"/>
+              <a:t>How </a:t>
+            </a:r>
+            <a:r>
+              <a:rPr lang="en-US" sz="3600" dirty="0"/>
+              <a:t>t</a:t>
+            </a:r>
+            <a:r>
+              <a:rPr lang="en-US" sz="3600" dirty="0" smtClean="0"/>
+              <a:t>o run:</a:t>
+            </a:r>
+            <a:endParaRPr lang="en-US" sz="3600" dirty="0"/>
+          </a:p>
+        </p:txBody>
+      </p:sp>
+      <p:sp>
+        <p:nvSpPr>
+          <p:cNvPr id="8" name="Espace réservé du contenu 2"/>
+          <p:cNvSpPr txBox="1">
+            <a:spLocks/>
+          </p:cNvSpPr>
           <p:nvPr/>
         </p:nvSpPr>
         <p:spPr>
           <a:xfrm>
-            <a:off x="5255634" y="1791730"/>
-            <a:ext cx="1029730" cy="1021494"/>
+            <a:off x="962842" y="3621487"/>
+            <a:ext cx="10515600" cy="534877"/>
           </a:xfrm>
-          <a:prstGeom prst="roundRect">
+          <a:prstGeom prst="rect">
             <a:avLst/>
           </a:prstGeom>
         </p:spPr>
-        <p:style>
-          <a:lnRef idx="2">
-            <a:schemeClr val="accent1">
-              <a:shade val="50000"/>
-            </a:schemeClr>
-          </a:lnRef>
-          <a:fillRef idx="1">
-            <a:schemeClr val="accent1"/>
-          </a:fillRef>
-          <a:effectRef idx="0">
-            <a:schemeClr val="accent1"/>
-          </a:effectRef>
-          <a:fontRef idx="minor">
-            <a:schemeClr val="lt1"/>
-          </a:fontRef>
-        </p:style>
-        <p:txBody>
-          <a:bodyPr rtlCol="0" anchor="ctr"/>
-          <a:lstStyle/>
-          <a:p>
-            <a:pPr algn="ctr"/>
-            <a:r>
-              <a:rPr lang="en-US" sz="1400" dirty="0" smtClean="0"/>
-              <a:t>-&gt; </a:t>
-            </a:r>
-            <a:r>
-              <a:rPr lang="en-US" sz="1400" dirty="0" err="1" smtClean="0"/>
-              <a:t>asc.mat</a:t>
-            </a:r>
-            <a:r>
-              <a:rPr lang="en-US" sz="1400" dirty="0" smtClean="0"/>
-              <a:t>, </a:t>
-            </a:r>
-            <a:r>
-              <a:rPr lang="en-US" sz="1400" dirty="0" err="1" smtClean="0"/>
-              <a:t>eeg.mat</a:t>
-            </a:r>
-            <a:endParaRPr lang="en-US" sz="1400" dirty="0"/>
-          </a:p>
-        </p:txBody>
-      </p:sp>
-      <p:sp>
-        <p:nvSpPr>
-          <p:cNvPr id="14" name="Flèche droite 13"/>
-          <p:cNvSpPr/>
+        <p:txBody>
+          <a:bodyPr vert="horz" lIns="91440" tIns="45720" rIns="91440" bIns="45720" rtlCol="0">
+            <a:noAutofit/>
+          </a:bodyPr>
+          <a:lstStyle>
+            <a:lvl1pPr marL="228600" indent="-228600" algn="l" defTabSz="914400" rtl="0" eaLnBrk="1" latinLnBrk="0" hangingPunct="1">
+              <a:lnSpc>
+                <a:spcPct val="90000"/>
+              </a:lnSpc>
+              <a:spcBef>
+                <a:spcPts val="1000"/>
+              </a:spcBef>
+              <a:buFont typeface="Arial" panose="020B0604020202020204" pitchFamily="34" charset="0"/>
+              <a:buChar char="•"/>
+              <a:defRPr sz="2800" kern="1200">
+                <a:solidFill>
+                  <a:schemeClr val="tx1"/>
+                </a:solidFill>
+                <a:latin typeface="+mn-lt"/>
+                <a:ea typeface="+mn-ea"/>
+                <a:cs typeface="+mn-cs"/>
+              </a:defRPr>
+            </a:lvl1pPr>
+            <a:lvl2pPr marL="685800" indent="-228600" algn="l" defTabSz="914400" rtl="0" eaLnBrk="1" latinLnBrk="0" hangingPunct="1">
+              <a:lnSpc>
+                <a:spcPct val="90000"/>
+              </a:lnSpc>
+              <a:spcBef>
+                <a:spcPts val="500"/>
+              </a:spcBef>
+              <a:buFont typeface="Arial" panose="020B0604020202020204" pitchFamily="34" charset="0"/>
+              <a:buChar char="•"/>
+              <a:defRPr sz="2400" kern="1200">
+                <a:solidFill>
+                  <a:schemeClr val="tx1"/>
+                </a:solidFill>
+                <a:latin typeface="+mn-lt"/>
+                <a:ea typeface="+mn-ea"/>
+                <a:cs typeface="+mn-cs"/>
+              </a:defRPr>
+            </a:lvl2pPr>
+            <a:lvl3pPr marL="1143000" indent="-228600" algn="l" defTabSz="914400" rtl="0" eaLnBrk="1" latinLnBrk="0" hangingPunct="1">
+              <a:lnSpc>
+                <a:spcPct val="90000"/>
+              </a:lnSpc>
+              <a:spcBef>
+                <a:spcPts val="500"/>
+              </a:spcBef>
+              <a:buFont typeface="Arial" panose="020B0604020202020204" pitchFamily="34" charset="0"/>
+              <a:buChar char="•"/>
+              <a:defRPr sz="2000" kern="1200">
+                <a:solidFill>
+                  <a:schemeClr val="tx1"/>
+                </a:solidFill>
+                <a:latin typeface="+mn-lt"/>
+                <a:ea typeface="+mn-ea"/>
+                <a:cs typeface="+mn-cs"/>
+              </a:defRPr>
+            </a:lvl3pPr>
+            <a:lvl4pPr marL="1600200" indent="-228600" algn="l" defTabSz="914400" rtl="0" eaLnBrk="1" latinLnBrk="0" hangingPunct="1">
+              <a:lnSpc>
+                <a:spcPct val="90000"/>
+              </a:lnSpc>
+              <a:spcBef>
+                <a:spcPts val="500"/>
+              </a:spcBef>
+              <a:buFont typeface="Arial" panose="020B0604020202020204" pitchFamily="34" charset="0"/>
+              <a:buChar char="•"/>
+              <a:defRPr sz="1800" kern="1200">
+                <a:solidFill>
+                  <a:schemeClr val="tx1"/>
+                </a:solidFill>
+                <a:latin typeface="+mn-lt"/>
+                <a:ea typeface="+mn-ea"/>
+                <a:cs typeface="+mn-cs"/>
+              </a:defRPr>
+            </a:lvl4pPr>
+            <a:lvl5pPr marL="2057400" indent="-228600" algn="l" defTabSz="914400" rtl="0" eaLnBrk="1" latinLnBrk="0" hangingPunct="1">
+              <a:lnSpc>
+                <a:spcPct val="90000"/>
+              </a:lnSpc>
+              <a:spcBef>
+                <a:spcPts val="500"/>
+              </a:spcBef>
+              <a:buFont typeface="Arial" panose="020B0604020202020204" pitchFamily="34" charset="0"/>
+              <a:buChar char="•"/>
+              <a:defRPr sz="1800" kern="1200">
+                <a:solidFill>
+                  <a:schemeClr val="tx1"/>
+                </a:solidFill>
+                <a:latin typeface="+mn-lt"/>
+                <a:ea typeface="+mn-ea"/>
+                <a:cs typeface="+mn-cs"/>
+              </a:defRPr>
+            </a:lvl5pPr>
+            <a:lvl6pPr marL="2514600" indent="-228600" algn="l" defTabSz="914400" rtl="0" eaLnBrk="1" latinLnBrk="0" hangingPunct="1">
+              <a:lnSpc>
+                <a:spcPct val="90000"/>
+              </a:lnSpc>
+              <a:spcBef>
+                <a:spcPts val="500"/>
+              </a:spcBef>
+              <a:buFont typeface="Arial" panose="020B0604020202020204" pitchFamily="34" charset="0"/>
+              <a:buChar char="•"/>
+              <a:defRPr sz="1800" kern="1200">
+                <a:solidFill>
+                  <a:schemeClr val="tx1"/>
+                </a:solidFill>
+                <a:latin typeface="+mn-lt"/>
+                <a:ea typeface="+mn-ea"/>
+                <a:cs typeface="+mn-cs"/>
+              </a:defRPr>
+            </a:lvl6pPr>
+            <a:lvl7pPr marL="2971800" indent="-228600" algn="l" defTabSz="914400" rtl="0" eaLnBrk="1" latinLnBrk="0" hangingPunct="1">
+              <a:lnSpc>
+                <a:spcPct val="90000"/>
+              </a:lnSpc>
+              <a:spcBef>
+                <a:spcPts val="500"/>
+              </a:spcBef>
+              <a:buFont typeface="Arial" panose="020B0604020202020204" pitchFamily="34" charset="0"/>
+              <a:buChar char="•"/>
+              <a:defRPr sz="1800" kern="1200">
+                <a:solidFill>
+                  <a:schemeClr val="tx1"/>
+                </a:solidFill>
+                <a:latin typeface="+mn-lt"/>
+                <a:ea typeface="+mn-ea"/>
+                <a:cs typeface="+mn-cs"/>
+              </a:defRPr>
+            </a:lvl7pPr>
+            <a:lvl8pPr marL="3429000" indent="-228600" algn="l" defTabSz="914400" rtl="0" eaLnBrk="1" latinLnBrk="0" hangingPunct="1">
+              <a:lnSpc>
+                <a:spcPct val="90000"/>
+              </a:lnSpc>
+              <a:spcBef>
+                <a:spcPts val="500"/>
+              </a:spcBef>
+              <a:buFont typeface="Arial" panose="020B0604020202020204" pitchFamily="34" charset="0"/>
+              <a:buChar char="•"/>
+              <a:defRPr sz="1800" kern="1200">
+                <a:solidFill>
+                  <a:schemeClr val="tx1"/>
+                </a:solidFill>
+                <a:latin typeface="+mn-lt"/>
+                <a:ea typeface="+mn-ea"/>
+                <a:cs typeface="+mn-cs"/>
+              </a:defRPr>
+            </a:lvl8pPr>
+            <a:lvl9pPr marL="3886200" indent="-228600" algn="l" defTabSz="914400" rtl="0" eaLnBrk="1" latinLnBrk="0" hangingPunct="1">
+              <a:lnSpc>
+                <a:spcPct val="90000"/>
+              </a:lnSpc>
+              <a:spcBef>
+                <a:spcPts val="500"/>
+              </a:spcBef>
+              <a:buFont typeface="Arial" panose="020B0604020202020204" pitchFamily="34" charset="0"/>
+              <a:buChar char="•"/>
+              <a:defRPr sz="1800" kern="1200">
+                <a:solidFill>
+                  <a:schemeClr val="tx1"/>
+                </a:solidFill>
+                <a:latin typeface="+mn-lt"/>
+                <a:ea typeface="+mn-ea"/>
+                <a:cs typeface="+mn-cs"/>
+              </a:defRPr>
+            </a:lvl9pPr>
+          </a:lstStyle>
+          <a:p>
+            <a:r>
+              <a:rPr lang="en-US" sz="2400" dirty="0" smtClean="0"/>
+              <a:t>Click on “djedai.exe”</a:t>
+            </a:r>
+            <a:endParaRPr lang="en-US" sz="2400" dirty="0" smtClean="0"/>
+          </a:p>
+        </p:txBody>
+      </p:sp>
+      <p:sp>
+        <p:nvSpPr>
+          <p:cNvPr id="9" name="ZoneTexte 8"/>
+          <p:cNvSpPr txBox="1"/>
           <p:nvPr/>
         </p:nvSpPr>
-        <p:spPr>
-          <a:xfrm rot="20863036">
-            <a:off x="4403482" y="2851442"/>
-            <a:ext cx="731520" cy="91440"/>
-          </a:xfrm>
-          <a:prstGeom prst="rightArrow">
-            <a:avLst/>
-          </a:prstGeom>
-        </p:spPr>
-        <p:style>
-          <a:lnRef idx="2">
-            <a:schemeClr val="accent1">
-              <a:shade val="50000"/>
-            </a:schemeClr>
-          </a:lnRef>
-          <a:fillRef idx="1">
-            <a:schemeClr val="accent1"/>
-          </a:fillRef>
-          <a:effectRef idx="0">
-            <a:schemeClr val="accent1"/>
-          </a:effectRef>
-          <a:fontRef idx="minor">
-            <a:schemeClr val="lt1"/>
-          </a:fontRef>
-        </p:style>
-        <p:txBody>
-          <a:bodyPr rtlCol="0" anchor="ctr"/>
-          <a:lstStyle/>
-          <a:p>
-            <a:pPr algn="ctr"/>
-            <a:endParaRPr lang="en-US"/>
-          </a:p>
-        </p:txBody>
-      </p:sp>
-      <p:cxnSp>
-        <p:nvCxnSpPr>
-          <p:cNvPr id="15" name="Connecteur droit 14"/>
-          <p:cNvCxnSpPr/>
-          <p:nvPr/>
-        </p:nvCxnSpPr>
         <p:spPr>
           <a:xfrm>
-            <a:off x="6538803" y="728366"/>
-            <a:ext cx="0" cy="3262184"/>
-          </a:xfrm>
-          <a:prstGeom prst="line">
-            <a:avLst/>
-          </a:prstGeom>
-        </p:spPr>
-        <p:style>
-          <a:lnRef idx="1">
-            <a:schemeClr val="accent1"/>
-          </a:lnRef>
-          <a:fillRef idx="0">
-            <a:schemeClr val="accent1"/>
-          </a:fillRef>
-          <a:effectRef idx="0">
-            <a:schemeClr val="accent1"/>
-          </a:effectRef>
-          <a:fontRef idx="minor">
-            <a:schemeClr val="tx1"/>
-          </a:fontRef>
-        </p:style>
-      </p:cxnSp>
-      <p:sp>
-        <p:nvSpPr>
-          <p:cNvPr id="16" name="ZoneTexte 15"/>
-          <p:cNvSpPr txBox="1"/>
-          <p:nvPr/>
-        </p:nvSpPr>
-        <p:spPr>
-          <a:xfrm>
-            <a:off x="6514902" y="648728"/>
-            <a:ext cx="2431079" cy="923330"/>
+            <a:off x="567643" y="5141250"/>
+            <a:ext cx="3377293" cy="646331"/>
           </a:xfrm>
           <a:prstGeom prst="rect">
             <a:avLst/>
@@ -4034,25 +3864,226 @@
           </a:bodyPr>
           <a:lstStyle/>
           <a:p>
-            <a:pPr algn="ctr"/>
-            <a:r>
-              <a:rPr lang="en-US" dirty="0" smtClean="0"/>
-              <a:t>3) Synchronization between the EEG and the eye-tracker </a:t>
-            </a:r>
-            <a:endParaRPr lang="en-US" dirty="0"/>
-          </a:p>
-        </p:txBody>
-      </p:sp>
-      <p:sp>
-        <p:nvSpPr>
-          <p:cNvPr id="17" name="ZoneTexte 16"/>
+            <a:r>
+              <a:rPr lang="en-US" sz="3600" dirty="0" smtClean="0"/>
+              <a:t>Notes:</a:t>
+            </a:r>
+            <a:endParaRPr lang="en-US" sz="3600" dirty="0"/>
+          </a:p>
+        </p:txBody>
+      </p:sp>
+      <p:sp>
+        <p:nvSpPr>
+          <p:cNvPr id="10" name="Espace réservé du contenu 2"/>
+          <p:cNvSpPr txBox="1">
+            <a:spLocks/>
+          </p:cNvSpPr>
+          <p:nvPr/>
+        </p:nvSpPr>
+        <p:spPr>
+          <a:xfrm>
+            <a:off x="962842" y="5787581"/>
+            <a:ext cx="10515600" cy="534877"/>
+          </a:xfrm>
+          <a:prstGeom prst="rect">
+            <a:avLst/>
+          </a:prstGeom>
+        </p:spPr>
+        <p:txBody>
+          <a:bodyPr vert="horz" lIns="91440" tIns="45720" rIns="91440" bIns="45720" rtlCol="0">
+            <a:noAutofit/>
+          </a:bodyPr>
+          <a:lstStyle>
+            <a:lvl1pPr marL="228600" indent="-228600" algn="l" defTabSz="914400" rtl="0" eaLnBrk="1" latinLnBrk="0" hangingPunct="1">
+              <a:lnSpc>
+                <a:spcPct val="90000"/>
+              </a:lnSpc>
+              <a:spcBef>
+                <a:spcPts val="1000"/>
+              </a:spcBef>
+              <a:buFont typeface="Arial" panose="020B0604020202020204" pitchFamily="34" charset="0"/>
+              <a:buChar char="•"/>
+              <a:defRPr sz="2800" kern="1200">
+                <a:solidFill>
+                  <a:schemeClr val="tx1"/>
+                </a:solidFill>
+                <a:latin typeface="+mn-lt"/>
+                <a:ea typeface="+mn-ea"/>
+                <a:cs typeface="+mn-cs"/>
+              </a:defRPr>
+            </a:lvl1pPr>
+            <a:lvl2pPr marL="685800" indent="-228600" algn="l" defTabSz="914400" rtl="0" eaLnBrk="1" latinLnBrk="0" hangingPunct="1">
+              <a:lnSpc>
+                <a:spcPct val="90000"/>
+              </a:lnSpc>
+              <a:spcBef>
+                <a:spcPts val="500"/>
+              </a:spcBef>
+              <a:buFont typeface="Arial" panose="020B0604020202020204" pitchFamily="34" charset="0"/>
+              <a:buChar char="•"/>
+              <a:defRPr sz="2400" kern="1200">
+                <a:solidFill>
+                  <a:schemeClr val="tx1"/>
+                </a:solidFill>
+                <a:latin typeface="+mn-lt"/>
+                <a:ea typeface="+mn-ea"/>
+                <a:cs typeface="+mn-cs"/>
+              </a:defRPr>
+            </a:lvl2pPr>
+            <a:lvl3pPr marL="1143000" indent="-228600" algn="l" defTabSz="914400" rtl="0" eaLnBrk="1" latinLnBrk="0" hangingPunct="1">
+              <a:lnSpc>
+                <a:spcPct val="90000"/>
+              </a:lnSpc>
+              <a:spcBef>
+                <a:spcPts val="500"/>
+              </a:spcBef>
+              <a:buFont typeface="Arial" panose="020B0604020202020204" pitchFamily="34" charset="0"/>
+              <a:buChar char="•"/>
+              <a:defRPr sz="2000" kern="1200">
+                <a:solidFill>
+                  <a:schemeClr val="tx1"/>
+                </a:solidFill>
+                <a:latin typeface="+mn-lt"/>
+                <a:ea typeface="+mn-ea"/>
+                <a:cs typeface="+mn-cs"/>
+              </a:defRPr>
+            </a:lvl3pPr>
+            <a:lvl4pPr marL="1600200" indent="-228600" algn="l" defTabSz="914400" rtl="0" eaLnBrk="1" latinLnBrk="0" hangingPunct="1">
+              <a:lnSpc>
+                <a:spcPct val="90000"/>
+              </a:lnSpc>
+              <a:spcBef>
+                <a:spcPts val="500"/>
+              </a:spcBef>
+              <a:buFont typeface="Arial" panose="020B0604020202020204" pitchFamily="34" charset="0"/>
+              <a:buChar char="•"/>
+              <a:defRPr sz="1800" kern="1200">
+                <a:solidFill>
+                  <a:schemeClr val="tx1"/>
+                </a:solidFill>
+                <a:latin typeface="+mn-lt"/>
+                <a:ea typeface="+mn-ea"/>
+                <a:cs typeface="+mn-cs"/>
+              </a:defRPr>
+            </a:lvl4pPr>
+            <a:lvl5pPr marL="2057400" indent="-228600" algn="l" defTabSz="914400" rtl="0" eaLnBrk="1" latinLnBrk="0" hangingPunct="1">
+              <a:lnSpc>
+                <a:spcPct val="90000"/>
+              </a:lnSpc>
+              <a:spcBef>
+                <a:spcPts val="500"/>
+              </a:spcBef>
+              <a:buFont typeface="Arial" panose="020B0604020202020204" pitchFamily="34" charset="0"/>
+              <a:buChar char="•"/>
+              <a:defRPr sz="1800" kern="1200">
+                <a:solidFill>
+                  <a:schemeClr val="tx1"/>
+                </a:solidFill>
+                <a:latin typeface="+mn-lt"/>
+                <a:ea typeface="+mn-ea"/>
+                <a:cs typeface="+mn-cs"/>
+              </a:defRPr>
+            </a:lvl5pPr>
+            <a:lvl6pPr marL="2514600" indent="-228600" algn="l" defTabSz="914400" rtl="0" eaLnBrk="1" latinLnBrk="0" hangingPunct="1">
+              <a:lnSpc>
+                <a:spcPct val="90000"/>
+              </a:lnSpc>
+              <a:spcBef>
+                <a:spcPts val="500"/>
+              </a:spcBef>
+              <a:buFont typeface="Arial" panose="020B0604020202020204" pitchFamily="34" charset="0"/>
+              <a:buChar char="•"/>
+              <a:defRPr sz="1800" kern="1200">
+                <a:solidFill>
+                  <a:schemeClr val="tx1"/>
+                </a:solidFill>
+                <a:latin typeface="+mn-lt"/>
+                <a:ea typeface="+mn-ea"/>
+                <a:cs typeface="+mn-cs"/>
+              </a:defRPr>
+            </a:lvl6pPr>
+            <a:lvl7pPr marL="2971800" indent="-228600" algn="l" defTabSz="914400" rtl="0" eaLnBrk="1" latinLnBrk="0" hangingPunct="1">
+              <a:lnSpc>
+                <a:spcPct val="90000"/>
+              </a:lnSpc>
+              <a:spcBef>
+                <a:spcPts val="500"/>
+              </a:spcBef>
+              <a:buFont typeface="Arial" panose="020B0604020202020204" pitchFamily="34" charset="0"/>
+              <a:buChar char="•"/>
+              <a:defRPr sz="1800" kern="1200">
+                <a:solidFill>
+                  <a:schemeClr val="tx1"/>
+                </a:solidFill>
+                <a:latin typeface="+mn-lt"/>
+                <a:ea typeface="+mn-ea"/>
+                <a:cs typeface="+mn-cs"/>
+              </a:defRPr>
+            </a:lvl7pPr>
+            <a:lvl8pPr marL="3429000" indent="-228600" algn="l" defTabSz="914400" rtl="0" eaLnBrk="1" latinLnBrk="0" hangingPunct="1">
+              <a:lnSpc>
+                <a:spcPct val="90000"/>
+              </a:lnSpc>
+              <a:spcBef>
+                <a:spcPts val="500"/>
+              </a:spcBef>
+              <a:buFont typeface="Arial" panose="020B0604020202020204" pitchFamily="34" charset="0"/>
+              <a:buChar char="•"/>
+              <a:defRPr sz="1800" kern="1200">
+                <a:solidFill>
+                  <a:schemeClr val="tx1"/>
+                </a:solidFill>
+                <a:latin typeface="+mn-lt"/>
+                <a:ea typeface="+mn-ea"/>
+                <a:cs typeface="+mn-cs"/>
+              </a:defRPr>
+            </a:lvl8pPr>
+            <a:lvl9pPr marL="3886200" indent="-228600" algn="l" defTabSz="914400" rtl="0" eaLnBrk="1" latinLnBrk="0" hangingPunct="1">
+              <a:lnSpc>
+                <a:spcPct val="90000"/>
+              </a:lnSpc>
+              <a:spcBef>
+                <a:spcPts val="500"/>
+              </a:spcBef>
+              <a:buFont typeface="Arial" panose="020B0604020202020204" pitchFamily="34" charset="0"/>
+              <a:buChar char="•"/>
+              <a:defRPr sz="1800" kern="1200">
+                <a:solidFill>
+                  <a:schemeClr val="tx1"/>
+                </a:solidFill>
+                <a:latin typeface="+mn-lt"/>
+                <a:ea typeface="+mn-ea"/>
+                <a:cs typeface="+mn-cs"/>
+              </a:defRPr>
+            </a:lvl9pPr>
+          </a:lstStyle>
+          <a:p>
+            <a:r>
+              <a:rPr lang="en-US" sz="2400" dirty="0" smtClean="0"/>
+              <a:t>Users of this application are designated as “</a:t>
+            </a:r>
+            <a:r>
+              <a:rPr lang="en-US" sz="2400" dirty="0" err="1" smtClean="0"/>
+              <a:t>djedais</a:t>
+            </a:r>
+            <a:r>
+              <a:rPr lang="en-US" sz="2400" dirty="0" smtClean="0"/>
+              <a:t>” </a:t>
+            </a:r>
+            <a:endParaRPr lang="en-US" sz="2400" dirty="0" smtClean="0"/>
+          </a:p>
+        </p:txBody>
+      </p:sp>
+      <p:sp>
+        <p:nvSpPr>
+          <p:cNvPr id="11" name="ZoneTexte 10"/>
           <p:cNvSpPr txBox="1"/>
           <p:nvPr/>
         </p:nvSpPr>
         <p:spPr>
           <a:xfrm>
-            <a:off x="615021" y="3650696"/>
-            <a:ext cx="1774378" cy="738664"/>
+            <a:off x="519200" y="4041704"/>
+            <a:ext cx="3377293" cy="646331"/>
           </a:xfrm>
           <a:prstGeom prst="rect">
             <a:avLst/>
@@ -4066,670 +4097,229 @@
           <a:lstStyle/>
           <a:p>
             <a:r>
-              <a:rPr lang="en-US" sz="1400" dirty="0" err="1" smtClean="0"/>
-              <a:t>SoftEye</a:t>
-            </a:r>
-            <a:r>
-              <a:rPr lang="en-US" sz="1400" dirty="0" smtClean="0"/>
-              <a:t>, </a:t>
-            </a:r>
-          </a:p>
-          <a:p>
-            <a:r>
-              <a:rPr lang="en-US" sz="1400" dirty="0" err="1" smtClean="0"/>
-              <a:t>BrainVision</a:t>
-            </a:r>
-            <a:r>
-              <a:rPr lang="en-US" sz="1400" dirty="0"/>
-              <a:t> </a:t>
-            </a:r>
-            <a:r>
-              <a:rPr lang="en-US" sz="1400" dirty="0" smtClean="0"/>
-              <a:t>Recorder, </a:t>
-            </a:r>
-          </a:p>
-          <a:p>
-            <a:r>
-              <a:rPr lang="en-US" sz="1400" dirty="0" err="1" smtClean="0"/>
-              <a:t>G.Tec</a:t>
-            </a:r>
-            <a:r>
-              <a:rPr lang="en-US" sz="1400" dirty="0" smtClean="0"/>
-              <a:t> recorder</a:t>
-            </a:r>
-            <a:endParaRPr lang="en-US" sz="1400" dirty="0"/>
-          </a:p>
-        </p:txBody>
-      </p:sp>
-      <p:sp>
-        <p:nvSpPr>
-          <p:cNvPr id="18" name="ZoneTexte 17"/>
-          <p:cNvSpPr txBox="1"/>
+              <a:rPr lang="en-US" sz="3600" dirty="0" smtClean="0"/>
+              <a:t>Login</a:t>
+            </a:r>
+            <a:r>
+              <a:rPr lang="en-US" sz="3600" dirty="0" smtClean="0"/>
+              <a:t>:</a:t>
+            </a:r>
+            <a:endParaRPr lang="en-US" sz="3600" dirty="0"/>
+          </a:p>
+        </p:txBody>
+      </p:sp>
+      <p:sp>
+        <p:nvSpPr>
+          <p:cNvPr id="12" name="Espace réservé du contenu 2"/>
+          <p:cNvSpPr txBox="1">
+            <a:spLocks/>
+          </p:cNvSpPr>
           <p:nvPr/>
         </p:nvSpPr>
         <p:spPr>
           <a:xfrm>
-            <a:off x="3143127" y="3763112"/>
-            <a:ext cx="1303640" cy="307777"/>
+            <a:off x="1035776" y="4776773"/>
+            <a:ext cx="10515600" cy="534877"/>
           </a:xfrm>
           <a:prstGeom prst="rect">
             <a:avLst/>
           </a:prstGeom>
-          <a:noFill/>
         </p:spPr>
         <p:txBody>
-          <a:bodyPr wrap="square" rtlCol="0">
-            <a:spAutoFit/>
+          <a:bodyPr vert="horz" lIns="91440" tIns="45720" rIns="91440" bIns="45720" rtlCol="0">
+            <a:noAutofit/>
           </a:bodyPr>
-          <a:lstStyle/>
-          <a:p>
-            <a:r>
-              <a:rPr lang="en-US" sz="1400" dirty="0" err="1" smtClean="0"/>
-              <a:t>Matlab</a:t>
-            </a:r>
-            <a:r>
-              <a:rPr lang="en-US" sz="1400" dirty="0" smtClean="0"/>
-              <a:t> script</a:t>
-            </a:r>
-            <a:endParaRPr lang="en-US" sz="1400" dirty="0"/>
-          </a:p>
-        </p:txBody>
-      </p:sp>
-      <p:sp>
-        <p:nvSpPr>
-          <p:cNvPr id="19" name="ZoneTexte 18"/>
-          <p:cNvSpPr txBox="1"/>
-          <p:nvPr/>
-        </p:nvSpPr>
-        <p:spPr>
-          <a:xfrm>
-            <a:off x="5146996" y="3178198"/>
-            <a:ext cx="1391807" cy="738664"/>
-          </a:xfrm>
-          <a:prstGeom prst="rect">
-            <a:avLst/>
-          </a:prstGeom>
-          <a:noFill/>
-        </p:spPr>
-        <p:txBody>
-          <a:bodyPr wrap="square" rtlCol="0">
-            <a:spAutoFit/>
-          </a:bodyPr>
-          <a:lstStyle/>
-          <a:p>
-            <a:r>
-              <a:rPr lang="en-US" sz="1400" dirty="0" err="1" smtClean="0"/>
-              <a:t>Matlab</a:t>
-            </a:r>
-            <a:r>
-              <a:rPr lang="en-US" sz="1400" dirty="0" smtClean="0"/>
-              <a:t> builder (developed by </a:t>
-            </a:r>
-            <a:r>
-              <a:rPr lang="en-US" sz="1400" dirty="0" err="1" smtClean="0"/>
-              <a:t>Gelu</a:t>
-            </a:r>
-            <a:r>
-              <a:rPr lang="en-US" sz="1400" dirty="0" smtClean="0"/>
-              <a:t>)</a:t>
-            </a:r>
-            <a:endParaRPr lang="en-US" sz="1400" dirty="0"/>
-          </a:p>
-        </p:txBody>
-      </p:sp>
-      <p:sp>
-        <p:nvSpPr>
-          <p:cNvPr id="20" name="Rectangle à coins arrondis 19"/>
-          <p:cNvSpPr/>
-          <p:nvPr/>
-        </p:nvSpPr>
-        <p:spPr>
-          <a:xfrm>
-            <a:off x="7233825" y="1791730"/>
-            <a:ext cx="1033272" cy="1021494"/>
-          </a:xfrm>
-          <a:prstGeom prst="roundRect">
-            <a:avLst/>
-          </a:prstGeom>
-        </p:spPr>
-        <p:style>
-          <a:lnRef idx="2">
-            <a:schemeClr val="accent1">
-              <a:shade val="50000"/>
-            </a:schemeClr>
-          </a:lnRef>
-          <a:fillRef idx="1">
-            <a:schemeClr val="accent1"/>
-          </a:fillRef>
-          <a:effectRef idx="0">
-            <a:schemeClr val="accent1"/>
-          </a:effectRef>
-          <a:fontRef idx="minor">
-            <a:schemeClr val="lt1"/>
-          </a:fontRef>
-        </p:style>
-        <p:txBody>
-          <a:bodyPr rtlCol="0" anchor="ctr"/>
-          <a:lstStyle/>
-          <a:p>
-            <a:pPr algn="ctr"/>
-            <a:r>
-              <a:rPr lang="en-US" sz="1400" dirty="0" smtClean="0"/>
-              <a:t>*.mat - &gt; </a:t>
-            </a:r>
-            <a:r>
-              <a:rPr lang="en-US" sz="1400" dirty="0" err="1" smtClean="0"/>
-              <a:t>synchro</a:t>
-            </a:r>
-            <a:r>
-              <a:rPr lang="en-US" sz="1400" dirty="0" smtClean="0"/>
-              <a:t>_*.mat</a:t>
-            </a:r>
-            <a:endParaRPr lang="en-US" sz="1400" dirty="0"/>
-          </a:p>
-        </p:txBody>
-      </p:sp>
-      <p:sp>
-        <p:nvSpPr>
-          <p:cNvPr id="21" name="Flèche droite 20"/>
-          <p:cNvSpPr/>
-          <p:nvPr/>
-        </p:nvSpPr>
-        <p:spPr>
-          <a:xfrm>
-            <a:off x="2315022" y="1998715"/>
-            <a:ext cx="2834640" cy="74141"/>
-          </a:xfrm>
-          <a:prstGeom prst="rightArrow">
-            <a:avLst/>
-          </a:prstGeom>
-        </p:spPr>
-        <p:style>
-          <a:lnRef idx="2">
-            <a:schemeClr val="accent1">
-              <a:shade val="50000"/>
-            </a:schemeClr>
-          </a:lnRef>
-          <a:fillRef idx="1">
-            <a:schemeClr val="accent1"/>
-          </a:fillRef>
-          <a:effectRef idx="0">
-            <a:schemeClr val="accent1"/>
-          </a:effectRef>
-          <a:fontRef idx="minor">
-            <a:schemeClr val="lt1"/>
-          </a:fontRef>
-        </p:style>
-        <p:txBody>
-          <a:bodyPr rtlCol="0" anchor="ctr"/>
-          <a:lstStyle/>
-          <a:p>
-            <a:pPr algn="ctr"/>
-            <a:endParaRPr lang="en-US"/>
-          </a:p>
-        </p:txBody>
-      </p:sp>
-      <p:sp>
-        <p:nvSpPr>
-          <p:cNvPr id="22" name="Flèche droite 21"/>
-          <p:cNvSpPr/>
-          <p:nvPr/>
-        </p:nvSpPr>
-        <p:spPr>
-          <a:xfrm>
-            <a:off x="6363628" y="2302477"/>
-            <a:ext cx="822960" cy="74141"/>
-          </a:xfrm>
-          <a:prstGeom prst="rightArrow">
-            <a:avLst/>
-          </a:prstGeom>
-        </p:spPr>
-        <p:style>
-          <a:lnRef idx="2">
-            <a:schemeClr val="accent1">
-              <a:shade val="50000"/>
-            </a:schemeClr>
-          </a:lnRef>
-          <a:fillRef idx="1">
-            <a:schemeClr val="accent1"/>
-          </a:fillRef>
-          <a:effectRef idx="0">
-            <a:schemeClr val="accent1"/>
-          </a:effectRef>
-          <a:fontRef idx="minor">
-            <a:schemeClr val="lt1"/>
-          </a:fontRef>
-        </p:style>
-        <p:txBody>
-          <a:bodyPr rtlCol="0" anchor="ctr"/>
-          <a:lstStyle/>
-          <a:p>
-            <a:pPr algn="ctr"/>
-            <a:endParaRPr lang="en-US"/>
-          </a:p>
-        </p:txBody>
-      </p:sp>
-      <p:sp>
-        <p:nvSpPr>
-          <p:cNvPr id="23" name="ZoneTexte 22"/>
-          <p:cNvSpPr txBox="1"/>
-          <p:nvPr/>
-        </p:nvSpPr>
-        <p:spPr>
-          <a:xfrm>
-            <a:off x="7087798" y="3136265"/>
-            <a:ext cx="1382212" cy="738664"/>
-          </a:xfrm>
-          <a:prstGeom prst="rect">
-            <a:avLst/>
-          </a:prstGeom>
-          <a:noFill/>
-        </p:spPr>
-        <p:txBody>
-          <a:bodyPr wrap="square" rtlCol="0">
-            <a:spAutoFit/>
-          </a:bodyPr>
-          <a:lstStyle/>
-          <a:p>
-            <a:r>
-              <a:rPr lang="en-US" sz="1400" dirty="0" err="1" smtClean="0"/>
-              <a:t>GazeEegSynchro</a:t>
-            </a:r>
-            <a:r>
-              <a:rPr lang="en-US" sz="1400" dirty="0" smtClean="0"/>
-              <a:t> (developed by </a:t>
-            </a:r>
-            <a:r>
-              <a:rPr lang="en-US" sz="1400" dirty="0" err="1" smtClean="0"/>
-              <a:t>Gelu</a:t>
-            </a:r>
-            <a:r>
-              <a:rPr lang="en-US" sz="1400" dirty="0" smtClean="0"/>
-              <a:t>)</a:t>
-            </a:r>
-            <a:endParaRPr lang="en-US" sz="1400" dirty="0"/>
-          </a:p>
-        </p:txBody>
-      </p:sp>
-      <p:cxnSp>
-        <p:nvCxnSpPr>
-          <p:cNvPr id="24" name="Connecteur droit 23"/>
-          <p:cNvCxnSpPr/>
-          <p:nvPr/>
-        </p:nvCxnSpPr>
-        <p:spPr>
-          <a:xfrm>
-            <a:off x="8952730" y="745526"/>
-            <a:ext cx="0" cy="3262184"/>
-          </a:xfrm>
-          <a:prstGeom prst="line">
-            <a:avLst/>
-          </a:prstGeom>
-        </p:spPr>
-        <p:style>
-          <a:lnRef idx="1">
-            <a:schemeClr val="accent1"/>
-          </a:lnRef>
-          <a:fillRef idx="0">
-            <a:schemeClr val="accent1"/>
-          </a:fillRef>
-          <a:effectRef idx="0">
-            <a:schemeClr val="accent1"/>
-          </a:effectRef>
-          <a:fontRef idx="minor">
-            <a:schemeClr val="tx1"/>
-          </a:fontRef>
-        </p:style>
-      </p:cxnSp>
-      <p:sp>
-        <p:nvSpPr>
-          <p:cNvPr id="25" name="ZoneTexte 24"/>
-          <p:cNvSpPr txBox="1"/>
-          <p:nvPr/>
-        </p:nvSpPr>
-        <p:spPr>
-          <a:xfrm>
-            <a:off x="9381912" y="648728"/>
-            <a:ext cx="2005911" cy="646331"/>
-          </a:xfrm>
-          <a:prstGeom prst="rect">
-            <a:avLst/>
-          </a:prstGeom>
-          <a:noFill/>
-        </p:spPr>
-        <p:txBody>
-          <a:bodyPr wrap="square" rtlCol="0">
-            <a:spAutoFit/>
-          </a:bodyPr>
-          <a:lstStyle/>
-          <a:p>
-            <a:r>
-              <a:rPr lang="en-US" dirty="0" smtClean="0"/>
-              <a:t>4) Import in EEGLAB</a:t>
-            </a:r>
-            <a:endParaRPr lang="en-US" dirty="0"/>
-          </a:p>
-        </p:txBody>
-      </p:sp>
-      <p:sp>
-        <p:nvSpPr>
-          <p:cNvPr id="26" name="Rectangle à coins arrondis 25"/>
-          <p:cNvSpPr/>
-          <p:nvPr/>
-        </p:nvSpPr>
-        <p:spPr>
-          <a:xfrm>
-            <a:off x="9457257" y="1767016"/>
-            <a:ext cx="1566713" cy="1007662"/>
-          </a:xfrm>
-          <a:prstGeom prst="roundRect">
-            <a:avLst/>
-          </a:prstGeom>
-        </p:spPr>
-        <p:style>
-          <a:lnRef idx="2">
-            <a:schemeClr val="accent1">
-              <a:shade val="50000"/>
-            </a:schemeClr>
-          </a:lnRef>
-          <a:fillRef idx="1">
-            <a:schemeClr val="accent1"/>
-          </a:fillRef>
-          <a:effectRef idx="0">
-            <a:schemeClr val="accent1"/>
-          </a:effectRef>
-          <a:fontRef idx="minor">
-            <a:schemeClr val="lt1"/>
-          </a:fontRef>
-        </p:style>
-        <p:txBody>
-          <a:bodyPr rtlCol="0" anchor="ctr"/>
-          <a:lstStyle/>
-          <a:p>
-            <a:pPr algn="ctr"/>
-            <a:r>
-              <a:rPr lang="en-US" sz="1400" dirty="0" smtClean="0"/>
-              <a:t>Imported in EEGLAB</a:t>
-            </a:r>
-            <a:endParaRPr lang="en-US" sz="1400" dirty="0"/>
-          </a:p>
-        </p:txBody>
-      </p:sp>
-      <p:sp>
-        <p:nvSpPr>
-          <p:cNvPr id="27" name="Flèche droite 26"/>
-          <p:cNvSpPr/>
-          <p:nvPr/>
-        </p:nvSpPr>
-        <p:spPr>
-          <a:xfrm>
-            <a:off x="8311766" y="2302477"/>
-            <a:ext cx="1097280" cy="74141"/>
-          </a:xfrm>
-          <a:prstGeom prst="rightArrow">
-            <a:avLst/>
-          </a:prstGeom>
-        </p:spPr>
-        <p:style>
-          <a:lnRef idx="2">
-            <a:schemeClr val="accent1">
-              <a:shade val="50000"/>
-            </a:schemeClr>
-          </a:lnRef>
-          <a:fillRef idx="1">
-            <a:schemeClr val="accent1"/>
-          </a:fillRef>
-          <a:effectRef idx="0">
-            <a:schemeClr val="accent1"/>
-          </a:effectRef>
-          <a:fontRef idx="minor">
-            <a:schemeClr val="lt1"/>
-          </a:fontRef>
-        </p:style>
-        <p:txBody>
-          <a:bodyPr rtlCol="0" anchor="ctr"/>
-          <a:lstStyle/>
-          <a:p>
-            <a:pPr algn="ctr"/>
-            <a:endParaRPr lang="en-US"/>
-          </a:p>
-        </p:txBody>
-      </p:sp>
-      <p:sp>
-        <p:nvSpPr>
-          <p:cNvPr id="28" name="ZoneTexte 27"/>
-          <p:cNvSpPr txBox="1"/>
-          <p:nvPr/>
-        </p:nvSpPr>
-        <p:spPr>
-          <a:xfrm>
-            <a:off x="9467002" y="3155358"/>
-            <a:ext cx="1835730" cy="738664"/>
-          </a:xfrm>
-          <a:prstGeom prst="rect">
-            <a:avLst/>
-          </a:prstGeom>
-          <a:noFill/>
-        </p:spPr>
-        <p:txBody>
-          <a:bodyPr wrap="square" rtlCol="0">
-            <a:spAutoFit/>
-          </a:bodyPr>
-          <a:lstStyle/>
-          <a:p>
-            <a:r>
-              <a:rPr lang="en-US" sz="1400" dirty="0" err="1" smtClean="0"/>
-              <a:t>GazeEegLabImporter</a:t>
-            </a:r>
-            <a:r>
-              <a:rPr lang="en-US" sz="1400" dirty="0" smtClean="0"/>
-              <a:t> (developed by Ronald, Anton)</a:t>
-            </a:r>
-            <a:endParaRPr lang="en-US" sz="1400" dirty="0"/>
-          </a:p>
-        </p:txBody>
-      </p:sp>
-      <p:sp>
-        <p:nvSpPr>
-          <p:cNvPr id="29" name="ZoneTexte 28"/>
-          <p:cNvSpPr txBox="1"/>
-          <p:nvPr/>
-        </p:nvSpPr>
-        <p:spPr>
-          <a:xfrm>
-            <a:off x="381132" y="4390515"/>
-            <a:ext cx="11219543" cy="2246769"/>
-          </a:xfrm>
-          <a:prstGeom prst="rect">
-            <a:avLst/>
-          </a:prstGeom>
-          <a:noFill/>
-        </p:spPr>
-        <p:txBody>
-          <a:bodyPr wrap="square" rtlCol="0">
-            <a:spAutoFit/>
-          </a:bodyPr>
-          <a:lstStyle/>
-          <a:p>
-            <a:r>
-              <a:rPr lang="en-US" sz="2000" dirty="0" smtClean="0"/>
-              <a:t>In 1) the signal is acquired in a number of files. Normally these are .</a:t>
-            </a:r>
-            <a:r>
-              <a:rPr lang="en-US" sz="2000" dirty="0" err="1" smtClean="0"/>
-              <a:t>asc</a:t>
-            </a:r>
-            <a:r>
-              <a:rPr lang="en-US" sz="2000" dirty="0" smtClean="0"/>
-              <a:t> from the </a:t>
-            </a:r>
-            <a:r>
-              <a:rPr lang="en-US" sz="2000" dirty="0" err="1" smtClean="0"/>
-              <a:t>eyetracker</a:t>
-            </a:r>
-            <a:r>
-              <a:rPr lang="en-US" sz="2000" dirty="0" smtClean="0"/>
-              <a:t> and .</a:t>
-            </a:r>
-            <a:r>
-              <a:rPr lang="en-US" sz="2000" dirty="0" err="1" smtClean="0"/>
-              <a:t>eeg</a:t>
-            </a:r>
-            <a:r>
-              <a:rPr lang="en-US" sz="2000" dirty="0" smtClean="0"/>
-              <a:t>, .</a:t>
-            </a:r>
-            <a:r>
-              <a:rPr lang="en-US" sz="2000" dirty="0" err="1" smtClean="0"/>
-              <a:t>vmrk</a:t>
-            </a:r>
-            <a:r>
-              <a:rPr lang="en-US" sz="2000" dirty="0" smtClean="0"/>
-              <a:t>,.</a:t>
-            </a:r>
-            <a:r>
-              <a:rPr lang="en-US" sz="2000" dirty="0" err="1" smtClean="0"/>
-              <a:t>vmrk</a:t>
-            </a:r>
-            <a:r>
-              <a:rPr lang="en-US" sz="2000" dirty="0" smtClean="0"/>
-              <a:t> for EEG in the </a:t>
-            </a:r>
-            <a:r>
-              <a:rPr lang="en-US" sz="2000" dirty="0" err="1" smtClean="0"/>
-              <a:t>Brainamp</a:t>
-            </a:r>
-            <a:r>
-              <a:rPr lang="en-US" sz="2000" dirty="0"/>
-              <a:t> </a:t>
-            </a:r>
-            <a:r>
-              <a:rPr lang="en-US" sz="2000" dirty="0" smtClean="0"/>
-              <a:t>format. The </a:t>
-            </a:r>
-            <a:r>
-              <a:rPr lang="en-US" sz="2000" dirty="0" err="1" smtClean="0"/>
-              <a:t>g.tec</a:t>
-            </a:r>
-            <a:r>
-              <a:rPr lang="en-US" sz="2000" dirty="0" smtClean="0"/>
-              <a:t> produces a .hdf5 file which is also converted to .</a:t>
-            </a:r>
-            <a:r>
-              <a:rPr lang="en-US" sz="2000" dirty="0" err="1" smtClean="0"/>
-              <a:t>eeg</a:t>
-            </a:r>
-            <a:r>
-              <a:rPr lang="en-US" sz="2000" dirty="0" smtClean="0"/>
-              <a:t>, .</a:t>
-            </a:r>
-            <a:r>
-              <a:rPr lang="en-US" sz="2000" dirty="0" err="1" smtClean="0"/>
-              <a:t>vmrk</a:t>
-            </a:r>
-            <a:r>
-              <a:rPr lang="en-US" sz="2000" dirty="0" smtClean="0"/>
-              <a:t>,.</a:t>
-            </a:r>
-            <a:r>
-              <a:rPr lang="en-US" sz="2000" dirty="0" err="1" smtClean="0"/>
-              <a:t>vmrk</a:t>
-            </a:r>
-            <a:r>
-              <a:rPr lang="en-US" sz="2000" dirty="0" smtClean="0"/>
-              <a:t>. After that the files are converted to .mat using the </a:t>
-            </a:r>
-            <a:r>
-              <a:rPr lang="en-US" sz="2000" dirty="0" err="1" smtClean="0"/>
-              <a:t>MatBuilder</a:t>
-            </a:r>
-            <a:r>
-              <a:rPr lang="en-US" sz="2000" dirty="0" smtClean="0"/>
-              <a:t> software. In 3) the two data streams EEG and </a:t>
-            </a:r>
-            <a:r>
-              <a:rPr lang="en-US" sz="2000" dirty="0" err="1" smtClean="0"/>
-              <a:t>Eyetracking</a:t>
-            </a:r>
-            <a:r>
-              <a:rPr lang="en-US" sz="2000" dirty="0" smtClean="0"/>
-              <a:t> data are synchronized leveraging the differences produced by the different acquisition devices (notably the “drift”). </a:t>
-            </a:r>
-            <a:r>
-              <a:rPr lang="en-US" sz="2000" dirty="0" err="1" smtClean="0"/>
-              <a:t>GazeEEGSynchro</a:t>
-            </a:r>
-            <a:r>
-              <a:rPr lang="en-US" sz="2000" dirty="0" smtClean="0"/>
-              <a:t> produces a .mat file and the total number of channels is the sum of the EEG and the eye tracker's channels. In 4</a:t>
-            </a:r>
-            <a:r>
-              <a:rPr lang="en-US" sz="2000" dirty="0"/>
-              <a:t>) </a:t>
-            </a:r>
-            <a:r>
-              <a:rPr lang="en-US" sz="2000" dirty="0" err="1"/>
-              <a:t>GazeEegLabImporter</a:t>
-            </a:r>
-            <a:r>
-              <a:rPr lang="en-US" sz="2000" dirty="0"/>
-              <a:t> </a:t>
-            </a:r>
-            <a:r>
-              <a:rPr lang="en-US" sz="2000" dirty="0" smtClean="0"/>
-              <a:t>imports the result from 3) in EEGLAB and it is used for ERP analysis.</a:t>
-            </a:r>
-            <a:endParaRPr lang="en-US" sz="2000" dirty="0"/>
-          </a:p>
-        </p:txBody>
-      </p:sp>
-      <p:sp>
-        <p:nvSpPr>
-          <p:cNvPr id="30" name="ZoneTexte 29"/>
-          <p:cNvSpPr txBox="1"/>
-          <p:nvPr/>
-        </p:nvSpPr>
-        <p:spPr>
-          <a:xfrm>
-            <a:off x="2159781" y="129733"/>
-            <a:ext cx="8407694" cy="523220"/>
-          </a:xfrm>
-          <a:prstGeom prst="rect">
-            <a:avLst/>
-          </a:prstGeom>
-          <a:noFill/>
-        </p:spPr>
-        <p:txBody>
-          <a:bodyPr wrap="square" rtlCol="0">
-            <a:spAutoFit/>
-          </a:bodyPr>
-          <a:lstStyle/>
-          <a:p>
-            <a:r>
-              <a:rPr lang="en-US" sz="2800" dirty="0" smtClean="0"/>
-              <a:t>Offline data processing for ERP data analysis in EEGLAB</a:t>
-            </a:r>
-            <a:endParaRPr lang="en-US" sz="2800" dirty="0"/>
+          <a:lstStyle>
+            <a:lvl1pPr marL="228600" indent="-228600" algn="l" defTabSz="914400" rtl="0" eaLnBrk="1" latinLnBrk="0" hangingPunct="1">
+              <a:lnSpc>
+                <a:spcPct val="90000"/>
+              </a:lnSpc>
+              <a:spcBef>
+                <a:spcPts val="1000"/>
+              </a:spcBef>
+              <a:buFont typeface="Arial" panose="020B0604020202020204" pitchFamily="34" charset="0"/>
+              <a:buChar char="•"/>
+              <a:defRPr sz="2800" kern="1200">
+                <a:solidFill>
+                  <a:schemeClr val="tx1"/>
+                </a:solidFill>
+                <a:latin typeface="+mn-lt"/>
+                <a:ea typeface="+mn-ea"/>
+                <a:cs typeface="+mn-cs"/>
+              </a:defRPr>
+            </a:lvl1pPr>
+            <a:lvl2pPr marL="685800" indent="-228600" algn="l" defTabSz="914400" rtl="0" eaLnBrk="1" latinLnBrk="0" hangingPunct="1">
+              <a:lnSpc>
+                <a:spcPct val="90000"/>
+              </a:lnSpc>
+              <a:spcBef>
+                <a:spcPts val="500"/>
+              </a:spcBef>
+              <a:buFont typeface="Arial" panose="020B0604020202020204" pitchFamily="34" charset="0"/>
+              <a:buChar char="•"/>
+              <a:defRPr sz="2400" kern="1200">
+                <a:solidFill>
+                  <a:schemeClr val="tx1"/>
+                </a:solidFill>
+                <a:latin typeface="+mn-lt"/>
+                <a:ea typeface="+mn-ea"/>
+                <a:cs typeface="+mn-cs"/>
+              </a:defRPr>
+            </a:lvl2pPr>
+            <a:lvl3pPr marL="1143000" indent="-228600" algn="l" defTabSz="914400" rtl="0" eaLnBrk="1" latinLnBrk="0" hangingPunct="1">
+              <a:lnSpc>
+                <a:spcPct val="90000"/>
+              </a:lnSpc>
+              <a:spcBef>
+                <a:spcPts val="500"/>
+              </a:spcBef>
+              <a:buFont typeface="Arial" panose="020B0604020202020204" pitchFamily="34" charset="0"/>
+              <a:buChar char="•"/>
+              <a:defRPr sz="2000" kern="1200">
+                <a:solidFill>
+                  <a:schemeClr val="tx1"/>
+                </a:solidFill>
+                <a:latin typeface="+mn-lt"/>
+                <a:ea typeface="+mn-ea"/>
+                <a:cs typeface="+mn-cs"/>
+              </a:defRPr>
+            </a:lvl3pPr>
+            <a:lvl4pPr marL="1600200" indent="-228600" algn="l" defTabSz="914400" rtl="0" eaLnBrk="1" latinLnBrk="0" hangingPunct="1">
+              <a:lnSpc>
+                <a:spcPct val="90000"/>
+              </a:lnSpc>
+              <a:spcBef>
+                <a:spcPts val="500"/>
+              </a:spcBef>
+              <a:buFont typeface="Arial" panose="020B0604020202020204" pitchFamily="34" charset="0"/>
+              <a:buChar char="•"/>
+              <a:defRPr sz="1800" kern="1200">
+                <a:solidFill>
+                  <a:schemeClr val="tx1"/>
+                </a:solidFill>
+                <a:latin typeface="+mn-lt"/>
+                <a:ea typeface="+mn-ea"/>
+                <a:cs typeface="+mn-cs"/>
+              </a:defRPr>
+            </a:lvl4pPr>
+            <a:lvl5pPr marL="2057400" indent="-228600" algn="l" defTabSz="914400" rtl="0" eaLnBrk="1" latinLnBrk="0" hangingPunct="1">
+              <a:lnSpc>
+                <a:spcPct val="90000"/>
+              </a:lnSpc>
+              <a:spcBef>
+                <a:spcPts val="500"/>
+              </a:spcBef>
+              <a:buFont typeface="Arial" panose="020B0604020202020204" pitchFamily="34" charset="0"/>
+              <a:buChar char="•"/>
+              <a:defRPr sz="1800" kern="1200">
+                <a:solidFill>
+                  <a:schemeClr val="tx1"/>
+                </a:solidFill>
+                <a:latin typeface="+mn-lt"/>
+                <a:ea typeface="+mn-ea"/>
+                <a:cs typeface="+mn-cs"/>
+              </a:defRPr>
+            </a:lvl5pPr>
+            <a:lvl6pPr marL="2514600" indent="-228600" algn="l" defTabSz="914400" rtl="0" eaLnBrk="1" latinLnBrk="0" hangingPunct="1">
+              <a:lnSpc>
+                <a:spcPct val="90000"/>
+              </a:lnSpc>
+              <a:spcBef>
+                <a:spcPts val="500"/>
+              </a:spcBef>
+              <a:buFont typeface="Arial" panose="020B0604020202020204" pitchFamily="34" charset="0"/>
+              <a:buChar char="•"/>
+              <a:defRPr sz="1800" kern="1200">
+                <a:solidFill>
+                  <a:schemeClr val="tx1"/>
+                </a:solidFill>
+                <a:latin typeface="+mn-lt"/>
+                <a:ea typeface="+mn-ea"/>
+                <a:cs typeface="+mn-cs"/>
+              </a:defRPr>
+            </a:lvl6pPr>
+            <a:lvl7pPr marL="2971800" indent="-228600" algn="l" defTabSz="914400" rtl="0" eaLnBrk="1" latinLnBrk="0" hangingPunct="1">
+              <a:lnSpc>
+                <a:spcPct val="90000"/>
+              </a:lnSpc>
+              <a:spcBef>
+                <a:spcPts val="500"/>
+              </a:spcBef>
+              <a:buFont typeface="Arial" panose="020B0604020202020204" pitchFamily="34" charset="0"/>
+              <a:buChar char="•"/>
+              <a:defRPr sz="1800" kern="1200">
+                <a:solidFill>
+                  <a:schemeClr val="tx1"/>
+                </a:solidFill>
+                <a:latin typeface="+mn-lt"/>
+                <a:ea typeface="+mn-ea"/>
+                <a:cs typeface="+mn-cs"/>
+              </a:defRPr>
+            </a:lvl7pPr>
+            <a:lvl8pPr marL="3429000" indent="-228600" algn="l" defTabSz="914400" rtl="0" eaLnBrk="1" latinLnBrk="0" hangingPunct="1">
+              <a:lnSpc>
+                <a:spcPct val="90000"/>
+              </a:lnSpc>
+              <a:spcBef>
+                <a:spcPts val="500"/>
+              </a:spcBef>
+              <a:buFont typeface="Arial" panose="020B0604020202020204" pitchFamily="34" charset="0"/>
+              <a:buChar char="•"/>
+              <a:defRPr sz="1800" kern="1200">
+                <a:solidFill>
+                  <a:schemeClr val="tx1"/>
+                </a:solidFill>
+                <a:latin typeface="+mn-lt"/>
+                <a:ea typeface="+mn-ea"/>
+                <a:cs typeface="+mn-cs"/>
+              </a:defRPr>
+            </a:lvl8pPr>
+            <a:lvl9pPr marL="3886200" indent="-228600" algn="l" defTabSz="914400" rtl="0" eaLnBrk="1" latinLnBrk="0" hangingPunct="1">
+              <a:lnSpc>
+                <a:spcPct val="90000"/>
+              </a:lnSpc>
+              <a:spcBef>
+                <a:spcPts val="500"/>
+              </a:spcBef>
+              <a:buFont typeface="Arial" panose="020B0604020202020204" pitchFamily="34" charset="0"/>
+              <a:buChar char="•"/>
+              <a:defRPr sz="1800" kern="1200">
+                <a:solidFill>
+                  <a:schemeClr val="tx1"/>
+                </a:solidFill>
+                <a:latin typeface="+mn-lt"/>
+                <a:ea typeface="+mn-ea"/>
+                <a:cs typeface="+mn-cs"/>
+              </a:defRPr>
+            </a:lvl9pPr>
+          </a:lstStyle>
+          <a:p>
+            <a:r>
+              <a:rPr lang="en-US" sz="2400" dirty="0" smtClean="0"/>
+              <a:t>Use your </a:t>
+            </a:r>
+            <a:r>
+              <a:rPr lang="en-US" sz="2400" dirty="0" err="1" smtClean="0"/>
+              <a:t>Gipsa</a:t>
+            </a:r>
+            <a:r>
+              <a:rPr lang="en-US" sz="2400" dirty="0" smtClean="0"/>
+              <a:t> domain username and password</a:t>
+            </a:r>
+            <a:endParaRPr lang="en-US" sz="2400" dirty="0" smtClean="0"/>
           </a:p>
         </p:txBody>
       </p:sp>
     </p:spTree>
     <p:extLst>
       <p:ext uri="{BB962C8B-B14F-4D97-AF65-F5344CB8AC3E}">
-        <p14:creationId xmlns:p14="http://schemas.microsoft.com/office/powerpoint/2010/main" val="2166746612"/>
+        <p14:creationId xmlns:p14="http://schemas.microsoft.com/office/powerpoint/2010/main" val="281035398"/>
       </p:ext>
     </p:extLst>
   </p:cSld>
   <p:clrMapOvr>
     <a:masterClrMapping/>
   </p:clrMapOvr>
-  <p:timing>
-    <p:tnLst>
-      <p:par>
-        <p:cTn id="1" dur="indefinite" restart="never" nodeType="tmRoot"/>
-      </p:par>
-    </p:tnLst>
-  </p:timing>
 </p:sld>
 </file>
 
@@ -4762,8 +4352,8 @@
         </p:nvSpPr>
         <p:spPr>
           <a:xfrm>
-            <a:off x="905177" y="2796034"/>
-            <a:ext cx="10515600" cy="3812584"/>
+            <a:off x="808196" y="829301"/>
+            <a:ext cx="10515600" cy="1966151"/>
           </a:xfrm>
         </p:spPr>
         <p:txBody>
@@ -4774,86 +4364,53 @@
           <a:p>
             <a:r>
               <a:rPr lang="en-US" sz="2400" dirty="0" smtClean="0"/>
-              <a:t>Converts to EEGLAB data structures (“EEG”, ”ALLEEG”), this includes the parallel port triggers </a:t>
+              <a:t>Allows for organization of experiments, subjects, file locations </a:t>
             </a:r>
           </a:p>
           <a:p>
             <a:r>
               <a:rPr lang="en-US" sz="2400" dirty="0" smtClean="0"/>
-              <a:t>Creates epochs – epochs are generated around a user defined list of events (usually parallel port triggers) and represent chunks of signal. Epochs are stored in the </a:t>
-            </a:r>
-            <a:r>
-              <a:rPr lang="en-US" sz="2400" dirty="0" err="1" smtClean="0"/>
-              <a:t>EEG.data</a:t>
-            </a:r>
+              <a:t>Allows for adding of meta data for each experiment, subject and/or file. </a:t>
+            </a:r>
+            <a:endParaRPr lang="en-US" sz="2400" dirty="0" smtClean="0"/>
+          </a:p>
+          <a:p>
             <a:r>
               <a:rPr lang="en-US" sz="2400" dirty="0" smtClean="0"/>
-              <a:t> structure and do </a:t>
-            </a:r>
-            <a:r>
-              <a:rPr lang="en-US" sz="2400" b="1" dirty="0" smtClean="0"/>
-              <a:t>not</a:t>
+              <a:t>Allows for sharing </a:t>
+            </a:r>
+            <a:r>
+              <a:rPr lang="en-US" sz="2400" dirty="0"/>
+              <a:t>(between </a:t>
+            </a:r>
+            <a:r>
+              <a:rPr lang="en-US" sz="2400" dirty="0" err="1"/>
+              <a:t>djedais</a:t>
+            </a:r>
+            <a:r>
+              <a:rPr lang="en-US" sz="2400" dirty="0"/>
+              <a:t>) </a:t>
             </a:r>
             <a:r>
               <a:rPr lang="en-US" sz="2400" dirty="0" smtClean="0"/>
-              <a:t> represent a continuous signal</a:t>
-            </a:r>
-          </a:p>
-          <a:p>
-            <a:r>
-              <a:rPr lang="en-US" sz="2400" dirty="0" smtClean="0"/>
-              <a:t>Applies filtering over each epoch – phase is preserved </a:t>
-            </a:r>
-          </a:p>
-          <a:p>
-            <a:r>
-              <a:rPr lang="en-US" sz="2400" dirty="0" smtClean="0"/>
-              <a:t>Removes artifacts – EEG </a:t>
-            </a:r>
-            <a:r>
-              <a:rPr lang="en-US" sz="2400" dirty="0" smtClean="0"/>
-              <a:t>and EOG data are </a:t>
-            </a:r>
-            <a:r>
-              <a:rPr lang="en-US" sz="2400" dirty="0" smtClean="0"/>
-              <a:t>used to detect and attenuate the effect of eye blink artifacts. At this stage an ICA algorithm developed by </a:t>
-            </a:r>
-            <a:r>
-              <a:rPr lang="en-US" sz="2400" dirty="0" err="1" smtClean="0"/>
-              <a:t>Gipsa</a:t>
-            </a:r>
-            <a:r>
-              <a:rPr lang="en-US" sz="2400" dirty="0" smtClean="0"/>
-              <a:t>-lab </a:t>
-            </a:r>
-            <a:r>
-              <a:rPr lang="en-US" sz="2400" dirty="0"/>
-              <a:t>is </a:t>
-            </a:r>
-            <a:r>
-              <a:rPr lang="en-US" sz="2400" dirty="0" smtClean="0"/>
-              <a:t>applied</a:t>
-            </a:r>
-          </a:p>
-          <a:p>
-            <a:r>
-              <a:rPr lang="en-US" sz="2400" dirty="0" smtClean="0"/>
-              <a:t>Displays a figure of the average of the selected epochs per channel</a:t>
-            </a:r>
-            <a:endParaRPr lang="en-US" sz="2400" dirty="0"/>
-          </a:p>
-        </p:txBody>
-      </p:sp>
-      <p:sp>
-        <p:nvSpPr>
-          <p:cNvPr id="4" name="ZoneTexte 3"/>
+              <a:t>of experimental meta data and location of files</a:t>
+            </a:r>
+          </a:p>
+          <a:p>
+            <a:endParaRPr lang="en-US" sz="2400" dirty="0" smtClean="0"/>
+          </a:p>
+        </p:txBody>
+      </p:sp>
+      <p:sp>
+        <p:nvSpPr>
+          <p:cNvPr id="6" name="ZoneTexte 5"/>
           <p:cNvSpPr txBox="1"/>
           <p:nvPr/>
         </p:nvSpPr>
         <p:spPr>
           <a:xfrm>
-            <a:off x="4785199" y="376879"/>
-            <a:ext cx="2192250" cy="369332"/>
+            <a:off x="286296" y="184667"/>
+            <a:ext cx="5906685" cy="584775"/>
           </a:xfrm>
           <a:prstGeom prst="rect">
             <a:avLst/>
@@ -4867,67 +4424,31 @@
           <a:lstStyle/>
           <a:p>
             <a:r>
-              <a:rPr lang="en-US" dirty="0" smtClean="0"/>
-              <a:t>4) Import in EEGLAB</a:t>
-            </a:r>
-            <a:endParaRPr lang="en-US" dirty="0"/>
-          </a:p>
-        </p:txBody>
-      </p:sp>
-      <p:sp>
-        <p:nvSpPr>
-          <p:cNvPr id="5" name="Rectangle à coins arrondis 4"/>
-          <p:cNvSpPr/>
+              <a:rPr lang="en-US" sz="3200" dirty="0" smtClean="0"/>
+              <a:t>Functionality provided by </a:t>
+            </a:r>
+            <a:r>
+              <a:rPr lang="en-US" sz="3200" dirty="0" err="1" smtClean="0"/>
+              <a:t>Djedai</a:t>
+            </a:r>
+            <a:r>
+              <a:rPr lang="en-US" sz="3200" dirty="0" smtClean="0"/>
+              <a:t>:</a:t>
+            </a:r>
+            <a:endParaRPr lang="en-US" sz="3200" dirty="0"/>
+          </a:p>
+        </p:txBody>
+      </p:sp>
+      <p:sp>
+        <p:nvSpPr>
+          <p:cNvPr id="7" name="ZoneTexte 6"/>
+          <p:cNvSpPr txBox="1"/>
           <p:nvPr/>
         </p:nvSpPr>
         <p:spPr>
           <a:xfrm>
-            <a:off x="4942923" y="857700"/>
-            <a:ext cx="1566713" cy="1007662"/>
-          </a:xfrm>
-          <a:prstGeom prst="roundRect">
-            <a:avLst/>
-          </a:prstGeom>
-        </p:spPr>
-        <p:style>
-          <a:lnRef idx="2">
-            <a:schemeClr val="accent1">
-              <a:shade val="50000"/>
-            </a:schemeClr>
-          </a:lnRef>
-          <a:fillRef idx="1">
-            <a:schemeClr val="accent1"/>
-          </a:fillRef>
-          <a:effectRef idx="0">
-            <a:schemeClr val="accent1"/>
-          </a:effectRef>
-          <a:fontRef idx="minor">
-            <a:schemeClr val="lt1"/>
-          </a:fontRef>
-        </p:style>
-        <p:txBody>
-          <a:bodyPr rtlCol="0" anchor="ctr"/>
-          <a:lstStyle/>
-          <a:p>
-            <a:pPr algn="ctr"/>
-            <a:r>
-              <a:rPr lang="en-US" sz="1400" dirty="0" smtClean="0"/>
-              <a:t>Imported in EEGLAB</a:t>
-            </a:r>
-            <a:endParaRPr lang="en-US" sz="1400" dirty="0"/>
-          </a:p>
-        </p:txBody>
-      </p:sp>
-      <p:sp>
-        <p:nvSpPr>
-          <p:cNvPr id="6" name="ZoneTexte 5"/>
-          <p:cNvSpPr txBox="1"/>
-          <p:nvPr/>
-        </p:nvSpPr>
-        <p:spPr>
-          <a:xfrm>
-            <a:off x="535678" y="2064063"/>
-            <a:ext cx="4036322" cy="584775"/>
+            <a:off x="286296" y="2795452"/>
+            <a:ext cx="6557850" cy="584775"/>
           </a:xfrm>
           <a:prstGeom prst="rect">
             <a:avLst/>
@@ -4941,10 +4462,238 @@
           <a:lstStyle/>
           <a:p>
             <a:r>
+              <a:rPr lang="en-US" sz="3200" dirty="0" smtClean="0"/>
+              <a:t>Functionality NOT provided by </a:t>
+            </a:r>
+            <a:r>
               <a:rPr lang="en-US" sz="3200" dirty="0" err="1" smtClean="0"/>
-              <a:t>GazeEegLabImporter</a:t>
+              <a:t>Djedai</a:t>
+            </a:r>
+            <a:r>
+              <a:rPr lang="en-US" sz="3200" dirty="0" smtClean="0"/>
+              <a:t>:</a:t>
             </a:r>
             <a:endParaRPr lang="en-US" sz="3200" dirty="0"/>
+          </a:p>
+        </p:txBody>
+      </p:sp>
+      <p:sp>
+        <p:nvSpPr>
+          <p:cNvPr id="8" name="Espace réservé du contenu 2"/>
+          <p:cNvSpPr txBox="1">
+            <a:spLocks/>
+          </p:cNvSpPr>
+          <p:nvPr/>
+        </p:nvSpPr>
+        <p:spPr>
+          <a:xfrm>
+            <a:off x="808196" y="3364648"/>
+            <a:ext cx="10515600" cy="703962"/>
+          </a:xfrm>
+          <a:prstGeom prst="rect">
+            <a:avLst/>
+          </a:prstGeom>
+        </p:spPr>
+        <p:txBody>
+          <a:bodyPr vert="horz" lIns="91440" tIns="45720" rIns="91440" bIns="45720" rtlCol="0">
+            <a:noAutofit/>
+          </a:bodyPr>
+          <a:lstStyle>
+            <a:lvl1pPr marL="228600" indent="-228600" algn="l" defTabSz="914400" rtl="0" eaLnBrk="1" latinLnBrk="0" hangingPunct="1">
+              <a:lnSpc>
+                <a:spcPct val="90000"/>
+              </a:lnSpc>
+              <a:spcBef>
+                <a:spcPts val="1000"/>
+              </a:spcBef>
+              <a:buFont typeface="Arial" panose="020B0604020202020204" pitchFamily="34" charset="0"/>
+              <a:buChar char="•"/>
+              <a:defRPr sz="2800" kern="1200">
+                <a:solidFill>
+                  <a:schemeClr val="tx1"/>
+                </a:solidFill>
+                <a:latin typeface="+mn-lt"/>
+                <a:ea typeface="+mn-ea"/>
+                <a:cs typeface="+mn-cs"/>
+              </a:defRPr>
+            </a:lvl1pPr>
+            <a:lvl2pPr marL="685800" indent="-228600" algn="l" defTabSz="914400" rtl="0" eaLnBrk="1" latinLnBrk="0" hangingPunct="1">
+              <a:lnSpc>
+                <a:spcPct val="90000"/>
+              </a:lnSpc>
+              <a:spcBef>
+                <a:spcPts val="500"/>
+              </a:spcBef>
+              <a:buFont typeface="Arial" panose="020B0604020202020204" pitchFamily="34" charset="0"/>
+              <a:buChar char="•"/>
+              <a:defRPr sz="2400" kern="1200">
+                <a:solidFill>
+                  <a:schemeClr val="tx1"/>
+                </a:solidFill>
+                <a:latin typeface="+mn-lt"/>
+                <a:ea typeface="+mn-ea"/>
+                <a:cs typeface="+mn-cs"/>
+              </a:defRPr>
+            </a:lvl2pPr>
+            <a:lvl3pPr marL="1143000" indent="-228600" algn="l" defTabSz="914400" rtl="0" eaLnBrk="1" latinLnBrk="0" hangingPunct="1">
+              <a:lnSpc>
+                <a:spcPct val="90000"/>
+              </a:lnSpc>
+              <a:spcBef>
+                <a:spcPts val="500"/>
+              </a:spcBef>
+              <a:buFont typeface="Arial" panose="020B0604020202020204" pitchFamily="34" charset="0"/>
+              <a:buChar char="•"/>
+              <a:defRPr sz="2000" kern="1200">
+                <a:solidFill>
+                  <a:schemeClr val="tx1"/>
+                </a:solidFill>
+                <a:latin typeface="+mn-lt"/>
+                <a:ea typeface="+mn-ea"/>
+                <a:cs typeface="+mn-cs"/>
+              </a:defRPr>
+            </a:lvl3pPr>
+            <a:lvl4pPr marL="1600200" indent="-228600" algn="l" defTabSz="914400" rtl="0" eaLnBrk="1" latinLnBrk="0" hangingPunct="1">
+              <a:lnSpc>
+                <a:spcPct val="90000"/>
+              </a:lnSpc>
+              <a:spcBef>
+                <a:spcPts val="500"/>
+              </a:spcBef>
+              <a:buFont typeface="Arial" panose="020B0604020202020204" pitchFamily="34" charset="0"/>
+              <a:buChar char="•"/>
+              <a:defRPr sz="1800" kern="1200">
+                <a:solidFill>
+                  <a:schemeClr val="tx1"/>
+                </a:solidFill>
+                <a:latin typeface="+mn-lt"/>
+                <a:ea typeface="+mn-ea"/>
+                <a:cs typeface="+mn-cs"/>
+              </a:defRPr>
+            </a:lvl4pPr>
+            <a:lvl5pPr marL="2057400" indent="-228600" algn="l" defTabSz="914400" rtl="0" eaLnBrk="1" latinLnBrk="0" hangingPunct="1">
+              <a:lnSpc>
+                <a:spcPct val="90000"/>
+              </a:lnSpc>
+              <a:spcBef>
+                <a:spcPts val="500"/>
+              </a:spcBef>
+              <a:buFont typeface="Arial" panose="020B0604020202020204" pitchFamily="34" charset="0"/>
+              <a:buChar char="•"/>
+              <a:defRPr sz="1800" kern="1200">
+                <a:solidFill>
+                  <a:schemeClr val="tx1"/>
+                </a:solidFill>
+                <a:latin typeface="+mn-lt"/>
+                <a:ea typeface="+mn-ea"/>
+                <a:cs typeface="+mn-cs"/>
+              </a:defRPr>
+            </a:lvl5pPr>
+            <a:lvl6pPr marL="2514600" indent="-228600" algn="l" defTabSz="914400" rtl="0" eaLnBrk="1" latinLnBrk="0" hangingPunct="1">
+              <a:lnSpc>
+                <a:spcPct val="90000"/>
+              </a:lnSpc>
+              <a:spcBef>
+                <a:spcPts val="500"/>
+              </a:spcBef>
+              <a:buFont typeface="Arial" panose="020B0604020202020204" pitchFamily="34" charset="0"/>
+              <a:buChar char="•"/>
+              <a:defRPr sz="1800" kern="1200">
+                <a:solidFill>
+                  <a:schemeClr val="tx1"/>
+                </a:solidFill>
+                <a:latin typeface="+mn-lt"/>
+                <a:ea typeface="+mn-ea"/>
+                <a:cs typeface="+mn-cs"/>
+              </a:defRPr>
+            </a:lvl6pPr>
+            <a:lvl7pPr marL="2971800" indent="-228600" algn="l" defTabSz="914400" rtl="0" eaLnBrk="1" latinLnBrk="0" hangingPunct="1">
+              <a:lnSpc>
+                <a:spcPct val="90000"/>
+              </a:lnSpc>
+              <a:spcBef>
+                <a:spcPts val="500"/>
+              </a:spcBef>
+              <a:buFont typeface="Arial" panose="020B0604020202020204" pitchFamily="34" charset="0"/>
+              <a:buChar char="•"/>
+              <a:defRPr sz="1800" kern="1200">
+                <a:solidFill>
+                  <a:schemeClr val="tx1"/>
+                </a:solidFill>
+                <a:latin typeface="+mn-lt"/>
+                <a:ea typeface="+mn-ea"/>
+                <a:cs typeface="+mn-cs"/>
+              </a:defRPr>
+            </a:lvl7pPr>
+            <a:lvl8pPr marL="3429000" indent="-228600" algn="l" defTabSz="914400" rtl="0" eaLnBrk="1" latinLnBrk="0" hangingPunct="1">
+              <a:lnSpc>
+                <a:spcPct val="90000"/>
+              </a:lnSpc>
+              <a:spcBef>
+                <a:spcPts val="500"/>
+              </a:spcBef>
+              <a:buFont typeface="Arial" panose="020B0604020202020204" pitchFamily="34" charset="0"/>
+              <a:buChar char="•"/>
+              <a:defRPr sz="1800" kern="1200">
+                <a:solidFill>
+                  <a:schemeClr val="tx1"/>
+                </a:solidFill>
+                <a:latin typeface="+mn-lt"/>
+                <a:ea typeface="+mn-ea"/>
+                <a:cs typeface="+mn-cs"/>
+              </a:defRPr>
+            </a:lvl8pPr>
+            <a:lvl9pPr marL="3886200" indent="-228600" algn="l" defTabSz="914400" rtl="0" eaLnBrk="1" latinLnBrk="0" hangingPunct="1">
+              <a:lnSpc>
+                <a:spcPct val="90000"/>
+              </a:lnSpc>
+              <a:spcBef>
+                <a:spcPts val="500"/>
+              </a:spcBef>
+              <a:buFont typeface="Arial" panose="020B0604020202020204" pitchFamily="34" charset="0"/>
+              <a:buChar char="•"/>
+              <a:defRPr sz="1800" kern="1200">
+                <a:solidFill>
+                  <a:schemeClr val="tx1"/>
+                </a:solidFill>
+                <a:latin typeface="+mn-lt"/>
+                <a:ea typeface="+mn-ea"/>
+                <a:cs typeface="+mn-cs"/>
+              </a:defRPr>
+            </a:lvl9pPr>
+          </a:lstStyle>
+          <a:p>
+            <a:r>
+              <a:rPr lang="en-US" sz="2200" dirty="0" smtClean="0"/>
+              <a:t>Currently files are not physically stored (uploaded/downloaded) in </a:t>
+            </a:r>
+            <a:r>
+              <a:rPr lang="en-US" sz="2200" dirty="0" err="1" smtClean="0"/>
+              <a:t>Djedai</a:t>
+            </a:r>
+            <a:r>
+              <a:rPr lang="en-US" sz="2200" dirty="0" smtClean="0"/>
+              <a:t>. This is still a job of the </a:t>
+            </a:r>
+            <a:r>
+              <a:rPr lang="en-US" sz="2200" dirty="0" err="1" smtClean="0"/>
+              <a:t>Djedai</a:t>
+            </a:r>
+            <a:r>
+              <a:rPr lang="en-US" sz="2200" dirty="0" smtClean="0"/>
+              <a:t> user. It is recommended that you store your data on network servers that are accessible by your colleagues. Also you can share files on your local computer. Local paths to shared folders in </a:t>
+            </a:r>
+            <a:r>
+              <a:rPr lang="en-US" sz="2200" dirty="0" err="1" smtClean="0"/>
+              <a:t>Djedai</a:t>
+            </a:r>
+            <a:r>
+              <a:rPr lang="en-US" sz="2200" dirty="0" smtClean="0"/>
+              <a:t> are automatically converted, so that other users can access the shared files from the network. Network access rights are still responsibility of the user</a:t>
+            </a:r>
+          </a:p>
+          <a:p>
+            <a:endParaRPr lang="en-US" sz="2400" dirty="0" smtClean="0"/>
           </a:p>
         </p:txBody>
       </p:sp>
@@ -4990,8 +4739,8 @@
         </p:nvSpPr>
         <p:spPr>
           <a:xfrm>
-            <a:off x="962842" y="1033137"/>
-            <a:ext cx="10515600" cy="1486603"/>
+            <a:off x="889533" y="4718447"/>
+            <a:ext cx="10515600" cy="1820898"/>
           </a:xfrm>
         </p:spPr>
         <p:txBody>
@@ -5000,63 +4749,29 @@
           </a:bodyPr>
           <a:lstStyle/>
           <a:p>
-            <a:r>
-              <a:rPr lang="en-US" sz="2400" dirty="0" smtClean="0"/>
-              <a:t>Download and unzip </a:t>
-            </a:r>
-            <a:r>
-              <a:rPr lang="en-US" sz="2400" dirty="0" err="1" smtClean="0"/>
-              <a:t>EEGLab</a:t>
-            </a:r>
-            <a:r>
-              <a:rPr lang="en-US" sz="2400" smtClean="0"/>
-              <a:t> 11_0_5_4b or higher: </a:t>
-            </a:r>
-            <a:r>
-              <a:rPr lang="en-US" sz="2400" dirty="0">
-                <a:hlinkClick r:id="rId2"/>
-              </a:rPr>
-              <a:t>http://sccn.ucsd.edu/eeglab/</a:t>
-            </a:r>
-            <a:endParaRPr lang="en-US" sz="2400" dirty="0"/>
-          </a:p>
-          <a:p>
-            <a:r>
-              <a:rPr lang="en-US" sz="2400" dirty="0" smtClean="0"/>
-              <a:t>ToolBoxGaze_gTec_EEG_v2.1.0 (if not provided)</a:t>
-            </a:r>
-          </a:p>
-          <a:p>
-            <a:pPr lvl="1"/>
-            <a:r>
-              <a:rPr lang="en-US" sz="2000" dirty="0" smtClean="0"/>
-              <a:t>currently </a:t>
-            </a:r>
-            <a:r>
-              <a:rPr lang="en-US" sz="2000" dirty="0" err="1"/>
-              <a:t>GazeEegLabImporter</a:t>
-            </a:r>
-            <a:r>
-              <a:rPr lang="en-US" sz="2000" dirty="0"/>
-              <a:t> works on top of package ToolBoxGaze_gTec_EEG_v2.1.0 </a:t>
-            </a:r>
-          </a:p>
-          <a:p>
-            <a:pPr lvl="1"/>
-            <a:endParaRPr lang="en-US" sz="2000" dirty="0"/>
-          </a:p>
-        </p:txBody>
-      </p:sp>
-      <p:sp>
-        <p:nvSpPr>
-          <p:cNvPr id="6" name="ZoneTexte 5"/>
+            <a:endParaRPr lang="en-US" sz="1800" dirty="0" smtClean="0"/>
+          </a:p>
+          <a:p>
+            <a:pPr marL="0" indent="0">
+              <a:buNone/>
+            </a:pPr>
+            <a:endParaRPr lang="en-US" dirty="0"/>
+          </a:p>
+          <a:p>
+            <a:endParaRPr lang="en-US" dirty="0"/>
+          </a:p>
+        </p:txBody>
+      </p:sp>
+      <p:sp>
+        <p:nvSpPr>
+          <p:cNvPr id="9" name="ZoneTexte 8"/>
           <p:cNvSpPr txBox="1"/>
           <p:nvPr/>
         </p:nvSpPr>
         <p:spPr>
           <a:xfrm>
-            <a:off x="519202" y="342355"/>
-            <a:ext cx="3377293" cy="646331"/>
+            <a:off x="286296" y="184667"/>
+            <a:ext cx="8677595" cy="707886"/>
           </a:xfrm>
           <a:prstGeom prst="rect">
             <a:avLst/>
@@ -5070,55 +4785,25 @@
           <a:lstStyle/>
           <a:p>
             <a:r>
-              <a:rPr lang="en-US" sz="3600" dirty="0" smtClean="0"/>
-              <a:t>Prerequisites:</a:t>
-            </a:r>
-            <a:endParaRPr lang="en-US" sz="3600" dirty="0"/>
-          </a:p>
-        </p:txBody>
-      </p:sp>
-      <p:sp>
-        <p:nvSpPr>
-          <p:cNvPr id="7" name="ZoneTexte 6"/>
-          <p:cNvSpPr txBox="1"/>
+              <a:rPr lang="en-US" sz="4000" dirty="0" smtClean="0"/>
+              <a:t>Usage Tab 1 Manage Entities:</a:t>
+            </a:r>
+            <a:endParaRPr lang="en-US" sz="4000" dirty="0"/>
+          </a:p>
+        </p:txBody>
+      </p:sp>
+      <p:sp>
+        <p:nvSpPr>
+          <p:cNvPr id="10" name="Espace réservé du contenu 2"/>
+          <p:cNvSpPr txBox="1">
+            <a:spLocks/>
+          </p:cNvSpPr>
           <p:nvPr/>
         </p:nvSpPr>
         <p:spPr>
           <a:xfrm>
-            <a:off x="519202" y="2519741"/>
-            <a:ext cx="3377293" cy="646331"/>
-          </a:xfrm>
-          <a:prstGeom prst="rect">
-            <a:avLst/>
-          </a:prstGeom>
-          <a:noFill/>
-        </p:spPr>
-        <p:txBody>
-          <a:bodyPr wrap="square" rtlCol="0">
-            <a:spAutoFit/>
-          </a:bodyPr>
-          <a:lstStyle/>
-          <a:p>
-            <a:r>
-              <a:rPr lang="en-US" sz="3600" dirty="0" smtClean="0"/>
-              <a:t>Installation:</a:t>
-            </a:r>
-            <a:endParaRPr lang="en-US" sz="3600" dirty="0"/>
-          </a:p>
-        </p:txBody>
-      </p:sp>
-      <p:sp>
-        <p:nvSpPr>
-          <p:cNvPr id="8" name="Espace réservé du contenu 2"/>
-          <p:cNvSpPr txBox="1">
-            <a:spLocks/>
-          </p:cNvSpPr>
-          <p:nvPr/>
-        </p:nvSpPr>
-        <p:spPr>
-          <a:xfrm>
-            <a:off x="962842" y="3344395"/>
-            <a:ext cx="10515600" cy="3236513"/>
+            <a:off x="889533" y="1147956"/>
+            <a:ext cx="10515600" cy="5710044"/>
           </a:xfrm>
           <a:prstGeom prst="rect">
             <a:avLst/>
@@ -5294,101 +4979,113 @@
           </a:lstStyle>
           <a:p>
             <a:r>
-              <a:rPr lang="en-US" sz="2400" dirty="0" smtClean="0"/>
-              <a:t>Add to your </a:t>
-            </a:r>
-            <a:r>
-              <a:rPr lang="en-US" sz="2400" dirty="0" err="1" smtClean="0"/>
-              <a:t>Matlab</a:t>
-            </a:r>
-            <a:r>
-              <a:rPr lang="en-US" sz="2400" dirty="0" smtClean="0"/>
-              <a:t> path: </a:t>
-            </a:r>
-            <a:r>
-              <a:rPr lang="en-US" sz="2400" dirty="0"/>
-              <a:t>ToolBoxGaze_gTec_EEG_v2.1.0</a:t>
-            </a:r>
+              <a:rPr lang="en-US" dirty="0" smtClean="0"/>
+              <a:t>Your first step is to enter the entities that you are going to use:</a:t>
+            </a:r>
+          </a:p>
+          <a:p>
+            <a:endParaRPr lang="en-US" dirty="0" smtClean="0"/>
+          </a:p>
+          <a:p>
+            <a:pPr lvl="1"/>
+            <a:r>
+              <a:rPr lang="en-US" dirty="0" smtClean="0"/>
+              <a:t>Experiments </a:t>
+            </a:r>
+            <a:r>
+              <a:rPr lang="en-US" sz="2200" dirty="0" smtClean="0"/>
+              <a:t>– this is your basic entity. Note that you can share experiments with other </a:t>
+            </a:r>
+            <a:r>
+              <a:rPr lang="en-US" sz="2200" dirty="0" err="1" smtClean="0"/>
+              <a:t>djedais</a:t>
+            </a:r>
+            <a:endParaRPr lang="en-US" sz="2200" dirty="0"/>
+          </a:p>
+          <a:p>
+            <a:pPr lvl="1"/>
+            <a:endParaRPr lang="en-US" sz="2200" dirty="0" smtClean="0"/>
+          </a:p>
+          <a:p>
+            <a:pPr lvl="1"/>
+            <a:r>
+              <a:rPr lang="en-US" dirty="0" smtClean="0"/>
+              <a:t>Subjects </a:t>
+            </a:r>
+            <a:r>
+              <a:rPr lang="en-US" sz="2200" dirty="0" smtClean="0"/>
+              <a:t>– </a:t>
+            </a:r>
+            <a:r>
+              <a:rPr lang="en-US" sz="2200" dirty="0" err="1" smtClean="0"/>
+              <a:t>e.x</a:t>
+            </a:r>
+            <a:r>
+              <a:rPr lang="en-US" sz="2200" dirty="0" smtClean="0"/>
+              <a:t>. “Sub1”, “Tom1”</a:t>
+            </a:r>
+          </a:p>
+          <a:p>
+            <a:pPr marL="457200" lvl="1" indent="0">
+              <a:buNone/>
+            </a:pPr>
+            <a:endParaRPr lang="en-US" sz="2200" dirty="0" smtClean="0"/>
+          </a:p>
+          <a:p>
+            <a:pPr lvl="1"/>
+            <a:r>
+              <a:rPr lang="en-US" dirty="0" smtClean="0"/>
+              <a:t>Modalities </a:t>
+            </a:r>
+            <a:r>
+              <a:rPr lang="en-US" sz="2200" dirty="0" smtClean="0"/>
+              <a:t>– </a:t>
+            </a:r>
+            <a:r>
+              <a:rPr lang="en-US" sz="2200" dirty="0" err="1" smtClean="0"/>
+              <a:t>e.x</a:t>
+            </a:r>
+            <a:r>
+              <a:rPr lang="en-US" sz="2200" dirty="0" smtClean="0"/>
+              <a:t>. “EEG”, “Eye-tracker”, “fMRI”. Modalities allow you to isolate one group of files from another based on source. It is also a way to see who else uses the same modality</a:t>
+            </a:r>
+          </a:p>
+          <a:p>
+            <a:pPr lvl="1"/>
+            <a:endParaRPr lang="en-US" sz="2200" dirty="0" smtClean="0"/>
+          </a:p>
+          <a:p>
+            <a:pPr lvl="1"/>
+            <a:r>
+              <a:rPr lang="en-US" dirty="0" smtClean="0"/>
+              <a:t>Tags </a:t>
+            </a:r>
+            <a:r>
+              <a:rPr lang="en-US" sz="2200" dirty="0" smtClean="0"/>
+              <a:t>– tags are used exclusively for files. You can tag one or more files as: “Raw data”, “Processed data”, “Mat”, “P300”, “Converted”, etc. Tags can also allow you to see if other </a:t>
+            </a:r>
+            <a:r>
+              <a:rPr lang="en-US" sz="2200" dirty="0" err="1" smtClean="0"/>
+              <a:t>djedais</a:t>
+            </a:r>
+            <a:r>
+              <a:rPr lang="en-US" sz="2200" dirty="0" smtClean="0"/>
+              <a:t> use the same type of files. </a:t>
+            </a:r>
+          </a:p>
+          <a:p>
+            <a:pPr lvl="1"/>
+            <a:endParaRPr lang="en-US" sz="2000" dirty="0" smtClean="0"/>
+          </a:p>
+          <a:p>
             <a:endParaRPr lang="en-US" sz="2400" dirty="0" smtClean="0"/>
-          </a:p>
-          <a:p>
-            <a:r>
-              <a:rPr lang="en-US" sz="2400" dirty="0" smtClean="0"/>
-              <a:t>Navigate to </a:t>
-            </a:r>
-            <a:r>
-              <a:rPr lang="en-US" sz="2400" dirty="0" err="1"/>
-              <a:t>GazeEegLabImporter</a:t>
-            </a:r>
-            <a:r>
-              <a:rPr lang="en-US" sz="2400" dirty="0"/>
-              <a:t> </a:t>
-            </a:r>
-            <a:r>
-              <a:rPr lang="en-US" sz="2400" dirty="0" smtClean="0"/>
-              <a:t>folder:</a:t>
-            </a:r>
-          </a:p>
-          <a:p>
-            <a:pPr lvl="1"/>
-            <a:r>
-              <a:rPr lang="en-US" dirty="0" err="1" smtClean="0"/>
-              <a:t>GazeEegLabImporter_Example.m</a:t>
-            </a:r>
-            <a:r>
-              <a:rPr lang="en-US" dirty="0" smtClean="0"/>
-              <a:t> </a:t>
-            </a:r>
-            <a:r>
-              <a:rPr lang="en-US" i="1" dirty="0" smtClean="0"/>
-              <a:t>(start from here)</a:t>
-            </a:r>
-          </a:p>
-          <a:p>
-            <a:pPr lvl="1"/>
-            <a:r>
-              <a:rPr lang="en-US" dirty="0" err="1" smtClean="0"/>
-              <a:t>GazeEegLabImporter_Process.m</a:t>
-            </a:r>
-            <a:r>
-              <a:rPr lang="en-US" dirty="0" smtClean="0"/>
-              <a:t> </a:t>
-            </a:r>
-            <a:r>
-              <a:rPr lang="en-US" i="1" dirty="0" smtClean="0"/>
-              <a:t>(main execution logic)</a:t>
-            </a:r>
-          </a:p>
-          <a:p>
-            <a:pPr lvl="1"/>
-            <a:r>
-              <a:rPr lang="en-US" dirty="0" err="1" smtClean="0"/>
-              <a:t>GazeEegLabImporter_SelectEpochs.m</a:t>
-            </a:r>
-            <a:endParaRPr lang="en-US" dirty="0" smtClean="0"/>
-          </a:p>
-          <a:p>
-            <a:pPr lvl="1"/>
-            <a:r>
-              <a:rPr lang="en-US" dirty="0" err="1" smtClean="0"/>
-              <a:t>GazeEegLabImporter_BuildEpoch.m</a:t>
-            </a:r>
-            <a:endParaRPr lang="en-US" dirty="0" smtClean="0"/>
-          </a:p>
-          <a:p>
-            <a:pPr lvl="1"/>
-            <a:r>
-              <a:rPr lang="en-US" dirty="0" err="1" smtClean="0"/>
-              <a:t>GazeEegLabImporter_CreateDataFilter.m</a:t>
-            </a:r>
-            <a:endParaRPr lang="en-US" dirty="0"/>
           </a:p>
         </p:txBody>
       </p:sp>
     </p:spTree>
     <p:extLst>
       <p:ext uri="{BB962C8B-B14F-4D97-AF65-F5344CB8AC3E}">
-        <p14:creationId xmlns:p14="http://schemas.microsoft.com/office/powerpoint/2010/main" val="281035398"/>
+        <p14:creationId xmlns:p14="http://schemas.microsoft.com/office/powerpoint/2010/main" val="2155794159"/>
       </p:ext>
     </p:extLst>
   </p:cSld>
@@ -5427,8 +5124,8 @@
         </p:nvSpPr>
         <p:spPr>
           <a:xfrm>
-            <a:off x="986514" y="1462629"/>
-            <a:ext cx="10515600" cy="5076716"/>
+            <a:off x="889533" y="4718447"/>
+            <a:ext cx="10515600" cy="1820898"/>
           </a:xfrm>
         </p:spPr>
         <p:txBody>
@@ -5437,220 +5134,6 @@
           </a:bodyPr>
           <a:lstStyle/>
           <a:p>
-            <a:r>
-              <a:rPr lang="en-US" sz="2400" i="1" dirty="0" err="1" smtClean="0"/>
-              <a:t>SynchroFilename</a:t>
-            </a:r>
-            <a:r>
-              <a:rPr lang="en-US" sz="1800" dirty="0" smtClean="0"/>
-              <a:t> – points to a file that contains both EEG and eye-tracker data streams. These streams </a:t>
-            </a:r>
-            <a:r>
-              <a:rPr lang="en-US" sz="1800" b="1" dirty="0" smtClean="0"/>
-              <a:t>must be already synchronized</a:t>
-            </a:r>
-            <a:r>
-              <a:rPr lang="en-US" sz="1800" dirty="0" smtClean="0"/>
-              <a:t> by </a:t>
-            </a:r>
-            <a:r>
-              <a:rPr lang="en-US" sz="1800" dirty="0" err="1" smtClean="0"/>
-              <a:t>GazeEegSynchro</a:t>
-            </a:r>
-            <a:endParaRPr lang="en-US" sz="1800" dirty="0"/>
-          </a:p>
-          <a:p>
-            <a:r>
-              <a:rPr lang="en-US" sz="2400" i="1" dirty="0" err="1" smtClean="0"/>
-              <a:t>EpochEventsStr</a:t>
-            </a:r>
-            <a:r>
-              <a:rPr lang="en-US" sz="1800" dirty="0" smtClean="0"/>
-              <a:t> – a </a:t>
-            </a:r>
-            <a:r>
-              <a:rPr lang="en-US" sz="1800" dirty="0" err="1" smtClean="0"/>
-              <a:t>matlab</a:t>
-            </a:r>
-            <a:r>
-              <a:rPr lang="en-US" sz="1800" dirty="0" smtClean="0"/>
-              <a:t> array that specifies the parallel port event witch with combination of </a:t>
-            </a:r>
-            <a:r>
-              <a:rPr lang="en-US" sz="1800" i="1" dirty="0" err="1" smtClean="0"/>
-              <a:t>TimeInterval</a:t>
-            </a:r>
-            <a:r>
-              <a:rPr lang="en-US" sz="1800" dirty="0"/>
-              <a:t> </a:t>
-            </a:r>
-            <a:r>
-              <a:rPr lang="en-US" sz="1800" dirty="0" smtClean="0"/>
-              <a:t>us used to generate epochs. Once </a:t>
-            </a:r>
-            <a:r>
-              <a:rPr lang="en-US" sz="1800" dirty="0" err="1" smtClean="0"/>
-              <a:t>GazeEeegLabImporter</a:t>
-            </a:r>
-            <a:r>
-              <a:rPr lang="en-US" sz="1800" dirty="0" smtClean="0"/>
-              <a:t> is executed one time you will be able to access the structure </a:t>
-            </a:r>
-            <a:r>
-              <a:rPr lang="en-US" sz="1800" i="1" dirty="0" err="1" smtClean="0"/>
-              <a:t>EegAcq.Events.EventTypes</a:t>
-            </a:r>
-            <a:r>
-              <a:rPr lang="en-US" sz="1800" dirty="0"/>
-              <a:t> </a:t>
-            </a:r>
-            <a:r>
-              <a:rPr lang="en-US" sz="1800" dirty="0" smtClean="0"/>
-              <a:t>and see what other events are available</a:t>
-            </a:r>
-            <a:endParaRPr lang="en-US" sz="1800" dirty="0"/>
-          </a:p>
-          <a:p>
-            <a:r>
-              <a:rPr lang="en-US" sz="2400" i="1" dirty="0" err="1"/>
-              <a:t>EpochEventsStr</a:t>
-            </a:r>
-            <a:r>
-              <a:rPr lang="en-US" sz="1800" dirty="0" smtClean="0"/>
-              <a:t> – a list of events that will be imported in EEEGLAB and displayed when you choose Plot-&gt;Channel data(scroll) in EEGLAB menus</a:t>
-            </a:r>
-            <a:endParaRPr lang="en-US" sz="1800" dirty="0"/>
-          </a:p>
-          <a:p>
-            <a:r>
-              <a:rPr lang="en-US" sz="2400" i="1" dirty="0" err="1"/>
-              <a:t>TimeInterval</a:t>
-            </a:r>
-            <a:r>
-              <a:rPr lang="en-US" sz="1800" dirty="0"/>
-              <a:t> </a:t>
-            </a:r>
-            <a:r>
-              <a:rPr lang="en-US" sz="1800" dirty="0" smtClean="0"/>
-              <a:t>– used to generate a time epoch around an event</a:t>
-            </a:r>
-          </a:p>
-          <a:p>
-            <a:r>
-              <a:rPr lang="en-US" sz="2400" i="1" dirty="0" err="1"/>
-              <a:t>StartFromTrigger</a:t>
-            </a:r>
-            <a:r>
-              <a:rPr lang="en-US" sz="2400" i="1" dirty="0"/>
-              <a:t> </a:t>
-            </a:r>
-            <a:r>
-              <a:rPr lang="en-US" sz="1800" dirty="0" smtClean="0"/>
-              <a:t>– all data before this parallel port trigger is ignored</a:t>
-            </a:r>
-          </a:p>
-          <a:p>
-            <a:r>
-              <a:rPr lang="en-US" sz="2400" i="1" dirty="0" err="1" smtClean="0"/>
-              <a:t>FilterData</a:t>
-            </a:r>
-            <a:r>
-              <a:rPr lang="en-US" sz="2400" i="1" dirty="0" smtClean="0"/>
-              <a:t> </a:t>
-            </a:r>
-            <a:r>
-              <a:rPr lang="en-US" sz="1800" dirty="0"/>
-              <a:t>– </a:t>
-            </a:r>
-            <a:r>
-              <a:rPr lang="en-US" sz="1800" dirty="0" err="1" smtClean="0"/>
-              <a:t>boolean</a:t>
-            </a:r>
-            <a:r>
-              <a:rPr lang="en-US" sz="1800" dirty="0" smtClean="0"/>
-              <a:t> field (true/false) sets if a digital filters are applied. Default is: </a:t>
-            </a:r>
-            <a:r>
-              <a:rPr lang="en-US" sz="1800" dirty="0"/>
-              <a:t>default is 50Hz Notch, High Pass filter </a:t>
-            </a:r>
-            <a:r>
-              <a:rPr lang="en-US" sz="1800" dirty="0" smtClean="0"/>
-              <a:t>2Hz </a:t>
-            </a:r>
-          </a:p>
-          <a:p>
-            <a:r>
-              <a:rPr lang="en-US" sz="2400" dirty="0" err="1" smtClean="0"/>
-              <a:t>NbNonEEGChan</a:t>
-            </a:r>
-            <a:r>
-              <a:rPr lang="en-US" sz="2400" dirty="0"/>
-              <a:t> </a:t>
-            </a:r>
-            <a:r>
-              <a:rPr lang="en-US" sz="1800" dirty="0" smtClean="0"/>
-              <a:t>– this parameter is need to differentiate which channels are </a:t>
-            </a:r>
-            <a:r>
-              <a:rPr lang="en-US" sz="1800" dirty="0" smtClean="0"/>
-              <a:t>EEG/EOG </a:t>
-            </a:r>
-            <a:r>
-              <a:rPr lang="en-US" sz="1800" dirty="0" smtClean="0"/>
-              <a:t>and which are </a:t>
-            </a:r>
-            <a:r>
-              <a:rPr lang="en-US" sz="1800" dirty="0" err="1" smtClean="0"/>
-              <a:t>eyetracking</a:t>
-            </a:r>
-            <a:r>
-              <a:rPr lang="en-US" sz="1800" dirty="0"/>
-              <a:t> </a:t>
-            </a:r>
-            <a:r>
-              <a:rPr lang="en-US" sz="1800" dirty="0" smtClean="0"/>
-              <a:t>data.</a:t>
-            </a:r>
-            <a:r>
-              <a:rPr lang="en-US" sz="1800" dirty="0" smtClean="0"/>
-              <a:t> </a:t>
-            </a:r>
-            <a:r>
-              <a:rPr lang="en-US" sz="1800" dirty="0" smtClean="0"/>
-              <a:t>The </a:t>
-            </a:r>
-            <a:r>
-              <a:rPr lang="en-US" sz="1800" dirty="0" smtClean="0"/>
-              <a:t>eye-tracking</a:t>
-            </a:r>
-            <a:r>
-              <a:rPr lang="en-US" sz="1800" dirty="0" smtClean="0"/>
-              <a:t> </a:t>
-            </a:r>
-            <a:r>
-              <a:rPr lang="en-US" sz="1800" dirty="0" smtClean="0"/>
-              <a:t>channels are expected to be last. For example if </a:t>
-            </a:r>
-            <a:r>
-              <a:rPr lang="en-US" sz="1800" dirty="0" err="1" smtClean="0"/>
-              <a:t>NbNonEEGChan</a:t>
-            </a:r>
-            <a:r>
-              <a:rPr lang="en-US" sz="1800" dirty="0" smtClean="0"/>
-              <a:t>= 5 and total number of channels is 37, then the first </a:t>
-            </a:r>
-            <a:r>
-              <a:rPr lang="en-US" sz="1800" dirty="0" smtClean="0"/>
-              <a:t>37 minus 5 </a:t>
-            </a:r>
-            <a:r>
-              <a:rPr lang="en-US" sz="1800" dirty="0" smtClean="0"/>
-              <a:t>channels are expected to be EEG. </a:t>
-            </a:r>
-            <a:endParaRPr lang="en-US" sz="1800" dirty="0"/>
-          </a:p>
-          <a:p>
             <a:endParaRPr lang="en-US" sz="1800" dirty="0" smtClean="0"/>
           </a:p>
           <a:p>
@@ -5666,14 +5149,14 @@
       </p:sp>
       <p:sp>
         <p:nvSpPr>
-          <p:cNvPr id="6" name="ZoneTexte 5"/>
+          <p:cNvPr id="9" name="ZoneTexte 8"/>
           <p:cNvSpPr txBox="1"/>
           <p:nvPr/>
         </p:nvSpPr>
         <p:spPr>
           <a:xfrm>
-            <a:off x="432332" y="385411"/>
-            <a:ext cx="11191632" cy="1077218"/>
+            <a:off x="286296" y="184667"/>
+            <a:ext cx="8677595" cy="707886"/>
           </a:xfrm>
           <a:prstGeom prst="rect">
             <a:avLst/>
@@ -5687,28 +5170,738 @@
           <a:lstStyle/>
           <a:p>
             <a:r>
-              <a:rPr lang="en-US" sz="3600" dirty="0" smtClean="0"/>
-              <a:t>Main function </a:t>
-            </a:r>
-            <a:r>
-              <a:rPr lang="en-US" sz="3600" dirty="0" err="1" smtClean="0"/>
-              <a:t>GazeEegLabImporter_Process</a:t>
-            </a:r>
-            <a:r>
-              <a:rPr lang="en-US" sz="3600" dirty="0" smtClean="0"/>
-              <a:t> parameters</a:t>
-            </a:r>
-            <a:endParaRPr lang="en-US" sz="3600" dirty="0"/>
-          </a:p>
-          <a:p>
-            <a:endParaRPr lang="en-US" sz="2800" dirty="0"/>
+              <a:rPr lang="en-US" sz="4000" dirty="0" smtClean="0"/>
+              <a:t>Usage Tab 2 File Associations (1)</a:t>
+            </a:r>
+            <a:endParaRPr lang="en-US" sz="4000" dirty="0"/>
+          </a:p>
+        </p:txBody>
+      </p:sp>
+      <p:sp>
+        <p:nvSpPr>
+          <p:cNvPr id="10" name="Espace réservé du contenu 2"/>
+          <p:cNvSpPr txBox="1">
+            <a:spLocks/>
+          </p:cNvSpPr>
+          <p:nvPr/>
+        </p:nvSpPr>
+        <p:spPr>
+          <a:xfrm>
+            <a:off x="764842" y="892553"/>
+            <a:ext cx="10515600" cy="5710044"/>
+          </a:xfrm>
+          <a:prstGeom prst="rect">
+            <a:avLst/>
+          </a:prstGeom>
+        </p:spPr>
+        <p:txBody>
+          <a:bodyPr vert="horz" lIns="91440" tIns="45720" rIns="91440" bIns="45720" rtlCol="0">
+            <a:noAutofit/>
+          </a:bodyPr>
+          <a:lstStyle>
+            <a:lvl1pPr marL="228600" indent="-228600" algn="l" defTabSz="914400" rtl="0" eaLnBrk="1" latinLnBrk="0" hangingPunct="1">
+              <a:lnSpc>
+                <a:spcPct val="90000"/>
+              </a:lnSpc>
+              <a:spcBef>
+                <a:spcPts val="1000"/>
+              </a:spcBef>
+              <a:buFont typeface="Arial" panose="020B0604020202020204" pitchFamily="34" charset="0"/>
+              <a:buChar char="•"/>
+              <a:defRPr sz="2800" kern="1200">
+                <a:solidFill>
+                  <a:schemeClr val="tx1"/>
+                </a:solidFill>
+                <a:latin typeface="+mn-lt"/>
+                <a:ea typeface="+mn-ea"/>
+                <a:cs typeface="+mn-cs"/>
+              </a:defRPr>
+            </a:lvl1pPr>
+            <a:lvl2pPr marL="685800" indent="-228600" algn="l" defTabSz="914400" rtl="0" eaLnBrk="1" latinLnBrk="0" hangingPunct="1">
+              <a:lnSpc>
+                <a:spcPct val="90000"/>
+              </a:lnSpc>
+              <a:spcBef>
+                <a:spcPts val="500"/>
+              </a:spcBef>
+              <a:buFont typeface="Arial" panose="020B0604020202020204" pitchFamily="34" charset="0"/>
+              <a:buChar char="•"/>
+              <a:defRPr sz="2400" kern="1200">
+                <a:solidFill>
+                  <a:schemeClr val="tx1"/>
+                </a:solidFill>
+                <a:latin typeface="+mn-lt"/>
+                <a:ea typeface="+mn-ea"/>
+                <a:cs typeface="+mn-cs"/>
+              </a:defRPr>
+            </a:lvl2pPr>
+            <a:lvl3pPr marL="1143000" indent="-228600" algn="l" defTabSz="914400" rtl="0" eaLnBrk="1" latinLnBrk="0" hangingPunct="1">
+              <a:lnSpc>
+                <a:spcPct val="90000"/>
+              </a:lnSpc>
+              <a:spcBef>
+                <a:spcPts val="500"/>
+              </a:spcBef>
+              <a:buFont typeface="Arial" panose="020B0604020202020204" pitchFamily="34" charset="0"/>
+              <a:buChar char="•"/>
+              <a:defRPr sz="2000" kern="1200">
+                <a:solidFill>
+                  <a:schemeClr val="tx1"/>
+                </a:solidFill>
+                <a:latin typeface="+mn-lt"/>
+                <a:ea typeface="+mn-ea"/>
+                <a:cs typeface="+mn-cs"/>
+              </a:defRPr>
+            </a:lvl3pPr>
+            <a:lvl4pPr marL="1600200" indent="-228600" algn="l" defTabSz="914400" rtl="0" eaLnBrk="1" latinLnBrk="0" hangingPunct="1">
+              <a:lnSpc>
+                <a:spcPct val="90000"/>
+              </a:lnSpc>
+              <a:spcBef>
+                <a:spcPts val="500"/>
+              </a:spcBef>
+              <a:buFont typeface="Arial" panose="020B0604020202020204" pitchFamily="34" charset="0"/>
+              <a:buChar char="•"/>
+              <a:defRPr sz="1800" kern="1200">
+                <a:solidFill>
+                  <a:schemeClr val="tx1"/>
+                </a:solidFill>
+                <a:latin typeface="+mn-lt"/>
+                <a:ea typeface="+mn-ea"/>
+                <a:cs typeface="+mn-cs"/>
+              </a:defRPr>
+            </a:lvl4pPr>
+            <a:lvl5pPr marL="2057400" indent="-228600" algn="l" defTabSz="914400" rtl="0" eaLnBrk="1" latinLnBrk="0" hangingPunct="1">
+              <a:lnSpc>
+                <a:spcPct val="90000"/>
+              </a:lnSpc>
+              <a:spcBef>
+                <a:spcPts val="500"/>
+              </a:spcBef>
+              <a:buFont typeface="Arial" panose="020B0604020202020204" pitchFamily="34" charset="0"/>
+              <a:buChar char="•"/>
+              <a:defRPr sz="1800" kern="1200">
+                <a:solidFill>
+                  <a:schemeClr val="tx1"/>
+                </a:solidFill>
+                <a:latin typeface="+mn-lt"/>
+                <a:ea typeface="+mn-ea"/>
+                <a:cs typeface="+mn-cs"/>
+              </a:defRPr>
+            </a:lvl5pPr>
+            <a:lvl6pPr marL="2514600" indent="-228600" algn="l" defTabSz="914400" rtl="0" eaLnBrk="1" latinLnBrk="0" hangingPunct="1">
+              <a:lnSpc>
+                <a:spcPct val="90000"/>
+              </a:lnSpc>
+              <a:spcBef>
+                <a:spcPts val="500"/>
+              </a:spcBef>
+              <a:buFont typeface="Arial" panose="020B0604020202020204" pitchFamily="34" charset="0"/>
+              <a:buChar char="•"/>
+              <a:defRPr sz="1800" kern="1200">
+                <a:solidFill>
+                  <a:schemeClr val="tx1"/>
+                </a:solidFill>
+                <a:latin typeface="+mn-lt"/>
+                <a:ea typeface="+mn-ea"/>
+                <a:cs typeface="+mn-cs"/>
+              </a:defRPr>
+            </a:lvl6pPr>
+            <a:lvl7pPr marL="2971800" indent="-228600" algn="l" defTabSz="914400" rtl="0" eaLnBrk="1" latinLnBrk="0" hangingPunct="1">
+              <a:lnSpc>
+                <a:spcPct val="90000"/>
+              </a:lnSpc>
+              <a:spcBef>
+                <a:spcPts val="500"/>
+              </a:spcBef>
+              <a:buFont typeface="Arial" panose="020B0604020202020204" pitchFamily="34" charset="0"/>
+              <a:buChar char="•"/>
+              <a:defRPr sz="1800" kern="1200">
+                <a:solidFill>
+                  <a:schemeClr val="tx1"/>
+                </a:solidFill>
+                <a:latin typeface="+mn-lt"/>
+                <a:ea typeface="+mn-ea"/>
+                <a:cs typeface="+mn-cs"/>
+              </a:defRPr>
+            </a:lvl7pPr>
+            <a:lvl8pPr marL="3429000" indent="-228600" algn="l" defTabSz="914400" rtl="0" eaLnBrk="1" latinLnBrk="0" hangingPunct="1">
+              <a:lnSpc>
+                <a:spcPct val="90000"/>
+              </a:lnSpc>
+              <a:spcBef>
+                <a:spcPts val="500"/>
+              </a:spcBef>
+              <a:buFont typeface="Arial" panose="020B0604020202020204" pitchFamily="34" charset="0"/>
+              <a:buChar char="•"/>
+              <a:defRPr sz="1800" kern="1200">
+                <a:solidFill>
+                  <a:schemeClr val="tx1"/>
+                </a:solidFill>
+                <a:latin typeface="+mn-lt"/>
+                <a:ea typeface="+mn-ea"/>
+                <a:cs typeface="+mn-cs"/>
+              </a:defRPr>
+            </a:lvl8pPr>
+            <a:lvl9pPr marL="3886200" indent="-228600" algn="l" defTabSz="914400" rtl="0" eaLnBrk="1" latinLnBrk="0" hangingPunct="1">
+              <a:lnSpc>
+                <a:spcPct val="90000"/>
+              </a:lnSpc>
+              <a:spcBef>
+                <a:spcPts val="500"/>
+              </a:spcBef>
+              <a:buFont typeface="Arial" panose="020B0604020202020204" pitchFamily="34" charset="0"/>
+              <a:buChar char="•"/>
+              <a:defRPr sz="1800" kern="1200">
+                <a:solidFill>
+                  <a:schemeClr val="tx1"/>
+                </a:solidFill>
+                <a:latin typeface="+mn-lt"/>
+                <a:ea typeface="+mn-ea"/>
+                <a:cs typeface="+mn-cs"/>
+              </a:defRPr>
+            </a:lvl9pPr>
+          </a:lstStyle>
+          <a:p>
+            <a:r>
+              <a:rPr lang="en-US" dirty="0" smtClean="0"/>
+              <a:t>Your second step is to explain the data using the entities you have previously entered:</a:t>
+            </a:r>
+          </a:p>
+          <a:p>
+            <a:endParaRPr lang="en-US" dirty="0" smtClean="0"/>
+          </a:p>
+          <a:p>
+            <a:pPr lvl="1"/>
+            <a:r>
+              <a:rPr lang="en-US" dirty="0" smtClean="0"/>
+              <a:t>Experiments </a:t>
+            </a:r>
+            <a:r>
+              <a:rPr lang="en-US" sz="2200" dirty="0" smtClean="0"/>
+              <a:t>– selecting an experiment will enable some of the buttons and menus on the right. Ticking the checkbox below will also display experiments shared directly to you or your team by other </a:t>
+            </a:r>
+            <a:r>
+              <a:rPr lang="en-US" sz="2200" dirty="0" err="1" smtClean="0"/>
+              <a:t>djedais</a:t>
+            </a:r>
+            <a:r>
+              <a:rPr lang="en-US" sz="2200" dirty="0" smtClean="0"/>
+              <a:t>.</a:t>
+            </a:r>
+          </a:p>
+          <a:p>
+            <a:pPr lvl="1"/>
+            <a:endParaRPr lang="en-US" sz="2200" dirty="0" smtClean="0"/>
+          </a:p>
+          <a:p>
+            <a:pPr lvl="1"/>
+            <a:r>
+              <a:rPr lang="en-US" dirty="0" smtClean="0"/>
+              <a:t>Subjects </a:t>
+            </a:r>
+            <a:r>
+              <a:rPr lang="en-US" sz="2200" dirty="0" smtClean="0"/>
+              <a:t>– </a:t>
+            </a:r>
+            <a:r>
+              <a:rPr lang="en-US" sz="2200" dirty="0"/>
+              <a:t>selecting </a:t>
+            </a:r>
+            <a:r>
+              <a:rPr lang="en-US" sz="2200" dirty="0" smtClean="0"/>
+              <a:t>a subject will </a:t>
+            </a:r>
+            <a:r>
+              <a:rPr lang="en-US" sz="2200" dirty="0"/>
+              <a:t>enable some </a:t>
+            </a:r>
+            <a:r>
+              <a:rPr lang="en-US" sz="2200" dirty="0" smtClean="0"/>
+              <a:t>the menus and buttons on the right</a:t>
+            </a:r>
+          </a:p>
+          <a:p>
+            <a:pPr marL="457200" lvl="1" indent="0">
+              <a:buNone/>
+            </a:pPr>
+            <a:endParaRPr lang="en-US" sz="2200" dirty="0" smtClean="0"/>
+          </a:p>
+          <a:p>
+            <a:pPr lvl="1"/>
+            <a:r>
+              <a:rPr lang="en-US" dirty="0"/>
+              <a:t>Link Modality </a:t>
+            </a:r>
+            <a:r>
+              <a:rPr lang="en-US" sz="2200" dirty="0"/>
+              <a:t>– allows you to select from a list of predefined modalities that are specific to your current experiment. </a:t>
+            </a:r>
+            <a:r>
+              <a:rPr lang="en-US" sz="2200" dirty="0"/>
+              <a:t>Adds </a:t>
+            </a:r>
+            <a:r>
+              <a:rPr lang="en-US" sz="2200" dirty="0" smtClean="0"/>
+              <a:t>an extra </a:t>
+            </a:r>
+            <a:r>
+              <a:rPr lang="en-US" sz="2200" dirty="0"/>
+              <a:t>view in the table below (an extra tab)</a:t>
+            </a:r>
+          </a:p>
+          <a:p>
+            <a:pPr lvl="1"/>
+            <a:endParaRPr lang="en-US" dirty="0" smtClean="0"/>
+          </a:p>
+          <a:p>
+            <a:pPr lvl="1"/>
+            <a:r>
+              <a:rPr lang="en-US" dirty="0" smtClean="0"/>
+              <a:t>Add subject </a:t>
+            </a:r>
+            <a:r>
+              <a:rPr lang="en-US" sz="2200" dirty="0"/>
+              <a:t>and</a:t>
+            </a:r>
+            <a:r>
+              <a:rPr lang="en-US" dirty="0" smtClean="0"/>
+              <a:t> Add modality </a:t>
+            </a:r>
+            <a:r>
+              <a:rPr lang="en-US" sz="2200" dirty="0"/>
+              <a:t>- two buttons that act as shortcuts to the functionality provided in the first </a:t>
+            </a:r>
+            <a:r>
+              <a:rPr lang="en-US" sz="2200" dirty="0" smtClean="0"/>
+              <a:t>tab (in case you missed entering a modality or a subject)</a:t>
+            </a:r>
+          </a:p>
+          <a:p>
+            <a:pPr lvl="1"/>
+            <a:endParaRPr lang="en-US" sz="2200" dirty="0"/>
+          </a:p>
+          <a:p>
+            <a:pPr lvl="1"/>
+            <a:endParaRPr lang="en-US" sz="2000" dirty="0" smtClean="0"/>
+          </a:p>
+          <a:p>
+            <a:endParaRPr lang="en-US" sz="2400" dirty="0" smtClean="0"/>
           </a:p>
         </p:txBody>
       </p:sp>
     </p:spTree>
     <p:extLst>
       <p:ext uri="{BB962C8B-B14F-4D97-AF65-F5344CB8AC3E}">
-        <p14:creationId xmlns:p14="http://schemas.microsoft.com/office/powerpoint/2010/main" val="2155794159"/>
+        <p14:creationId xmlns:p14="http://schemas.microsoft.com/office/powerpoint/2010/main" val="2404914172"/>
+      </p:ext>
+    </p:extLst>
+  </p:cSld>
+  <p:clrMapOvr>
+    <a:masterClrMapping/>
+  </p:clrMapOvr>
+</p:sld>
+</file>
+
+<file path=ppt/slides/slide6.xml><?xml version="1.0" encoding="utf-8"?>
+<p:sld xmlns:a="http://schemas.openxmlformats.org/drawingml/2006/main" xmlns:r="http://schemas.openxmlformats.org/officeDocument/2006/relationships" xmlns:p="http://schemas.openxmlformats.org/presentationml/2006/main">
+  <p:cSld>
+    <p:spTree>
+      <p:nvGrpSpPr>
+        <p:cNvPr id="1" name=""/>
+        <p:cNvGrpSpPr/>
+        <p:nvPr/>
+      </p:nvGrpSpPr>
+      <p:grpSpPr>
+        <a:xfrm>
+          <a:off x="0" y="0"/>
+          <a:ext cx="0" cy="0"/>
+          <a:chOff x="0" y="0"/>
+          <a:chExt cx="0" cy="0"/>
+        </a:xfrm>
+      </p:grpSpPr>
+      <p:sp>
+        <p:nvSpPr>
+          <p:cNvPr id="3" name="Espace réservé du contenu 2"/>
+          <p:cNvSpPr>
+            <a:spLocks noGrp="1"/>
+          </p:cNvSpPr>
+          <p:nvPr>
+            <p:ph idx="1"/>
+          </p:nvPr>
+        </p:nvSpPr>
+        <p:spPr>
+          <a:xfrm>
+            <a:off x="889533" y="4718447"/>
+            <a:ext cx="10515600" cy="1820898"/>
+          </a:xfrm>
+        </p:spPr>
+        <p:txBody>
+          <a:bodyPr>
+            <a:normAutofit/>
+          </a:bodyPr>
+          <a:lstStyle/>
+          <a:p>
+            <a:endParaRPr lang="en-US" sz="1800" dirty="0" smtClean="0"/>
+          </a:p>
+          <a:p>
+            <a:pPr marL="0" indent="0">
+              <a:buNone/>
+            </a:pPr>
+            <a:endParaRPr lang="en-US" dirty="0"/>
+          </a:p>
+          <a:p>
+            <a:endParaRPr lang="en-US" dirty="0"/>
+          </a:p>
+        </p:txBody>
+      </p:sp>
+      <p:sp>
+        <p:nvSpPr>
+          <p:cNvPr id="9" name="ZoneTexte 8"/>
+          <p:cNvSpPr txBox="1"/>
+          <p:nvPr/>
+        </p:nvSpPr>
+        <p:spPr>
+          <a:xfrm>
+            <a:off x="286296" y="184667"/>
+            <a:ext cx="8677595" cy="707886"/>
+          </a:xfrm>
+          <a:prstGeom prst="rect">
+            <a:avLst/>
+          </a:prstGeom>
+          <a:noFill/>
+        </p:spPr>
+        <p:txBody>
+          <a:bodyPr wrap="square" rtlCol="0">
+            <a:spAutoFit/>
+          </a:bodyPr>
+          <a:lstStyle/>
+          <a:p>
+            <a:r>
+              <a:rPr lang="en-US" sz="4000" dirty="0" smtClean="0"/>
+              <a:t>Usage Tab 2 File Associations (2)</a:t>
+            </a:r>
+            <a:endParaRPr lang="en-US" sz="4000" dirty="0"/>
+          </a:p>
+        </p:txBody>
+      </p:sp>
+      <p:sp>
+        <p:nvSpPr>
+          <p:cNvPr id="10" name="Espace réservé du contenu 2"/>
+          <p:cNvSpPr txBox="1">
+            <a:spLocks/>
+          </p:cNvSpPr>
+          <p:nvPr/>
+        </p:nvSpPr>
+        <p:spPr>
+          <a:xfrm>
+            <a:off x="764842" y="892553"/>
+            <a:ext cx="10515600" cy="5710044"/>
+          </a:xfrm>
+          <a:prstGeom prst="rect">
+            <a:avLst/>
+          </a:prstGeom>
+        </p:spPr>
+        <p:txBody>
+          <a:bodyPr vert="horz" lIns="91440" tIns="45720" rIns="91440" bIns="45720" rtlCol="0">
+            <a:noAutofit/>
+          </a:bodyPr>
+          <a:lstStyle>
+            <a:lvl1pPr marL="228600" indent="-228600" algn="l" defTabSz="914400" rtl="0" eaLnBrk="1" latinLnBrk="0" hangingPunct="1">
+              <a:lnSpc>
+                <a:spcPct val="90000"/>
+              </a:lnSpc>
+              <a:spcBef>
+                <a:spcPts val="1000"/>
+              </a:spcBef>
+              <a:buFont typeface="Arial" panose="020B0604020202020204" pitchFamily="34" charset="0"/>
+              <a:buChar char="•"/>
+              <a:defRPr sz="2800" kern="1200">
+                <a:solidFill>
+                  <a:schemeClr val="tx1"/>
+                </a:solidFill>
+                <a:latin typeface="+mn-lt"/>
+                <a:ea typeface="+mn-ea"/>
+                <a:cs typeface="+mn-cs"/>
+              </a:defRPr>
+            </a:lvl1pPr>
+            <a:lvl2pPr marL="685800" indent="-228600" algn="l" defTabSz="914400" rtl="0" eaLnBrk="1" latinLnBrk="0" hangingPunct="1">
+              <a:lnSpc>
+                <a:spcPct val="90000"/>
+              </a:lnSpc>
+              <a:spcBef>
+                <a:spcPts val="500"/>
+              </a:spcBef>
+              <a:buFont typeface="Arial" panose="020B0604020202020204" pitchFamily="34" charset="0"/>
+              <a:buChar char="•"/>
+              <a:defRPr sz="2400" kern="1200">
+                <a:solidFill>
+                  <a:schemeClr val="tx1"/>
+                </a:solidFill>
+                <a:latin typeface="+mn-lt"/>
+                <a:ea typeface="+mn-ea"/>
+                <a:cs typeface="+mn-cs"/>
+              </a:defRPr>
+            </a:lvl2pPr>
+            <a:lvl3pPr marL="1143000" indent="-228600" algn="l" defTabSz="914400" rtl="0" eaLnBrk="1" latinLnBrk="0" hangingPunct="1">
+              <a:lnSpc>
+                <a:spcPct val="90000"/>
+              </a:lnSpc>
+              <a:spcBef>
+                <a:spcPts val="500"/>
+              </a:spcBef>
+              <a:buFont typeface="Arial" panose="020B0604020202020204" pitchFamily="34" charset="0"/>
+              <a:buChar char="•"/>
+              <a:defRPr sz="2000" kern="1200">
+                <a:solidFill>
+                  <a:schemeClr val="tx1"/>
+                </a:solidFill>
+                <a:latin typeface="+mn-lt"/>
+                <a:ea typeface="+mn-ea"/>
+                <a:cs typeface="+mn-cs"/>
+              </a:defRPr>
+            </a:lvl3pPr>
+            <a:lvl4pPr marL="1600200" indent="-228600" algn="l" defTabSz="914400" rtl="0" eaLnBrk="1" latinLnBrk="0" hangingPunct="1">
+              <a:lnSpc>
+                <a:spcPct val="90000"/>
+              </a:lnSpc>
+              <a:spcBef>
+                <a:spcPts val="500"/>
+              </a:spcBef>
+              <a:buFont typeface="Arial" panose="020B0604020202020204" pitchFamily="34" charset="0"/>
+              <a:buChar char="•"/>
+              <a:defRPr sz="1800" kern="1200">
+                <a:solidFill>
+                  <a:schemeClr val="tx1"/>
+                </a:solidFill>
+                <a:latin typeface="+mn-lt"/>
+                <a:ea typeface="+mn-ea"/>
+                <a:cs typeface="+mn-cs"/>
+              </a:defRPr>
+            </a:lvl4pPr>
+            <a:lvl5pPr marL="2057400" indent="-228600" algn="l" defTabSz="914400" rtl="0" eaLnBrk="1" latinLnBrk="0" hangingPunct="1">
+              <a:lnSpc>
+                <a:spcPct val="90000"/>
+              </a:lnSpc>
+              <a:spcBef>
+                <a:spcPts val="500"/>
+              </a:spcBef>
+              <a:buFont typeface="Arial" panose="020B0604020202020204" pitchFamily="34" charset="0"/>
+              <a:buChar char="•"/>
+              <a:defRPr sz="1800" kern="1200">
+                <a:solidFill>
+                  <a:schemeClr val="tx1"/>
+                </a:solidFill>
+                <a:latin typeface="+mn-lt"/>
+                <a:ea typeface="+mn-ea"/>
+                <a:cs typeface="+mn-cs"/>
+              </a:defRPr>
+            </a:lvl5pPr>
+            <a:lvl6pPr marL="2514600" indent="-228600" algn="l" defTabSz="914400" rtl="0" eaLnBrk="1" latinLnBrk="0" hangingPunct="1">
+              <a:lnSpc>
+                <a:spcPct val="90000"/>
+              </a:lnSpc>
+              <a:spcBef>
+                <a:spcPts val="500"/>
+              </a:spcBef>
+              <a:buFont typeface="Arial" panose="020B0604020202020204" pitchFamily="34" charset="0"/>
+              <a:buChar char="•"/>
+              <a:defRPr sz="1800" kern="1200">
+                <a:solidFill>
+                  <a:schemeClr val="tx1"/>
+                </a:solidFill>
+                <a:latin typeface="+mn-lt"/>
+                <a:ea typeface="+mn-ea"/>
+                <a:cs typeface="+mn-cs"/>
+              </a:defRPr>
+            </a:lvl6pPr>
+            <a:lvl7pPr marL="2971800" indent="-228600" algn="l" defTabSz="914400" rtl="0" eaLnBrk="1" latinLnBrk="0" hangingPunct="1">
+              <a:lnSpc>
+                <a:spcPct val="90000"/>
+              </a:lnSpc>
+              <a:spcBef>
+                <a:spcPts val="500"/>
+              </a:spcBef>
+              <a:buFont typeface="Arial" panose="020B0604020202020204" pitchFamily="34" charset="0"/>
+              <a:buChar char="•"/>
+              <a:defRPr sz="1800" kern="1200">
+                <a:solidFill>
+                  <a:schemeClr val="tx1"/>
+                </a:solidFill>
+                <a:latin typeface="+mn-lt"/>
+                <a:ea typeface="+mn-ea"/>
+                <a:cs typeface="+mn-cs"/>
+              </a:defRPr>
+            </a:lvl7pPr>
+            <a:lvl8pPr marL="3429000" indent="-228600" algn="l" defTabSz="914400" rtl="0" eaLnBrk="1" latinLnBrk="0" hangingPunct="1">
+              <a:lnSpc>
+                <a:spcPct val="90000"/>
+              </a:lnSpc>
+              <a:spcBef>
+                <a:spcPts val="500"/>
+              </a:spcBef>
+              <a:buFont typeface="Arial" panose="020B0604020202020204" pitchFamily="34" charset="0"/>
+              <a:buChar char="•"/>
+              <a:defRPr sz="1800" kern="1200">
+                <a:solidFill>
+                  <a:schemeClr val="tx1"/>
+                </a:solidFill>
+                <a:latin typeface="+mn-lt"/>
+                <a:ea typeface="+mn-ea"/>
+                <a:cs typeface="+mn-cs"/>
+              </a:defRPr>
+            </a:lvl8pPr>
+            <a:lvl9pPr marL="3886200" indent="-228600" algn="l" defTabSz="914400" rtl="0" eaLnBrk="1" latinLnBrk="0" hangingPunct="1">
+              <a:lnSpc>
+                <a:spcPct val="90000"/>
+              </a:lnSpc>
+              <a:spcBef>
+                <a:spcPts val="500"/>
+              </a:spcBef>
+              <a:buFont typeface="Arial" panose="020B0604020202020204" pitchFamily="34" charset="0"/>
+              <a:buChar char="•"/>
+              <a:defRPr sz="1800" kern="1200">
+                <a:solidFill>
+                  <a:schemeClr val="tx1"/>
+                </a:solidFill>
+                <a:latin typeface="+mn-lt"/>
+                <a:ea typeface="+mn-ea"/>
+                <a:cs typeface="+mn-cs"/>
+              </a:defRPr>
+            </a:lvl9pPr>
+          </a:lstStyle>
+          <a:p>
+            <a:pPr marL="0" indent="0">
+              <a:buNone/>
+            </a:pPr>
+            <a:endParaRPr lang="en-US" dirty="0" smtClean="0"/>
+          </a:p>
+          <a:p>
+            <a:r>
+              <a:rPr lang="en-US" sz="2400" dirty="0"/>
+              <a:t>Unlink Modality </a:t>
+            </a:r>
+            <a:r>
+              <a:rPr lang="en-US" sz="2200" dirty="0"/>
+              <a:t>– this is in the case where you had an experiment with two modalities “EEG” and “Eye-tracker”, but for some reason you decided you do not need the “EEG” data at this point. </a:t>
+            </a:r>
+            <a:r>
+              <a:rPr lang="en-US" sz="2200" dirty="0"/>
+              <a:t>Not that all files related to this modality will be </a:t>
+            </a:r>
+            <a:r>
+              <a:rPr lang="en-US" sz="2200" dirty="0" smtClean="0"/>
+              <a:t>deleted </a:t>
+            </a:r>
+            <a:endParaRPr lang="en-US" sz="2200" dirty="0"/>
+          </a:p>
+          <a:p>
+            <a:pPr lvl="1"/>
+            <a:endParaRPr lang="en-US" sz="2300" dirty="0" smtClean="0"/>
+          </a:p>
+          <a:p>
+            <a:r>
+              <a:rPr lang="en-US" sz="2400" dirty="0"/>
+              <a:t>Linked </a:t>
+            </a:r>
+            <a:r>
+              <a:rPr lang="en-US" sz="2400" dirty="0" smtClean="0"/>
+              <a:t>Modalities grid </a:t>
+            </a:r>
+            <a:r>
+              <a:rPr lang="en-US" sz="2200" dirty="0"/>
+              <a:t>– enlists the selected modalities (</a:t>
+            </a:r>
+            <a:r>
+              <a:rPr lang="en-US" sz="2200" dirty="0" smtClean="0"/>
+              <a:t>one per tab) </a:t>
+            </a:r>
+            <a:r>
+              <a:rPr lang="en-US" sz="2200" dirty="0"/>
+              <a:t>and the selected files per </a:t>
+            </a:r>
+            <a:r>
+              <a:rPr lang="en-US" sz="2200" dirty="0" smtClean="0"/>
+              <a:t>modality</a:t>
+            </a:r>
+          </a:p>
+          <a:p>
+            <a:endParaRPr lang="en-US" sz="2200" dirty="0"/>
+          </a:p>
+          <a:p>
+            <a:r>
+              <a:rPr lang="en-US" sz="2400" dirty="0"/>
+              <a:t>Add Files(s) </a:t>
+            </a:r>
+            <a:r>
+              <a:rPr lang="en-US" sz="2200" dirty="0"/>
+              <a:t>– opens a file selection dialog. </a:t>
+            </a:r>
+            <a:r>
+              <a:rPr lang="en-US" sz="2200" dirty="0"/>
+              <a:t>More than one </a:t>
+            </a:r>
+            <a:r>
+              <a:rPr lang="en-US" sz="2200" dirty="0" smtClean="0"/>
+              <a:t>file can </a:t>
+            </a:r>
+            <a:r>
+              <a:rPr lang="en-US" sz="2200" dirty="0"/>
+              <a:t>be selected. Note that files that are shared on your local </a:t>
+            </a:r>
+            <a:r>
+              <a:rPr lang="en-US" sz="2200" dirty="0" smtClean="0"/>
+              <a:t>computer </a:t>
+            </a:r>
+            <a:r>
+              <a:rPr lang="en-US" sz="2200" dirty="0"/>
+              <a:t>will be automatically converted, so that they can be accessed by other </a:t>
+            </a:r>
+            <a:r>
+              <a:rPr lang="en-US" sz="2200" dirty="0" err="1"/>
+              <a:t>Gipsa</a:t>
+            </a:r>
+            <a:r>
+              <a:rPr lang="en-US" sz="2200" dirty="0"/>
+              <a:t>-lab domain </a:t>
+            </a:r>
+            <a:r>
+              <a:rPr lang="en-US" sz="2200" dirty="0" smtClean="0"/>
+              <a:t>users</a:t>
+            </a:r>
+            <a:endParaRPr lang="en-US" sz="2200" dirty="0"/>
+          </a:p>
+          <a:p>
+            <a:endParaRPr lang="en-US" sz="2200" dirty="0"/>
+          </a:p>
+          <a:p>
+            <a:r>
+              <a:rPr lang="en-US" sz="2400" dirty="0"/>
+              <a:t>Add tag </a:t>
+            </a:r>
+            <a:r>
+              <a:rPr lang="en-US" sz="2200" dirty="0"/>
+              <a:t>– attach tags to your files from a predefined list</a:t>
+            </a:r>
+            <a:r>
+              <a:rPr lang="en-US" sz="2200" dirty="0" smtClean="0"/>
+              <a:t>. Note that each tagging overrides the old one.</a:t>
+            </a:r>
+            <a:endParaRPr lang="en-US" sz="2200" dirty="0"/>
+          </a:p>
+          <a:p>
+            <a:pPr lvl="1"/>
+            <a:endParaRPr lang="en-US" sz="2000" dirty="0" smtClean="0"/>
+          </a:p>
+          <a:p>
+            <a:endParaRPr lang="en-US" sz="2400" dirty="0" smtClean="0"/>
+          </a:p>
+        </p:txBody>
+      </p:sp>
+    </p:spTree>
+    <p:extLst>
+      <p:ext uri="{BB962C8B-B14F-4D97-AF65-F5344CB8AC3E}">
+        <p14:creationId xmlns:p14="http://schemas.microsoft.com/office/powerpoint/2010/main" val="1045275072"/>
       </p:ext>
     </p:extLst>
   </p:cSld>

--- a/trunk/src_ebd_tool/docs/Help_djedai.pptx
+++ b/trunk/src_ebd_tool/docs/Help_djedai.pptx
@@ -5,7 +5,7 @@
     <p:sldMasterId id="2147483648" r:id="rId1"/>
   </p:sldMasterIdLst>
   <p:notesMasterIdLst>
-    <p:notesMasterId r:id="rId8"/>
+    <p:notesMasterId r:id="rId9"/>
   </p:notesMasterIdLst>
   <p:sldIdLst>
     <p:sldId id="257" r:id="rId2"/>
@@ -14,6 +14,7 @@
     <p:sldId id="260" r:id="rId5"/>
     <p:sldId id="261" r:id="rId6"/>
     <p:sldId id="262" r:id="rId7"/>
+    <p:sldId id="263" r:id="rId8"/>
   </p:sldIdLst>
   <p:sldSz cx="12192000" cy="6858000"/>
   <p:notesSz cx="6794500" cy="9906000"/>
@@ -202,7 +203,7 @@
           <a:p>
             <a:fld id="{558543F8-9E4C-4984-9E71-BAD3EF871834}" type="datetimeFigureOut">
               <a:rPr lang="en-US" smtClean="0"/>
-              <a:t>1/27/2014</a:t>
+              <a:t>1/28/2014</a:t>
             </a:fld>
             <a:endParaRPr lang="en-US"/>
           </a:p>
@@ -601,7 +602,7 @@
           <a:p>
             <a:fld id="{8F9EC892-F033-426B-93B6-AEBC273303CA}" type="datetimeFigureOut">
               <a:rPr lang="en-US" smtClean="0"/>
-              <a:t>1/27/2014</a:t>
+              <a:t>1/28/2014</a:t>
             </a:fld>
             <a:endParaRPr lang="en-US"/>
           </a:p>
@@ -771,7 +772,7 @@
           <a:p>
             <a:fld id="{8F9EC892-F033-426B-93B6-AEBC273303CA}" type="datetimeFigureOut">
               <a:rPr lang="en-US" smtClean="0"/>
-              <a:t>1/27/2014</a:t>
+              <a:t>1/28/2014</a:t>
             </a:fld>
             <a:endParaRPr lang="en-US"/>
           </a:p>
@@ -951,7 +952,7 @@
           <a:p>
             <a:fld id="{8F9EC892-F033-426B-93B6-AEBC273303CA}" type="datetimeFigureOut">
               <a:rPr lang="en-US" smtClean="0"/>
-              <a:t>1/27/2014</a:t>
+              <a:t>1/28/2014</a:t>
             </a:fld>
             <a:endParaRPr lang="en-US"/>
           </a:p>
@@ -1121,7 +1122,7 @@
           <a:p>
             <a:fld id="{8F9EC892-F033-426B-93B6-AEBC273303CA}" type="datetimeFigureOut">
               <a:rPr lang="en-US" smtClean="0"/>
-              <a:t>1/27/2014</a:t>
+              <a:t>1/28/2014</a:t>
             </a:fld>
             <a:endParaRPr lang="en-US"/>
           </a:p>
@@ -1367,7 +1368,7 @@
           <a:p>
             <a:fld id="{8F9EC892-F033-426B-93B6-AEBC273303CA}" type="datetimeFigureOut">
               <a:rPr lang="en-US" smtClean="0"/>
-              <a:t>1/27/2014</a:t>
+              <a:t>1/28/2014</a:t>
             </a:fld>
             <a:endParaRPr lang="en-US"/>
           </a:p>
@@ -1599,7 +1600,7 @@
           <a:p>
             <a:fld id="{8F9EC892-F033-426B-93B6-AEBC273303CA}" type="datetimeFigureOut">
               <a:rPr lang="en-US" smtClean="0"/>
-              <a:t>1/27/2014</a:t>
+              <a:t>1/28/2014</a:t>
             </a:fld>
             <a:endParaRPr lang="en-US"/>
           </a:p>
@@ -1966,7 +1967,7 @@
           <a:p>
             <a:fld id="{8F9EC892-F033-426B-93B6-AEBC273303CA}" type="datetimeFigureOut">
               <a:rPr lang="en-US" smtClean="0"/>
-              <a:t>1/27/2014</a:t>
+              <a:t>1/28/2014</a:t>
             </a:fld>
             <a:endParaRPr lang="en-US"/>
           </a:p>
@@ -2084,7 +2085,7 @@
           <a:p>
             <a:fld id="{8F9EC892-F033-426B-93B6-AEBC273303CA}" type="datetimeFigureOut">
               <a:rPr lang="en-US" smtClean="0"/>
-              <a:t>1/27/2014</a:t>
+              <a:t>1/28/2014</a:t>
             </a:fld>
             <a:endParaRPr lang="en-US"/>
           </a:p>
@@ -2179,7 +2180,7 @@
           <a:p>
             <a:fld id="{8F9EC892-F033-426B-93B6-AEBC273303CA}" type="datetimeFigureOut">
               <a:rPr lang="en-US" smtClean="0"/>
-              <a:t>1/27/2014</a:t>
+              <a:t>1/28/2014</a:t>
             </a:fld>
             <a:endParaRPr lang="en-US"/>
           </a:p>
@@ -2456,7 +2457,7 @@
           <a:p>
             <a:fld id="{8F9EC892-F033-426B-93B6-AEBC273303CA}" type="datetimeFigureOut">
               <a:rPr lang="en-US" smtClean="0"/>
-              <a:t>1/27/2014</a:t>
+              <a:t>1/28/2014</a:t>
             </a:fld>
             <a:endParaRPr lang="en-US"/>
           </a:p>
@@ -2709,7 +2710,7 @@
           <a:p>
             <a:fld id="{8F9EC892-F033-426B-93B6-AEBC273303CA}" type="datetimeFigureOut">
               <a:rPr lang="en-US" smtClean="0"/>
-              <a:t>1/27/2014</a:t>
+              <a:t>1/28/2014</a:t>
             </a:fld>
             <a:endParaRPr lang="en-US"/>
           </a:p>
@@ -2922,7 +2923,7 @@
           <a:p>
             <a:fld id="{8F9EC892-F033-426B-93B6-AEBC273303CA}" type="datetimeFigureOut">
               <a:rPr lang="en-US" smtClean="0"/>
-              <a:t>1/27/2014</a:t>
+              <a:t>1/28/2014</a:t>
             </a:fld>
             <a:endParaRPr lang="en-US"/>
           </a:p>
@@ -3838,7 +3839,6 @@
               <a:rPr lang="en-US" sz="2400" dirty="0" smtClean="0"/>
               <a:t>Click on “djedai.exe”</a:t>
             </a:r>
-            <a:endParaRPr lang="en-US" sz="2400" dirty="0" smtClean="0"/>
           </a:p>
         </p:txBody>
       </p:sp>
@@ -4070,7 +4070,6 @@
               <a:rPr lang="en-US" sz="2400" dirty="0" smtClean="0"/>
               <a:t>” </a:t>
             </a:r>
-            <a:endParaRPr lang="en-US" sz="2400" dirty="0" smtClean="0"/>
           </a:p>
         </p:txBody>
       </p:sp>
@@ -4098,11 +4097,7 @@
           <a:p>
             <a:r>
               <a:rPr lang="en-US" sz="3600" dirty="0" smtClean="0"/>
-              <a:t>Login</a:t>
-            </a:r>
-            <a:r>
-              <a:rPr lang="en-US" sz="3600" dirty="0" smtClean="0"/>
-              <a:t>:</a:t>
+              <a:t>Login:</a:t>
             </a:r>
             <a:endParaRPr lang="en-US" sz="3600" dirty="0"/>
           </a:p>
@@ -4306,7 +4301,6 @@
               <a:rPr lang="en-US" sz="2400" dirty="0" smtClean="0"/>
               <a:t> domain username and password</a:t>
             </a:r>
-            <a:endParaRPr lang="en-US" sz="2400" dirty="0" smtClean="0"/>
           </a:p>
         </p:txBody>
       </p:sp>
@@ -4372,7 +4366,6 @@
               <a:rPr lang="en-US" sz="2400" dirty="0" smtClean="0"/>
               <a:t>Allows for adding of meta data for each experiment, subject and/or file. </a:t>
             </a:r>
-            <a:endParaRPr lang="en-US" sz="2400" dirty="0" smtClean="0"/>
           </a:p>
           <a:p>
             <a:r>
@@ -4673,7 +4666,265 @@
             </a:r>
             <a:r>
               <a:rPr lang="en-US" sz="2200" dirty="0" smtClean="0"/>
-              <a:t>. This is still a job of the </a:t>
+              <a:t>. This is still a </a:t>
+            </a:r>
+            <a:r>
+              <a:rPr lang="en-US" sz="2200" dirty="0"/>
+              <a:t>job of the </a:t>
+            </a:r>
+            <a:r>
+              <a:rPr lang="en-US" sz="2200" dirty="0" err="1"/>
+              <a:t>Djedai</a:t>
+            </a:r>
+            <a:r>
+              <a:rPr lang="en-US" sz="2200" dirty="0"/>
+              <a:t> user. It is recommended that you store your data on network servers that are accessible by your colleagues. </a:t>
+            </a:r>
+            <a:r>
+              <a:rPr lang="en-US" sz="2200" dirty="0"/>
+              <a:t>Network </a:t>
+            </a:r>
+            <a:r>
+              <a:rPr lang="en-US" sz="2200" dirty="0" smtClean="0"/>
+              <a:t>share access </a:t>
+            </a:r>
+            <a:r>
+              <a:rPr lang="en-US" sz="2200" dirty="0"/>
+              <a:t>rights are still responsibility of the user</a:t>
+            </a:r>
+          </a:p>
+          <a:p>
+            <a:endParaRPr lang="en-US" sz="2400" dirty="0" smtClean="0"/>
+          </a:p>
+        </p:txBody>
+      </p:sp>
+      <p:sp>
+        <p:nvSpPr>
+          <p:cNvPr id="9" name="ZoneTexte 8"/>
+          <p:cNvSpPr txBox="1"/>
+          <p:nvPr/>
+        </p:nvSpPr>
+        <p:spPr>
+          <a:xfrm>
+            <a:off x="286296" y="4717853"/>
+            <a:ext cx="6557850" cy="584775"/>
+          </a:xfrm>
+          <a:prstGeom prst="rect">
+            <a:avLst/>
+          </a:prstGeom>
+          <a:noFill/>
+        </p:spPr>
+        <p:txBody>
+          <a:bodyPr wrap="square" rtlCol="0">
+            <a:spAutoFit/>
+          </a:bodyPr>
+          <a:lstStyle/>
+          <a:p>
+            <a:r>
+              <a:rPr lang="en-US" sz="3200" dirty="0" smtClean="0"/>
+              <a:t>Notes on file sharing</a:t>
+            </a:r>
+            <a:r>
+              <a:rPr lang="en-US" sz="3200" dirty="0" smtClean="0"/>
+              <a:t>:</a:t>
+            </a:r>
+            <a:endParaRPr lang="en-US" sz="3200" dirty="0"/>
+          </a:p>
+        </p:txBody>
+      </p:sp>
+      <p:sp>
+        <p:nvSpPr>
+          <p:cNvPr id="10" name="Espace réservé du contenu 2"/>
+          <p:cNvSpPr txBox="1">
+            <a:spLocks/>
+          </p:cNvSpPr>
+          <p:nvPr/>
+        </p:nvSpPr>
+        <p:spPr>
+          <a:xfrm>
+            <a:off x="808196" y="5346378"/>
+            <a:ext cx="10515600" cy="703962"/>
+          </a:xfrm>
+          <a:prstGeom prst="rect">
+            <a:avLst/>
+          </a:prstGeom>
+        </p:spPr>
+        <p:txBody>
+          <a:bodyPr vert="horz" lIns="91440" tIns="45720" rIns="91440" bIns="45720" rtlCol="0">
+            <a:noAutofit/>
+          </a:bodyPr>
+          <a:lstStyle>
+            <a:lvl1pPr marL="228600" indent="-228600" algn="l" defTabSz="914400" rtl="0" eaLnBrk="1" latinLnBrk="0" hangingPunct="1">
+              <a:lnSpc>
+                <a:spcPct val="90000"/>
+              </a:lnSpc>
+              <a:spcBef>
+                <a:spcPts val="1000"/>
+              </a:spcBef>
+              <a:buFont typeface="Arial" panose="020B0604020202020204" pitchFamily="34" charset="0"/>
+              <a:buChar char="•"/>
+              <a:defRPr sz="2800" kern="1200">
+                <a:solidFill>
+                  <a:schemeClr val="tx1"/>
+                </a:solidFill>
+                <a:latin typeface="+mn-lt"/>
+                <a:ea typeface="+mn-ea"/>
+                <a:cs typeface="+mn-cs"/>
+              </a:defRPr>
+            </a:lvl1pPr>
+            <a:lvl2pPr marL="685800" indent="-228600" algn="l" defTabSz="914400" rtl="0" eaLnBrk="1" latinLnBrk="0" hangingPunct="1">
+              <a:lnSpc>
+                <a:spcPct val="90000"/>
+              </a:lnSpc>
+              <a:spcBef>
+                <a:spcPts val="500"/>
+              </a:spcBef>
+              <a:buFont typeface="Arial" panose="020B0604020202020204" pitchFamily="34" charset="0"/>
+              <a:buChar char="•"/>
+              <a:defRPr sz="2400" kern="1200">
+                <a:solidFill>
+                  <a:schemeClr val="tx1"/>
+                </a:solidFill>
+                <a:latin typeface="+mn-lt"/>
+                <a:ea typeface="+mn-ea"/>
+                <a:cs typeface="+mn-cs"/>
+              </a:defRPr>
+            </a:lvl2pPr>
+            <a:lvl3pPr marL="1143000" indent="-228600" algn="l" defTabSz="914400" rtl="0" eaLnBrk="1" latinLnBrk="0" hangingPunct="1">
+              <a:lnSpc>
+                <a:spcPct val="90000"/>
+              </a:lnSpc>
+              <a:spcBef>
+                <a:spcPts val="500"/>
+              </a:spcBef>
+              <a:buFont typeface="Arial" panose="020B0604020202020204" pitchFamily="34" charset="0"/>
+              <a:buChar char="•"/>
+              <a:defRPr sz="2000" kern="1200">
+                <a:solidFill>
+                  <a:schemeClr val="tx1"/>
+                </a:solidFill>
+                <a:latin typeface="+mn-lt"/>
+                <a:ea typeface="+mn-ea"/>
+                <a:cs typeface="+mn-cs"/>
+              </a:defRPr>
+            </a:lvl3pPr>
+            <a:lvl4pPr marL="1600200" indent="-228600" algn="l" defTabSz="914400" rtl="0" eaLnBrk="1" latinLnBrk="0" hangingPunct="1">
+              <a:lnSpc>
+                <a:spcPct val="90000"/>
+              </a:lnSpc>
+              <a:spcBef>
+                <a:spcPts val="500"/>
+              </a:spcBef>
+              <a:buFont typeface="Arial" panose="020B0604020202020204" pitchFamily="34" charset="0"/>
+              <a:buChar char="•"/>
+              <a:defRPr sz="1800" kern="1200">
+                <a:solidFill>
+                  <a:schemeClr val="tx1"/>
+                </a:solidFill>
+                <a:latin typeface="+mn-lt"/>
+                <a:ea typeface="+mn-ea"/>
+                <a:cs typeface="+mn-cs"/>
+              </a:defRPr>
+            </a:lvl4pPr>
+            <a:lvl5pPr marL="2057400" indent="-228600" algn="l" defTabSz="914400" rtl="0" eaLnBrk="1" latinLnBrk="0" hangingPunct="1">
+              <a:lnSpc>
+                <a:spcPct val="90000"/>
+              </a:lnSpc>
+              <a:spcBef>
+                <a:spcPts val="500"/>
+              </a:spcBef>
+              <a:buFont typeface="Arial" panose="020B0604020202020204" pitchFamily="34" charset="0"/>
+              <a:buChar char="•"/>
+              <a:defRPr sz="1800" kern="1200">
+                <a:solidFill>
+                  <a:schemeClr val="tx1"/>
+                </a:solidFill>
+                <a:latin typeface="+mn-lt"/>
+                <a:ea typeface="+mn-ea"/>
+                <a:cs typeface="+mn-cs"/>
+              </a:defRPr>
+            </a:lvl5pPr>
+            <a:lvl6pPr marL="2514600" indent="-228600" algn="l" defTabSz="914400" rtl="0" eaLnBrk="1" latinLnBrk="0" hangingPunct="1">
+              <a:lnSpc>
+                <a:spcPct val="90000"/>
+              </a:lnSpc>
+              <a:spcBef>
+                <a:spcPts val="500"/>
+              </a:spcBef>
+              <a:buFont typeface="Arial" panose="020B0604020202020204" pitchFamily="34" charset="0"/>
+              <a:buChar char="•"/>
+              <a:defRPr sz="1800" kern="1200">
+                <a:solidFill>
+                  <a:schemeClr val="tx1"/>
+                </a:solidFill>
+                <a:latin typeface="+mn-lt"/>
+                <a:ea typeface="+mn-ea"/>
+                <a:cs typeface="+mn-cs"/>
+              </a:defRPr>
+            </a:lvl6pPr>
+            <a:lvl7pPr marL="2971800" indent="-228600" algn="l" defTabSz="914400" rtl="0" eaLnBrk="1" latinLnBrk="0" hangingPunct="1">
+              <a:lnSpc>
+                <a:spcPct val="90000"/>
+              </a:lnSpc>
+              <a:spcBef>
+                <a:spcPts val="500"/>
+              </a:spcBef>
+              <a:buFont typeface="Arial" panose="020B0604020202020204" pitchFamily="34" charset="0"/>
+              <a:buChar char="•"/>
+              <a:defRPr sz="1800" kern="1200">
+                <a:solidFill>
+                  <a:schemeClr val="tx1"/>
+                </a:solidFill>
+                <a:latin typeface="+mn-lt"/>
+                <a:ea typeface="+mn-ea"/>
+                <a:cs typeface="+mn-cs"/>
+              </a:defRPr>
+            </a:lvl7pPr>
+            <a:lvl8pPr marL="3429000" indent="-228600" algn="l" defTabSz="914400" rtl="0" eaLnBrk="1" latinLnBrk="0" hangingPunct="1">
+              <a:lnSpc>
+                <a:spcPct val="90000"/>
+              </a:lnSpc>
+              <a:spcBef>
+                <a:spcPts val="500"/>
+              </a:spcBef>
+              <a:buFont typeface="Arial" panose="020B0604020202020204" pitchFamily="34" charset="0"/>
+              <a:buChar char="•"/>
+              <a:defRPr sz="1800" kern="1200">
+                <a:solidFill>
+                  <a:schemeClr val="tx1"/>
+                </a:solidFill>
+                <a:latin typeface="+mn-lt"/>
+                <a:ea typeface="+mn-ea"/>
+                <a:cs typeface="+mn-cs"/>
+              </a:defRPr>
+            </a:lvl8pPr>
+            <a:lvl9pPr marL="3886200" indent="-228600" algn="l" defTabSz="914400" rtl="0" eaLnBrk="1" latinLnBrk="0" hangingPunct="1">
+              <a:lnSpc>
+                <a:spcPct val="90000"/>
+              </a:lnSpc>
+              <a:spcBef>
+                <a:spcPts val="500"/>
+              </a:spcBef>
+              <a:buFont typeface="Arial" panose="020B0604020202020204" pitchFamily="34" charset="0"/>
+              <a:buChar char="•"/>
+              <a:defRPr sz="1800" kern="1200">
+                <a:solidFill>
+                  <a:schemeClr val="tx1"/>
+                </a:solidFill>
+                <a:latin typeface="+mn-lt"/>
+                <a:ea typeface="+mn-ea"/>
+                <a:cs typeface="+mn-cs"/>
+              </a:defRPr>
+            </a:lvl9pPr>
+          </a:lstStyle>
+          <a:p>
+            <a:r>
+              <a:rPr lang="en-US" sz="2200" dirty="0" smtClean="0"/>
+              <a:t>You can also share </a:t>
+            </a:r>
+            <a:r>
+              <a:rPr lang="en-US" sz="2200" dirty="0" smtClean="0"/>
+              <a:t>files on your local computer. Local paths to shared folders in </a:t>
             </a:r>
             <a:r>
               <a:rPr lang="en-US" sz="2200" dirty="0" err="1" smtClean="0"/>
@@ -4681,18 +4932,20 @@
             </a:r>
             <a:r>
               <a:rPr lang="en-US" sz="2200" dirty="0" smtClean="0"/>
-              <a:t> user. It is recommended that you store your data on network servers that are accessible by your colleagues. Also you can share files on your local computer. Local paths to shared folders in </a:t>
-            </a:r>
-            <a:r>
-              <a:rPr lang="en-US" sz="2200" dirty="0" err="1" smtClean="0"/>
-              <a:t>Djedai</a:t>
+              <a:t> are automatically </a:t>
             </a:r>
             <a:r>
               <a:rPr lang="en-US" sz="2200" dirty="0" smtClean="0"/>
-              <a:t> are automatically converted, so that other users can access the shared files from the network. Network access rights are still responsibility of the user</a:t>
-            </a:r>
-          </a:p>
-          <a:p>
+              <a:t>converted to network paths, </a:t>
+            </a:r>
+            <a:r>
+              <a:rPr lang="en-US" sz="2200" dirty="0" smtClean="0"/>
+              <a:t>so that other users can access the shared files from the </a:t>
+            </a:r>
+            <a:r>
+              <a:rPr lang="en-US" sz="2200" dirty="0" smtClean="0"/>
+              <a:t>network</a:t>
+            </a:r>
             <a:endParaRPr lang="en-US" sz="2400" dirty="0" smtClean="0"/>
           </a:p>
         </p:txBody>
@@ -4980,34 +5233,50 @@
           <a:p>
             <a:r>
               <a:rPr lang="en-US" dirty="0" smtClean="0"/>
-              <a:t>Your first step is to enter the entities that you are going to use:</a:t>
+              <a:t>Your first step is to enter the entities that you are going to use</a:t>
+            </a:r>
+            <a:r>
+              <a:rPr lang="en-US" dirty="0" smtClean="0"/>
+              <a:t>:</a:t>
             </a:r>
           </a:p>
           <a:p>
             <a:endParaRPr lang="en-US" dirty="0" smtClean="0"/>
           </a:p>
           <a:p>
-            <a:pPr lvl="1"/>
+            <a:pPr lvl="1">
+              <a:spcAft>
+                <a:spcPts val="1200"/>
+              </a:spcAft>
+            </a:pPr>
             <a:r>
               <a:rPr lang="en-US" dirty="0" smtClean="0"/>
               <a:t>Experiments </a:t>
             </a:r>
             <a:r>
               <a:rPr lang="en-US" sz="2200" dirty="0" smtClean="0"/>
-              <a:t>– this is your basic entity. Note that you can share experiments with other </a:t>
+              <a:t>– this is your basic entity. </a:t>
+            </a:r>
+            <a:r>
+              <a:rPr lang="en-US" sz="2200" dirty="0" smtClean="0"/>
+              <a:t>You can </a:t>
+            </a:r>
+            <a:r>
+              <a:rPr lang="en-US" sz="2200" dirty="0" smtClean="0"/>
+              <a:t>share experiments with other </a:t>
             </a:r>
             <a:r>
               <a:rPr lang="en-US" sz="2200" dirty="0" err="1" smtClean="0"/>
               <a:t>djedais</a:t>
             </a:r>
-            <a:endParaRPr lang="en-US" sz="2200" dirty="0"/>
-          </a:p>
-          <a:p>
-            <a:pPr lvl="1"/>
             <a:endParaRPr lang="en-US" sz="2200" dirty="0" smtClean="0"/>
           </a:p>
           <a:p>
-            <a:pPr lvl="1"/>
+            <a:pPr lvl="1">
+              <a:spcAft>
+                <a:spcPts val="1200"/>
+              </a:spcAft>
+            </a:pPr>
             <a:r>
               <a:rPr lang="en-US" dirty="0" smtClean="0"/>
               <a:t>Subjects </a:t>
@@ -5022,17 +5291,20 @@
             </a:r>
             <a:r>
               <a:rPr lang="en-US" sz="2200" dirty="0" smtClean="0"/>
-              <a:t>. “Sub1”, “Tom1”</a:t>
-            </a:r>
-          </a:p>
-          <a:p>
-            <a:pPr marL="457200" lvl="1" indent="0">
-              <a:buNone/>
+              <a:t>. “Sub1”, “Tom1</a:t>
+            </a:r>
+            <a:r>
+              <a:rPr lang="en-US" sz="2200" dirty="0" smtClean="0"/>
+              <a:t>”</a:t>
+            </a:r>
+            <a:endParaRPr lang="en-US" sz="2200" dirty="0" smtClean="0"/>
+          </a:p>
+          <a:p>
+            <a:pPr lvl="1">
+              <a:spcAft>
+                <a:spcPts val="1200"/>
+              </a:spcAft>
             </a:pPr>
-            <a:endParaRPr lang="en-US" sz="2200" dirty="0" smtClean="0"/>
-          </a:p>
-          <a:p>
-            <a:pPr lvl="1"/>
             <a:r>
               <a:rPr lang="en-US" dirty="0" smtClean="0"/>
               <a:t>Modalities </a:t>
@@ -5047,15 +5319,28 @@
             </a:r>
             <a:r>
               <a:rPr lang="en-US" sz="2200" dirty="0" smtClean="0"/>
-              <a:t>. “EEG”, “Eye-tracker”, “fMRI”. Modalities allow you to isolate one group of files from another based on source. It is also a way to see who else uses the same modality</a:t>
-            </a:r>
-          </a:p>
-          <a:p>
-            <a:pPr lvl="1"/>
+              <a:t>. “EEG”, “Eye-tracker”, “fMRI”. Modalities allow you to isolate one group of files from another based on </a:t>
+            </a:r>
+            <a:r>
+              <a:rPr lang="en-US" sz="2200" dirty="0" smtClean="0"/>
+              <a:t>type of experiment (modality). </a:t>
+            </a:r>
+            <a:r>
+              <a:rPr lang="en-US" sz="2200" dirty="0" smtClean="0"/>
+              <a:t>It is also a way to see who else uses the same </a:t>
+            </a:r>
+            <a:r>
+              <a:rPr lang="en-US" sz="2200" dirty="0" smtClean="0"/>
+              <a:t>modality</a:t>
+            </a:r>
             <a:endParaRPr lang="en-US" sz="2200" dirty="0" smtClean="0"/>
           </a:p>
           <a:p>
-            <a:pPr lvl="1"/>
+            <a:pPr lvl="1">
+              <a:spcAft>
+                <a:spcPts val="1200"/>
+              </a:spcAft>
+            </a:pPr>
             <a:r>
               <a:rPr lang="en-US" dirty="0" smtClean="0"/>
               <a:t>Tags </a:t>
@@ -5372,7 +5657,11 @@
             <a:endParaRPr lang="en-US" dirty="0" smtClean="0"/>
           </a:p>
           <a:p>
-            <a:pPr lvl="1"/>
+            <a:pPr lvl="1">
+              <a:spcAft>
+                <a:spcPts val="1200"/>
+              </a:spcAft>
+            </a:pPr>
             <a:r>
               <a:rPr lang="en-US" dirty="0" smtClean="0"/>
               <a:t>Experiments </a:t>
@@ -5389,13 +5678,14 @@
               <a:rPr lang="en-US" sz="2200" dirty="0" smtClean="0"/>
               <a:t>.</a:t>
             </a:r>
-          </a:p>
-          <a:p>
-            <a:pPr lvl="1"/>
             <a:endParaRPr lang="en-US" sz="2200" dirty="0" smtClean="0"/>
           </a:p>
           <a:p>
-            <a:pPr lvl="1"/>
+            <a:pPr lvl="1">
+              <a:spcAft>
+                <a:spcPts val="1200"/>
+              </a:spcAft>
+            </a:pPr>
             <a:r>
               <a:rPr lang="en-US" dirty="0" smtClean="0"/>
               <a:t>Subjects </a:t>
@@ -5418,28 +5708,27 @@
             </a:r>
             <a:r>
               <a:rPr lang="en-US" sz="2200" dirty="0" smtClean="0"/>
-              <a:t>the menus and buttons on the right</a:t>
-            </a:r>
-          </a:p>
-          <a:p>
-            <a:pPr marL="457200" lvl="1" indent="0">
-              <a:buNone/>
+              <a:t>the menus and buttons on the </a:t>
+            </a:r>
+            <a:r>
+              <a:rPr lang="en-US" sz="2200" dirty="0" smtClean="0"/>
+              <a:t>right</a:t>
+            </a:r>
+            <a:endParaRPr lang="en-US" sz="2200" dirty="0" smtClean="0"/>
+          </a:p>
+          <a:p>
+            <a:pPr lvl="1">
+              <a:spcAft>
+                <a:spcPts val="1200"/>
+              </a:spcAft>
             </a:pPr>
-            <a:endParaRPr lang="en-US" sz="2200" dirty="0" smtClean="0"/>
-          </a:p>
-          <a:p>
-            <a:pPr lvl="1"/>
             <a:r>
               <a:rPr lang="en-US" dirty="0"/>
               <a:t>Link Modality </a:t>
             </a:r>
             <a:r>
               <a:rPr lang="en-US" sz="2200" dirty="0"/>
-              <a:t>– allows you to select from a list of predefined modalities that are specific to your current experiment. </a:t>
-            </a:r>
-            <a:r>
-              <a:rPr lang="en-US" sz="2200" dirty="0"/>
-              <a:t>Adds </a:t>
+              <a:t>– allows you to select from a list of predefined modalities that are specific to your current experiment. Adds </a:t>
             </a:r>
             <a:r>
               <a:rPr lang="en-US" sz="2200" dirty="0" smtClean="0"/>
@@ -5447,15 +5736,20 @@
             </a:r>
             <a:r>
               <a:rPr lang="en-US" sz="2200" dirty="0"/>
-              <a:t>view in the table below (an extra tab)</a:t>
-            </a:r>
-          </a:p>
-          <a:p>
-            <a:pPr lvl="1"/>
+              <a:t>view in the table below (an extra tab</a:t>
+            </a:r>
+            <a:r>
+              <a:rPr lang="en-US" sz="2200" dirty="0" smtClean="0"/>
+              <a:t>)</a:t>
+            </a:r>
             <a:endParaRPr lang="en-US" dirty="0" smtClean="0"/>
           </a:p>
           <a:p>
-            <a:pPr lvl="1"/>
+            <a:pPr lvl="1">
+              <a:spcAft>
+                <a:spcPts val="1200"/>
+              </a:spcAft>
+            </a:pPr>
             <a:r>
               <a:rPr lang="en-US" dirty="0" smtClean="0"/>
               <a:t>Add subject </a:t>
@@ -5783,11 +6077,7 @@
             </a:r>
             <a:r>
               <a:rPr lang="en-US" sz="2200" dirty="0"/>
-              <a:t>– this is in the case where you had an experiment with two modalities “EEG” and “Eye-tracker”, but for some reason you decided you do not need the “EEG” data at this point. </a:t>
-            </a:r>
-            <a:r>
-              <a:rPr lang="en-US" sz="2200" dirty="0"/>
-              <a:t>Not that all files related to this modality will be </a:t>
+              <a:t>– this is in the case where you had an experiment with two modalities “EEG” and “Eye-tracker”, but for some reason you decided you do not need the “EEG” data at this point. Not that all files related to this modality will be </a:t>
             </a:r>
             <a:r>
               <a:rPr lang="en-US" sz="2200" dirty="0" smtClean="0"/>
@@ -5835,11 +6125,7 @@
             </a:r>
             <a:r>
               <a:rPr lang="en-US" sz="2200" dirty="0"/>
-              <a:t>– opens a file selection dialog. </a:t>
-            </a:r>
-            <a:r>
-              <a:rPr lang="en-US" sz="2200" dirty="0"/>
-              <a:t>More than one </a:t>
+              <a:t>– opens a file selection dialog. More than one </a:t>
             </a:r>
             <a:r>
               <a:rPr lang="en-US" sz="2200" dirty="0" smtClean="0"/>
@@ -5902,6 +6188,340 @@
     <p:extLst>
       <p:ext uri="{BB962C8B-B14F-4D97-AF65-F5344CB8AC3E}">
         <p14:creationId xmlns:p14="http://schemas.microsoft.com/office/powerpoint/2010/main" val="1045275072"/>
+      </p:ext>
+    </p:extLst>
+  </p:cSld>
+  <p:clrMapOvr>
+    <a:masterClrMapping/>
+  </p:clrMapOvr>
+</p:sld>
+</file>
+
+<file path=ppt/slides/slide7.xml><?xml version="1.0" encoding="utf-8"?>
+<p:sld xmlns:a="http://schemas.openxmlformats.org/drawingml/2006/main" xmlns:r="http://schemas.openxmlformats.org/officeDocument/2006/relationships" xmlns:p="http://schemas.openxmlformats.org/presentationml/2006/main">
+  <p:cSld>
+    <p:spTree>
+      <p:nvGrpSpPr>
+        <p:cNvPr id="1" name=""/>
+        <p:cNvGrpSpPr/>
+        <p:nvPr/>
+      </p:nvGrpSpPr>
+      <p:grpSpPr>
+        <a:xfrm>
+          <a:off x="0" y="0"/>
+          <a:ext cx="0" cy="0"/>
+          <a:chOff x="0" y="0"/>
+          <a:chExt cx="0" cy="0"/>
+        </a:xfrm>
+      </p:grpSpPr>
+      <p:sp>
+        <p:nvSpPr>
+          <p:cNvPr id="3" name="Espace réservé du contenu 2"/>
+          <p:cNvSpPr>
+            <a:spLocks noGrp="1"/>
+          </p:cNvSpPr>
+          <p:nvPr>
+            <p:ph idx="1"/>
+          </p:nvPr>
+        </p:nvSpPr>
+        <p:spPr>
+          <a:xfrm>
+            <a:off x="889533" y="4718447"/>
+            <a:ext cx="10515600" cy="1820898"/>
+          </a:xfrm>
+        </p:spPr>
+        <p:txBody>
+          <a:bodyPr>
+            <a:normAutofit/>
+          </a:bodyPr>
+          <a:lstStyle/>
+          <a:p>
+            <a:endParaRPr lang="en-US" sz="1800" dirty="0" smtClean="0"/>
+          </a:p>
+          <a:p>
+            <a:pPr marL="0" indent="0">
+              <a:buNone/>
+            </a:pPr>
+            <a:endParaRPr lang="en-US" dirty="0"/>
+          </a:p>
+          <a:p>
+            <a:endParaRPr lang="en-US" dirty="0"/>
+          </a:p>
+        </p:txBody>
+      </p:sp>
+      <p:sp>
+        <p:nvSpPr>
+          <p:cNvPr id="9" name="ZoneTexte 8"/>
+          <p:cNvSpPr txBox="1"/>
+          <p:nvPr/>
+        </p:nvSpPr>
+        <p:spPr>
+          <a:xfrm>
+            <a:off x="286296" y="184667"/>
+            <a:ext cx="8677595" cy="707886"/>
+          </a:xfrm>
+          <a:prstGeom prst="rect">
+            <a:avLst/>
+          </a:prstGeom>
+          <a:noFill/>
+        </p:spPr>
+        <p:txBody>
+          <a:bodyPr wrap="square" rtlCol="0">
+            <a:spAutoFit/>
+          </a:bodyPr>
+          <a:lstStyle/>
+          <a:p>
+            <a:r>
+              <a:rPr lang="en-US" sz="4000" dirty="0" smtClean="0"/>
+              <a:t>Sharing</a:t>
+            </a:r>
+            <a:endParaRPr lang="en-US" sz="4000" dirty="0"/>
+          </a:p>
+        </p:txBody>
+      </p:sp>
+      <p:sp>
+        <p:nvSpPr>
+          <p:cNvPr id="10" name="Espace réservé du contenu 2"/>
+          <p:cNvSpPr txBox="1">
+            <a:spLocks/>
+          </p:cNvSpPr>
+          <p:nvPr/>
+        </p:nvSpPr>
+        <p:spPr>
+          <a:xfrm>
+            <a:off x="764842" y="892553"/>
+            <a:ext cx="10515600" cy="5710044"/>
+          </a:xfrm>
+          <a:prstGeom prst="rect">
+            <a:avLst/>
+          </a:prstGeom>
+        </p:spPr>
+        <p:txBody>
+          <a:bodyPr vert="horz" lIns="91440" tIns="45720" rIns="91440" bIns="45720" rtlCol="0">
+            <a:noAutofit/>
+          </a:bodyPr>
+          <a:lstStyle>
+            <a:lvl1pPr marL="228600" indent="-228600" algn="l" defTabSz="914400" rtl="0" eaLnBrk="1" latinLnBrk="0" hangingPunct="1">
+              <a:lnSpc>
+                <a:spcPct val="90000"/>
+              </a:lnSpc>
+              <a:spcBef>
+                <a:spcPts val="1000"/>
+              </a:spcBef>
+              <a:buFont typeface="Arial" panose="020B0604020202020204" pitchFamily="34" charset="0"/>
+              <a:buChar char="•"/>
+              <a:defRPr sz="2800" kern="1200">
+                <a:solidFill>
+                  <a:schemeClr val="tx1"/>
+                </a:solidFill>
+                <a:latin typeface="+mn-lt"/>
+                <a:ea typeface="+mn-ea"/>
+                <a:cs typeface="+mn-cs"/>
+              </a:defRPr>
+            </a:lvl1pPr>
+            <a:lvl2pPr marL="685800" indent="-228600" algn="l" defTabSz="914400" rtl="0" eaLnBrk="1" latinLnBrk="0" hangingPunct="1">
+              <a:lnSpc>
+                <a:spcPct val="90000"/>
+              </a:lnSpc>
+              <a:spcBef>
+                <a:spcPts val="500"/>
+              </a:spcBef>
+              <a:buFont typeface="Arial" panose="020B0604020202020204" pitchFamily="34" charset="0"/>
+              <a:buChar char="•"/>
+              <a:defRPr sz="2400" kern="1200">
+                <a:solidFill>
+                  <a:schemeClr val="tx1"/>
+                </a:solidFill>
+                <a:latin typeface="+mn-lt"/>
+                <a:ea typeface="+mn-ea"/>
+                <a:cs typeface="+mn-cs"/>
+              </a:defRPr>
+            </a:lvl2pPr>
+            <a:lvl3pPr marL="1143000" indent="-228600" algn="l" defTabSz="914400" rtl="0" eaLnBrk="1" latinLnBrk="0" hangingPunct="1">
+              <a:lnSpc>
+                <a:spcPct val="90000"/>
+              </a:lnSpc>
+              <a:spcBef>
+                <a:spcPts val="500"/>
+              </a:spcBef>
+              <a:buFont typeface="Arial" panose="020B0604020202020204" pitchFamily="34" charset="0"/>
+              <a:buChar char="•"/>
+              <a:defRPr sz="2000" kern="1200">
+                <a:solidFill>
+                  <a:schemeClr val="tx1"/>
+                </a:solidFill>
+                <a:latin typeface="+mn-lt"/>
+                <a:ea typeface="+mn-ea"/>
+                <a:cs typeface="+mn-cs"/>
+              </a:defRPr>
+            </a:lvl3pPr>
+            <a:lvl4pPr marL="1600200" indent="-228600" algn="l" defTabSz="914400" rtl="0" eaLnBrk="1" latinLnBrk="0" hangingPunct="1">
+              <a:lnSpc>
+                <a:spcPct val="90000"/>
+              </a:lnSpc>
+              <a:spcBef>
+                <a:spcPts val="500"/>
+              </a:spcBef>
+              <a:buFont typeface="Arial" panose="020B0604020202020204" pitchFamily="34" charset="0"/>
+              <a:buChar char="•"/>
+              <a:defRPr sz="1800" kern="1200">
+                <a:solidFill>
+                  <a:schemeClr val="tx1"/>
+                </a:solidFill>
+                <a:latin typeface="+mn-lt"/>
+                <a:ea typeface="+mn-ea"/>
+                <a:cs typeface="+mn-cs"/>
+              </a:defRPr>
+            </a:lvl4pPr>
+            <a:lvl5pPr marL="2057400" indent="-228600" algn="l" defTabSz="914400" rtl="0" eaLnBrk="1" latinLnBrk="0" hangingPunct="1">
+              <a:lnSpc>
+                <a:spcPct val="90000"/>
+              </a:lnSpc>
+              <a:spcBef>
+                <a:spcPts val="500"/>
+              </a:spcBef>
+              <a:buFont typeface="Arial" panose="020B0604020202020204" pitchFamily="34" charset="0"/>
+              <a:buChar char="•"/>
+              <a:defRPr sz="1800" kern="1200">
+                <a:solidFill>
+                  <a:schemeClr val="tx1"/>
+                </a:solidFill>
+                <a:latin typeface="+mn-lt"/>
+                <a:ea typeface="+mn-ea"/>
+                <a:cs typeface="+mn-cs"/>
+              </a:defRPr>
+            </a:lvl5pPr>
+            <a:lvl6pPr marL="2514600" indent="-228600" algn="l" defTabSz="914400" rtl="0" eaLnBrk="1" latinLnBrk="0" hangingPunct="1">
+              <a:lnSpc>
+                <a:spcPct val="90000"/>
+              </a:lnSpc>
+              <a:spcBef>
+                <a:spcPts val="500"/>
+              </a:spcBef>
+              <a:buFont typeface="Arial" panose="020B0604020202020204" pitchFamily="34" charset="0"/>
+              <a:buChar char="•"/>
+              <a:defRPr sz="1800" kern="1200">
+                <a:solidFill>
+                  <a:schemeClr val="tx1"/>
+                </a:solidFill>
+                <a:latin typeface="+mn-lt"/>
+                <a:ea typeface="+mn-ea"/>
+                <a:cs typeface="+mn-cs"/>
+              </a:defRPr>
+            </a:lvl6pPr>
+            <a:lvl7pPr marL="2971800" indent="-228600" algn="l" defTabSz="914400" rtl="0" eaLnBrk="1" latinLnBrk="0" hangingPunct="1">
+              <a:lnSpc>
+                <a:spcPct val="90000"/>
+              </a:lnSpc>
+              <a:spcBef>
+                <a:spcPts val="500"/>
+              </a:spcBef>
+              <a:buFont typeface="Arial" panose="020B0604020202020204" pitchFamily="34" charset="0"/>
+              <a:buChar char="•"/>
+              <a:defRPr sz="1800" kern="1200">
+                <a:solidFill>
+                  <a:schemeClr val="tx1"/>
+                </a:solidFill>
+                <a:latin typeface="+mn-lt"/>
+                <a:ea typeface="+mn-ea"/>
+                <a:cs typeface="+mn-cs"/>
+              </a:defRPr>
+            </a:lvl7pPr>
+            <a:lvl8pPr marL="3429000" indent="-228600" algn="l" defTabSz="914400" rtl="0" eaLnBrk="1" latinLnBrk="0" hangingPunct="1">
+              <a:lnSpc>
+                <a:spcPct val="90000"/>
+              </a:lnSpc>
+              <a:spcBef>
+                <a:spcPts val="500"/>
+              </a:spcBef>
+              <a:buFont typeface="Arial" panose="020B0604020202020204" pitchFamily="34" charset="0"/>
+              <a:buChar char="•"/>
+              <a:defRPr sz="1800" kern="1200">
+                <a:solidFill>
+                  <a:schemeClr val="tx1"/>
+                </a:solidFill>
+                <a:latin typeface="+mn-lt"/>
+                <a:ea typeface="+mn-ea"/>
+                <a:cs typeface="+mn-cs"/>
+              </a:defRPr>
+            </a:lvl8pPr>
+            <a:lvl9pPr marL="3886200" indent="-228600" algn="l" defTabSz="914400" rtl="0" eaLnBrk="1" latinLnBrk="0" hangingPunct="1">
+              <a:lnSpc>
+                <a:spcPct val="90000"/>
+              </a:lnSpc>
+              <a:spcBef>
+                <a:spcPts val="500"/>
+              </a:spcBef>
+              <a:buFont typeface="Arial" panose="020B0604020202020204" pitchFamily="34" charset="0"/>
+              <a:buChar char="•"/>
+              <a:defRPr sz="1800" kern="1200">
+                <a:solidFill>
+                  <a:schemeClr val="tx1"/>
+                </a:solidFill>
+                <a:latin typeface="+mn-lt"/>
+                <a:ea typeface="+mn-ea"/>
+                <a:cs typeface="+mn-cs"/>
+              </a:defRPr>
+            </a:lvl9pPr>
+          </a:lstStyle>
+          <a:p>
+            <a:pPr marL="0" indent="0">
+              <a:buNone/>
+            </a:pPr>
+            <a:endParaRPr lang="en-US" dirty="0" smtClean="0"/>
+          </a:p>
+          <a:p>
+            <a:r>
+              <a:rPr lang="en-US" sz="2400" dirty="0" smtClean="0"/>
+              <a:t>Sharing is performed per experiment. Shared experiments meta data can be modified by the other </a:t>
+            </a:r>
+            <a:r>
+              <a:rPr lang="en-US" sz="2400" dirty="0" err="1" smtClean="0"/>
+              <a:t>djedais</a:t>
+            </a:r>
+            <a:r>
+              <a:rPr lang="en-US" sz="2400" dirty="0" smtClean="0"/>
+              <a:t>. A </a:t>
+            </a:r>
+            <a:r>
+              <a:rPr lang="en-US" sz="2400" dirty="0" err="1" smtClean="0"/>
+              <a:t>djedai</a:t>
+            </a:r>
+            <a:r>
+              <a:rPr lang="en-US" sz="2400" dirty="0" smtClean="0"/>
+              <a:t> user can not delete an experiment that has been shared to him. </a:t>
+            </a:r>
+            <a:endParaRPr lang="en-US" sz="2200" dirty="0" smtClean="0"/>
+          </a:p>
+          <a:p>
+            <a:pPr lvl="1"/>
+            <a:endParaRPr lang="en-US" sz="2300" dirty="0" smtClean="0"/>
+          </a:p>
+          <a:p>
+            <a:r>
+              <a:rPr lang="en-US" sz="2400" dirty="0" smtClean="0"/>
+              <a:t>Sharing is performed from the first tab by click on “Experiments” and then “Share” on the desired experiment. You can select between sharing with a specific colleague or a team (team sharing might be currently disabled)</a:t>
+            </a:r>
+          </a:p>
+          <a:p>
+            <a:endParaRPr lang="en-US" sz="2200" dirty="0"/>
+          </a:p>
+          <a:p>
+            <a:r>
+              <a:rPr lang="en-US" sz="2400" dirty="0" smtClean="0"/>
+              <a:t>Viewing shared experiments is done by clicking “File associations” and the “Show shared to me” at the bottom left corner of the UI</a:t>
+            </a:r>
+            <a:endParaRPr lang="en-US" sz="2000" dirty="0" smtClean="0"/>
+          </a:p>
+          <a:p>
+            <a:endParaRPr lang="en-US" sz="2400" dirty="0" smtClean="0"/>
+          </a:p>
+        </p:txBody>
+      </p:sp>
+    </p:spTree>
+    <p:extLst>
+      <p:ext uri="{BB962C8B-B14F-4D97-AF65-F5344CB8AC3E}">
+        <p14:creationId xmlns:p14="http://schemas.microsoft.com/office/powerpoint/2010/main" val="1161358813"/>
       </p:ext>
     </p:extLst>
   </p:cSld>
